--- a/Git & Github_ An Introduction to Version Control.pptx
+++ b/Git & Github_ An Introduction to Version Control.pptx
@@ -1472,7 +1472,7 @@
         </p:nvSpPr>
         <p:spPr>
           <a:xfrm>
-            <a:off x="381300" y="685800"/>
+            <a:off x="381000" y="685800"/>
             <a:ext cx="6096000" cy="3429000"/>
           </a:xfrm>
           <a:custGeom>
@@ -11397,7 +11397,68 @@
               <a:buChar char="●"/>
             </a:pPr>
             <a:r>
-              <a:rPr lang="en" sz="1600" dirty="0">
+              <a:rPr lang="en-US" sz="1600" dirty="0">
+                <a:solidFill>
+                  <a:schemeClr val="dk1"/>
+                </a:solidFill>
+                <a:latin typeface="Avenir"/>
+                <a:ea typeface="Avenir"/>
+                <a:cs typeface="Avenir"/>
+                <a:sym typeface="Avenir"/>
+              </a:rPr>
+              <a:t>GitHub Cheat Sheet</a:t>
+            </a:r>
+          </a:p>
+          <a:p>
+            <a:pPr marL="914400" lvl="1" indent="-330200" algn="l" rtl="0">
+              <a:lnSpc>
+                <a:spcPct val="115000"/>
+              </a:lnSpc>
+              <a:spcBef>
+                <a:spcPts val="0"/>
+              </a:spcBef>
+              <a:spcAft>
+                <a:spcPts val="0"/>
+              </a:spcAft>
+              <a:buClr>
+                <a:schemeClr val="dk1"/>
+              </a:buClr>
+              <a:buSzPts val="1600"/>
+              <a:buFont typeface="Avenir"/>
+              <a:buChar char="○"/>
+            </a:pPr>
+            <a:r>
+              <a:rPr lang="en-US" sz="1600" u="sng" dirty="0">
+                <a:solidFill>
+                  <a:schemeClr val="hlink"/>
+                </a:solidFill>
+                <a:hlinkClick r:id="rId4"/>
+              </a:rPr>
+              <a:t>https://training.github.com/downloads/github-git-cheat-sheet.pdf</a:t>
+            </a:r>
+            <a:endParaRPr lang="en-US" sz="1600" u="sng" dirty="0">
+              <a:solidFill>
+                <a:schemeClr val="hlink"/>
+              </a:solidFill>
+            </a:endParaRPr>
+          </a:p>
+          <a:p>
+            <a:pPr marL="457200" lvl="0" indent="-330200" algn="l" rtl="0">
+              <a:spcBef>
+                <a:spcPts val="0"/>
+              </a:spcBef>
+              <a:spcAft>
+                <a:spcPts val="0"/>
+              </a:spcAft>
+              <a:buClr>
+                <a:schemeClr val="dk1"/>
+              </a:buClr>
+              <a:buSzPts val="1600"/>
+              <a:buFont typeface="Avenir"/>
+              <a:buChar char="●"/>
+            </a:pPr>
+            <a:r>
+              <a:rPr lang="en-US" sz="1600" dirty="0">
                 <a:solidFill>
                   <a:schemeClr val="dk1"/>
                 </a:solidFill>
@@ -11408,15 +11469,6 @@
               </a:rPr>
               <a:t>Software Carpentry Git Novice workshop</a:t>
             </a:r>
-            <a:endParaRPr sz="1600" dirty="0">
-              <a:solidFill>
-                <a:schemeClr val="dk1"/>
-              </a:solidFill>
-              <a:latin typeface="Avenir"/>
-              <a:ea typeface="Avenir"/>
-              <a:cs typeface="Avenir"/>
-              <a:sym typeface="Avenir"/>
-            </a:endParaRPr>
           </a:p>
           <a:p>
             <a:pPr marL="914400" lvl="1" indent="-330200" algn="l" rtl="0">
@@ -11437,15 +11489,19 @@
               <a:buChar char="○"/>
             </a:pPr>
             <a:r>
-              <a:rPr lang="en" sz="1600" u="sng" dirty="0">
+              <a:rPr lang="en-US" sz="1600" u="sng" dirty="0">
                 <a:solidFill>
                   <a:schemeClr val="hlink"/>
                 </a:solidFill>
-                <a:hlinkClick r:id="rId4"/>
+                <a:hlinkClick r:id="rId5"/>
               </a:rPr>
               <a:t>https://swcarpentry.github.io/git-novice/</a:t>
             </a:r>
-            <a:endParaRPr sz="1600" u="sng" dirty="0"/>
+            <a:endParaRPr lang="en-US" sz="1600" u="sng" dirty="0">
+              <a:solidFill>
+                <a:schemeClr val="hlink"/>
+              </a:solidFill>
+            </a:endParaRPr>
           </a:p>
           <a:p>
             <a:pPr marL="457200" lvl="0" indent="-330200" algn="l" rtl="0">
@@ -11463,7 +11519,7 @@
               <a:buChar char="●"/>
             </a:pPr>
             <a:r>
-              <a:rPr lang="en" sz="1600" dirty="0">
+              <a:rPr lang="en-US" sz="1600" dirty="0">
                 <a:solidFill>
                   <a:schemeClr val="dk1"/>
                 </a:solidFill>
@@ -11472,17 +11528,8 @@
                 <a:cs typeface="Avenir"/>
                 <a:sym typeface="Avenir"/>
               </a:rPr>
-              <a:t>GitHub Cheat Sheet</a:t>
+              <a:t>Yale Research Computing Git Workshop Video Recording</a:t>
             </a:r>
-            <a:endParaRPr sz="1600" dirty="0">
-              <a:solidFill>
-                <a:schemeClr val="dk1"/>
-              </a:solidFill>
-              <a:latin typeface="Avenir"/>
-              <a:ea typeface="Avenir"/>
-              <a:cs typeface="Avenir"/>
-              <a:sym typeface="Avenir"/>
-            </a:endParaRPr>
           </a:p>
           <a:p>
             <a:pPr marL="914400" lvl="1" indent="-330200" algn="l" rtl="0">
@@ -11503,15 +11550,15 @@
               <a:buChar char="○"/>
             </a:pPr>
             <a:r>
-              <a:rPr lang="en" sz="1600" u="sng" dirty="0">
+              <a:rPr lang="en-US" sz="1600" u="sng" dirty="0">
                 <a:solidFill>
                   <a:schemeClr val="hlink"/>
                 </a:solidFill>
-                <a:hlinkClick r:id="rId5"/>
+                <a:hlinkClick r:id="rId6"/>
               </a:rPr>
-              <a:t>https://training.github.com/downloads/github-git-cheat-sheet.pdf</a:t>
+              <a:t>https://research.computing.yale.edu/training/version-control-git</a:t>
             </a:r>
-            <a:endParaRPr sz="1600" u="sng" dirty="0"/>
+            <a:endParaRPr lang="en-US" sz="1600" u="sng" dirty="0"/>
           </a:p>
           <a:p>
             <a:pPr marL="457200" lvl="0" indent="-330200" algn="l" rtl="0">
@@ -11570,7 +11617,7 @@
                 <a:solidFill>
                   <a:schemeClr val="hlink"/>
                 </a:solidFill>
-                <a:hlinkClick r:id="rId6"/>
+                <a:hlinkClick r:id="rId7"/>
               </a:rPr>
               <a:t>https://open-source-for-researchers.github.io/open-source-workshop/</a:t>
             </a:r>
@@ -11583,72 +11630,6 @@
               <a:cs typeface="Avenir"/>
               <a:sym typeface="Avenir"/>
             </a:endParaRPr>
-          </a:p>
-          <a:p>
-            <a:pPr marL="457200" lvl="0" indent="-330200" algn="l" rtl="0">
-              <a:spcBef>
-                <a:spcPts val="0"/>
-              </a:spcBef>
-              <a:spcAft>
-                <a:spcPts val="0"/>
-              </a:spcAft>
-              <a:buClr>
-                <a:schemeClr val="dk1"/>
-              </a:buClr>
-              <a:buSzPts val="1600"/>
-              <a:buFont typeface="Avenir"/>
-              <a:buChar char="●"/>
-            </a:pPr>
-            <a:r>
-              <a:rPr lang="en" sz="1600" dirty="0">
-                <a:solidFill>
-                  <a:schemeClr val="dk1"/>
-                </a:solidFill>
-                <a:latin typeface="Avenir"/>
-                <a:ea typeface="Avenir"/>
-                <a:cs typeface="Avenir"/>
-                <a:sym typeface="Avenir"/>
-              </a:rPr>
-              <a:t>Yale Research Computing Git Workshop Video Recording</a:t>
-            </a:r>
-            <a:endParaRPr sz="1600" dirty="0">
-              <a:solidFill>
-                <a:schemeClr val="dk1"/>
-              </a:solidFill>
-              <a:latin typeface="Avenir"/>
-              <a:ea typeface="Avenir"/>
-              <a:cs typeface="Avenir"/>
-              <a:sym typeface="Avenir"/>
-            </a:endParaRPr>
-          </a:p>
-          <a:p>
-            <a:pPr marL="914400" lvl="1" indent="-330200" algn="l" rtl="0">
-              <a:lnSpc>
-                <a:spcPct val="115000"/>
-              </a:lnSpc>
-              <a:spcBef>
-                <a:spcPts val="0"/>
-              </a:spcBef>
-              <a:spcAft>
-                <a:spcPts val="0"/>
-              </a:spcAft>
-              <a:buClr>
-                <a:schemeClr val="dk1"/>
-              </a:buClr>
-              <a:buSzPts val="1600"/>
-              <a:buFont typeface="Avenir"/>
-              <a:buChar char="○"/>
-            </a:pPr>
-            <a:r>
-              <a:rPr lang="en" sz="1600" u="sng" dirty="0">
-                <a:solidFill>
-                  <a:schemeClr val="hlink"/>
-                </a:solidFill>
-                <a:hlinkClick r:id="rId7"/>
-              </a:rPr>
-              <a:t>https://research.computing.yale.edu/training/version-control-git</a:t>
-            </a:r>
-            <a:endParaRPr sz="1600" b="1" u="sng" dirty="0"/>
           </a:p>
           <a:p>
             <a:pPr marL="914400" lvl="0" indent="0" algn="l" rtl="0">

--- a/Git & Github_ An Introduction to Version Control.pptx
+++ b/Git & Github_ An Introduction to Version Control.pptx
@@ -9,14 +9,14 @@
   </p:notesMasterIdLst>
   <p:sldIdLst>
     <p:sldId id="256" r:id="rId2"/>
-    <p:sldId id="257" r:id="rId3"/>
-    <p:sldId id="258" r:id="rId4"/>
-    <p:sldId id="259" r:id="rId5"/>
-    <p:sldId id="260" r:id="rId6"/>
-    <p:sldId id="261" r:id="rId7"/>
-    <p:sldId id="262" r:id="rId8"/>
-    <p:sldId id="263" r:id="rId9"/>
-    <p:sldId id="264" r:id="rId10"/>
+    <p:sldId id="258" r:id="rId3"/>
+    <p:sldId id="263" r:id="rId4"/>
+    <p:sldId id="264" r:id="rId5"/>
+    <p:sldId id="257" r:id="rId6"/>
+    <p:sldId id="259" r:id="rId7"/>
+    <p:sldId id="260" r:id="rId8"/>
+    <p:sldId id="261" r:id="rId9"/>
+    <p:sldId id="262" r:id="rId10"/>
     <p:sldId id="265" r:id="rId11"/>
     <p:sldId id="266" r:id="rId12"/>
     <p:sldId id="267" r:id="rId13"/>
@@ -1472,7 +1472,7 @@
         </p:nvSpPr>
         <p:spPr>
           <a:xfrm>
-            <a:off x="381000" y="685800"/>
+            <a:off x="381300" y="685800"/>
             <a:ext cx="6096000" cy="3429000"/>
           </a:xfrm>
           <a:custGeom>
@@ -1760,6 +1760,1207 @@
   <p:cSld>
     <p:spTree>
       <p:nvGrpSpPr>
+        <p:cNvPr id="1" name="Shape 86"/>
+        <p:cNvGrpSpPr/>
+        <p:nvPr/>
+      </p:nvGrpSpPr>
+      <p:grpSpPr>
+        <a:xfrm>
+          <a:off x="0" y="0"/>
+          <a:ext cx="0" cy="0"/>
+          <a:chOff x="0" y="0"/>
+          <a:chExt cx="0" cy="0"/>
+        </a:xfrm>
+      </p:grpSpPr>
+      <p:sp>
+        <p:nvSpPr>
+          <p:cNvPr id="87" name="Google Shape;87;g2dda2c691b6_0_79:notes"/>
+          <p:cNvSpPr>
+            <a:spLocks noGrp="1" noRot="1" noChangeAspect="1"/>
+          </p:cNvSpPr>
+          <p:nvPr>
+            <p:ph type="sldImg" idx="2"/>
+          </p:nvPr>
+        </p:nvSpPr>
+        <p:spPr>
+          <a:xfrm>
+            <a:off x="381000" y="685800"/>
+            <a:ext cx="6096000" cy="3429000"/>
+          </a:xfrm>
+          <a:custGeom>
+            <a:avLst/>
+            <a:gdLst/>
+            <a:ahLst/>
+            <a:cxnLst/>
+            <a:rect l="l" t="t" r="r" b="b"/>
+            <a:pathLst>
+              <a:path w="120000" h="120000" extrusionOk="0">
+                <a:moveTo>
+                  <a:pt x="0" y="0"/>
+                </a:moveTo>
+                <a:lnTo>
+                  <a:pt x="120000" y="0"/>
+                </a:lnTo>
+                <a:lnTo>
+                  <a:pt x="120000" y="120000"/>
+                </a:lnTo>
+                <a:lnTo>
+                  <a:pt x="0" y="120000"/>
+                </a:lnTo>
+                <a:close/>
+              </a:path>
+            </a:pathLst>
+          </a:custGeom>
+        </p:spPr>
+      </p:sp>
+      <p:sp>
+        <p:nvSpPr>
+          <p:cNvPr id="88" name="Google Shape;88;g2dda2c691b6_0_79:notes"/>
+          <p:cNvSpPr txBox="1">
+            <a:spLocks noGrp="1"/>
+          </p:cNvSpPr>
+          <p:nvPr>
+            <p:ph type="body" idx="1"/>
+          </p:nvPr>
+        </p:nvSpPr>
+        <p:spPr>
+          <a:xfrm>
+            <a:off x="685800" y="4343400"/>
+            <a:ext cx="5486400" cy="4114800"/>
+          </a:xfrm>
+          <a:prstGeom prst="rect">
+            <a:avLst/>
+          </a:prstGeom>
+        </p:spPr>
+        <p:txBody>
+          <a:bodyPr spcFirstLastPara="1" wrap="square" lIns="91425" tIns="91425" rIns="91425" bIns="91425" anchor="t" anchorCtr="0">
+            <a:noAutofit/>
+          </a:bodyPr>
+          <a:lstStyle/>
+          <a:p>
+            <a:pPr marL="0" lvl="0" indent="0" algn="l" rtl="0">
+              <a:spcBef>
+                <a:spcPts val="0"/>
+              </a:spcBef>
+              <a:spcAft>
+                <a:spcPts val="0"/>
+              </a:spcAft>
+              <a:buNone/>
+            </a:pPr>
+            <a:r>
+              <a:rPr lang="en" sz="1200">
+                <a:solidFill>
+                  <a:schemeClr val="dk1"/>
+                </a:solidFill>
+              </a:rPr>
+              <a:t>We’ve all been in this situation before: it seems unnecessary to have multiple nearly-identical versions of the same document. Some word processors let us deal with this a little better, such as Microsoft Word’s Track Changes, Google Docs’ version history, or LibreOffice’s Recording and Displaying Changes</a:t>
+            </a:r>
+            <a:endParaRPr sz="1200">
+              <a:solidFill>
+                <a:schemeClr val="dk1"/>
+              </a:solidFill>
+            </a:endParaRPr>
+          </a:p>
+          <a:p>
+            <a:pPr marL="0" lvl="0" indent="0" algn="l" rtl="0">
+              <a:lnSpc>
+                <a:spcPct val="115000"/>
+              </a:lnSpc>
+              <a:spcBef>
+                <a:spcPts val="1300"/>
+              </a:spcBef>
+              <a:spcAft>
+                <a:spcPts val="0"/>
+              </a:spcAft>
+              <a:buNone/>
+            </a:pPr>
+            <a:r>
+              <a:rPr lang="en" sz="1200">
+                <a:solidFill>
+                  <a:schemeClr val="dk1"/>
+                </a:solidFill>
+              </a:rPr>
+              <a:t>Version control is a system that records changes to a file or set of files over time so that you can recall specific versions later.</a:t>
+            </a:r>
+            <a:endParaRPr sz="1200">
+              <a:solidFill>
+                <a:schemeClr val="dk1"/>
+              </a:solidFill>
+            </a:endParaRPr>
+          </a:p>
+          <a:p>
+            <a:pPr marL="0" lvl="0" indent="0" algn="l" rtl="0">
+              <a:spcBef>
+                <a:spcPts val="2500"/>
+              </a:spcBef>
+              <a:spcAft>
+                <a:spcPts val="0"/>
+              </a:spcAft>
+              <a:buClr>
+                <a:schemeClr val="dk1"/>
+              </a:buClr>
+              <a:buSzPts val="1100"/>
+              <a:buFont typeface="Arial"/>
+              <a:buNone/>
+            </a:pPr>
+            <a:endParaRPr sz="1200">
+              <a:solidFill>
+                <a:schemeClr val="dk1"/>
+              </a:solidFill>
+            </a:endParaRPr>
+          </a:p>
+        </p:txBody>
+      </p:sp>
+    </p:spTree>
+  </p:cSld>
+  <p:clrMapOvr>
+    <a:masterClrMapping/>
+  </p:clrMapOvr>
+</p:notes>
+</file>
+
+<file path=ppt/notesSlides/notesSlide3.xml><?xml version="1.0" encoding="utf-8"?>
+<p:notes xmlns:a="http://schemas.openxmlformats.org/drawingml/2006/main" xmlns:r="http://schemas.openxmlformats.org/officeDocument/2006/relationships" xmlns:p="http://schemas.openxmlformats.org/presentationml/2006/main" showMasterSp="0" showMasterPhAnim="0">
+  <p:cSld>
+    <p:spTree>
+      <p:nvGrpSpPr>
+        <p:cNvPr id="1" name="Shape 125"/>
+        <p:cNvGrpSpPr/>
+        <p:nvPr/>
+      </p:nvGrpSpPr>
+      <p:grpSpPr>
+        <a:xfrm>
+          <a:off x="0" y="0"/>
+          <a:ext cx="0" cy="0"/>
+          <a:chOff x="0" y="0"/>
+          <a:chExt cx="0" cy="0"/>
+        </a:xfrm>
+      </p:grpSpPr>
+      <p:sp>
+        <p:nvSpPr>
+          <p:cNvPr id="126" name="Google Shape;126;g2dda2c691b6_0_85:notes"/>
+          <p:cNvSpPr>
+            <a:spLocks noGrp="1" noRot="1" noChangeAspect="1"/>
+          </p:cNvSpPr>
+          <p:nvPr>
+            <p:ph type="sldImg" idx="2"/>
+          </p:nvPr>
+        </p:nvSpPr>
+        <p:spPr>
+          <a:xfrm>
+            <a:off x="381000" y="685800"/>
+            <a:ext cx="6096000" cy="3429000"/>
+          </a:xfrm>
+          <a:custGeom>
+            <a:avLst/>
+            <a:gdLst/>
+            <a:ahLst/>
+            <a:cxnLst/>
+            <a:rect l="l" t="t" r="r" b="b"/>
+            <a:pathLst>
+              <a:path w="120000" h="120000" extrusionOk="0">
+                <a:moveTo>
+                  <a:pt x="0" y="0"/>
+                </a:moveTo>
+                <a:lnTo>
+                  <a:pt x="120000" y="0"/>
+                </a:lnTo>
+                <a:lnTo>
+                  <a:pt x="120000" y="120000"/>
+                </a:lnTo>
+                <a:lnTo>
+                  <a:pt x="0" y="120000"/>
+                </a:lnTo>
+                <a:close/>
+              </a:path>
+            </a:pathLst>
+          </a:custGeom>
+        </p:spPr>
+      </p:sp>
+      <p:sp>
+        <p:nvSpPr>
+          <p:cNvPr id="127" name="Google Shape;127;g2dda2c691b6_0_85:notes"/>
+          <p:cNvSpPr txBox="1">
+            <a:spLocks noGrp="1"/>
+          </p:cNvSpPr>
+          <p:nvPr>
+            <p:ph type="body" idx="1"/>
+          </p:nvPr>
+        </p:nvSpPr>
+        <p:spPr>
+          <a:xfrm>
+            <a:off x="685800" y="4343400"/>
+            <a:ext cx="5486400" cy="4114800"/>
+          </a:xfrm>
+          <a:prstGeom prst="rect">
+            <a:avLst/>
+          </a:prstGeom>
+        </p:spPr>
+        <p:txBody>
+          <a:bodyPr spcFirstLastPara="1" wrap="square" lIns="91425" tIns="91425" rIns="91425" bIns="91425" anchor="t" anchorCtr="0">
+            <a:noAutofit/>
+          </a:bodyPr>
+          <a:lstStyle/>
+          <a:p>
+            <a:pPr marL="0" lvl="0" indent="0" algn="l" rtl="0">
+              <a:spcBef>
+                <a:spcPts val="0"/>
+              </a:spcBef>
+              <a:spcAft>
+                <a:spcPts val="0"/>
+              </a:spcAft>
+              <a:buNone/>
+            </a:pPr>
+            <a:r>
+              <a:rPr lang="en" sz="1400">
+                <a:solidFill>
+                  <a:schemeClr val="dk1"/>
+                </a:solidFill>
+              </a:rPr>
+              <a:t>Git accomplishes version control by creating a repository in a selected folder on your computer. </a:t>
+            </a:r>
+            <a:endParaRPr sz="1400">
+              <a:solidFill>
+                <a:schemeClr val="dk1"/>
+              </a:solidFill>
+            </a:endParaRPr>
+          </a:p>
+          <a:p>
+            <a:pPr marL="0" lvl="0" indent="0" algn="l" rtl="0">
+              <a:spcBef>
+                <a:spcPts val="0"/>
+              </a:spcBef>
+              <a:spcAft>
+                <a:spcPts val="0"/>
+              </a:spcAft>
+              <a:buNone/>
+            </a:pPr>
+            <a:r>
+              <a:rPr lang="en" sz="1400">
+                <a:solidFill>
+                  <a:schemeClr val="dk1"/>
+                </a:solidFill>
+              </a:rPr>
+              <a:t>In </a:t>
+            </a:r>
+            <a:r>
+              <a:rPr lang="en" sz="1400">
+                <a:solidFill>
+                  <a:schemeClr val="dk1"/>
+                </a:solidFill>
+                <a:uFill>
+                  <a:noFill/>
+                </a:uFill>
+                <a:hlinkClick r:id="rId3">
+                  <a:extLst>
+                    <a:ext uri="{A12FA001-AC4F-418D-AE19-62706E023703}">
+                      <ahyp:hlinkClr xmlns:ahyp="http://schemas.microsoft.com/office/drawing/2018/hyperlinkcolor" val="tx"/>
+                    </a:ext>
+                  </a:extLst>
+                </a:hlinkClick>
+              </a:rPr>
+              <a:t>software development</a:t>
+            </a:r>
+            <a:r>
+              <a:rPr lang="en" sz="1400">
+                <a:solidFill>
+                  <a:schemeClr val="dk1"/>
+                </a:solidFill>
+              </a:rPr>
+              <a:t>, </a:t>
+            </a:r>
+            <a:r>
+              <a:rPr lang="en" sz="1400" b="1">
+                <a:solidFill>
+                  <a:schemeClr val="dk1"/>
+                </a:solidFill>
+              </a:rPr>
+              <a:t>distributed version control</a:t>
+            </a:r>
+            <a:r>
+              <a:rPr lang="en" sz="1400">
+                <a:solidFill>
+                  <a:schemeClr val="dk1"/>
+                </a:solidFill>
+              </a:rPr>
+              <a:t> a form of </a:t>
+            </a:r>
+            <a:r>
+              <a:rPr lang="en" sz="1400">
+                <a:solidFill>
+                  <a:schemeClr val="dk1"/>
+                </a:solidFill>
+                <a:uFill>
+                  <a:noFill/>
+                </a:uFill>
+                <a:hlinkClick r:id="rId4">
+                  <a:extLst>
+                    <a:ext uri="{A12FA001-AC4F-418D-AE19-62706E023703}">
+                      <ahyp:hlinkClr xmlns:ahyp="http://schemas.microsoft.com/office/drawing/2018/hyperlinkcolor" val="tx"/>
+                    </a:ext>
+                  </a:extLst>
+                </a:hlinkClick>
+              </a:rPr>
+              <a:t>version control</a:t>
+            </a:r>
+            <a:r>
+              <a:rPr lang="en" sz="1400">
+                <a:solidFill>
+                  <a:schemeClr val="dk1"/>
+                </a:solidFill>
+              </a:rPr>
+              <a:t> in which the complete </a:t>
+            </a:r>
+            <a:r>
+              <a:rPr lang="en" sz="1400">
+                <a:solidFill>
+                  <a:schemeClr val="dk1"/>
+                </a:solidFill>
+                <a:uFill>
+                  <a:noFill/>
+                </a:uFill>
+                <a:hlinkClick r:id="rId5">
+                  <a:extLst>
+                    <a:ext uri="{A12FA001-AC4F-418D-AE19-62706E023703}">
+                      <ahyp:hlinkClr xmlns:ahyp="http://schemas.microsoft.com/office/drawing/2018/hyperlinkcolor" val="tx"/>
+                    </a:ext>
+                  </a:extLst>
+                </a:hlinkClick>
+              </a:rPr>
+              <a:t>codebase</a:t>
+            </a:r>
+            <a:r>
+              <a:rPr lang="en" sz="1400">
+                <a:solidFill>
+                  <a:schemeClr val="dk1"/>
+                </a:solidFill>
+              </a:rPr>
+              <a:t>, including its full history, is mirrored or distributed on every developer's computer. </a:t>
+            </a:r>
+            <a:endParaRPr sz="1400">
+              <a:solidFill>
+                <a:schemeClr val="dk1"/>
+              </a:solidFill>
+            </a:endParaRPr>
+          </a:p>
+          <a:p>
+            <a:pPr marL="0" lvl="0" indent="0" algn="l" rtl="0">
+              <a:spcBef>
+                <a:spcPts val="0"/>
+              </a:spcBef>
+              <a:spcAft>
+                <a:spcPts val="0"/>
+              </a:spcAft>
+              <a:buNone/>
+            </a:pPr>
+            <a:r>
+              <a:rPr lang="en" sz="1400">
+                <a:solidFill>
+                  <a:schemeClr val="dk1"/>
+                </a:solidFill>
+              </a:rPr>
+              <a:t>It enables multiple developers to work on a single project simultaneously, managing and tracking changes to the codebase over time.</a:t>
+            </a:r>
+            <a:endParaRPr sz="1400">
+              <a:solidFill>
+                <a:schemeClr val="dk1"/>
+              </a:solidFill>
+            </a:endParaRPr>
+          </a:p>
+          <a:p>
+            <a:pPr marL="0" lvl="0" indent="0" algn="l" rtl="0">
+              <a:spcBef>
+                <a:spcPts val="0"/>
+              </a:spcBef>
+              <a:spcAft>
+                <a:spcPts val="0"/>
+              </a:spcAft>
+              <a:buNone/>
+            </a:pPr>
+            <a:r>
+              <a:rPr lang="en" sz="1400">
+                <a:solidFill>
+                  <a:schemeClr val="dk1"/>
+                </a:solidFill>
+              </a:rPr>
+              <a:t>Benefits</a:t>
+            </a:r>
+            <a:endParaRPr sz="1400">
+              <a:solidFill>
+                <a:schemeClr val="dk1"/>
+              </a:solidFill>
+            </a:endParaRPr>
+          </a:p>
+          <a:p>
+            <a:pPr marL="0" lvl="0" indent="0" algn="l" rtl="0">
+              <a:spcBef>
+                <a:spcPts val="0"/>
+              </a:spcBef>
+              <a:spcAft>
+                <a:spcPts val="0"/>
+              </a:spcAft>
+              <a:buNone/>
+            </a:pPr>
+            <a:endParaRPr/>
+          </a:p>
+          <a:p>
+            <a:pPr marL="0" lvl="0" indent="0" algn="l" rtl="0">
+              <a:spcBef>
+                <a:spcPts val="0"/>
+              </a:spcBef>
+              <a:spcAft>
+                <a:spcPts val="0"/>
+              </a:spcAft>
+              <a:buClr>
+                <a:schemeClr val="dk1"/>
+              </a:buClr>
+              <a:buSzPts val="1100"/>
+              <a:buFont typeface="Arial"/>
+              <a:buNone/>
+            </a:pPr>
+            <a:r>
+              <a:rPr lang="en"/>
+              <a:t>• **Local and Remote Repositories:** Git allows distributed version control, enabling users to work locally and then push changes to a remote repository.</a:t>
+            </a:r>
+            <a:endParaRPr/>
+          </a:p>
+          <a:p>
+            <a:pPr marL="0" lvl="0" indent="0" algn="l" rtl="0">
+              <a:spcBef>
+                <a:spcPts val="0"/>
+              </a:spcBef>
+              <a:spcAft>
+                <a:spcPts val="0"/>
+              </a:spcAft>
+              <a:buClr>
+                <a:schemeClr val="dk1"/>
+              </a:buClr>
+              <a:buSzPts val="1100"/>
+              <a:buFont typeface="Arial"/>
+              <a:buNone/>
+            </a:pPr>
+            <a:endParaRPr/>
+          </a:p>
+          <a:p>
+            <a:pPr marL="0" lvl="0" indent="0" algn="l" rtl="0">
+              <a:spcBef>
+                <a:spcPts val="0"/>
+              </a:spcBef>
+              <a:spcAft>
+                <a:spcPts val="0"/>
+              </a:spcAft>
+              <a:buClr>
+                <a:schemeClr val="dk1"/>
+              </a:buClr>
+              <a:buSzPts val="1100"/>
+              <a:buFont typeface="Arial"/>
+              <a:buNone/>
+            </a:pPr>
+            <a:r>
+              <a:rPr lang="en"/>
+              <a:t>• **Branching Capabilities:** Supports branching and merging, allowing you to diverge from the main line of development and create alternate versions of files and directories.</a:t>
+            </a:r>
+            <a:endParaRPr/>
+          </a:p>
+          <a:p>
+            <a:pPr marL="0" lvl="0" indent="0" algn="l" rtl="0">
+              <a:spcBef>
+                <a:spcPts val="0"/>
+              </a:spcBef>
+              <a:spcAft>
+                <a:spcPts val="0"/>
+              </a:spcAft>
+              <a:buClr>
+                <a:schemeClr val="dk1"/>
+              </a:buClr>
+              <a:buSzPts val="1100"/>
+              <a:buFont typeface="Arial"/>
+              <a:buNone/>
+            </a:pPr>
+            <a:endParaRPr/>
+          </a:p>
+          <a:p>
+            <a:pPr marL="0" lvl="0" indent="0" algn="l" rtl="0">
+              <a:spcBef>
+                <a:spcPts val="0"/>
+              </a:spcBef>
+              <a:spcAft>
+                <a:spcPts val="0"/>
+              </a:spcAft>
+              <a:buClr>
+                <a:schemeClr val="dk1"/>
+              </a:buClr>
+              <a:buSzPts val="1100"/>
+              <a:buFont typeface="Arial"/>
+              <a:buNone/>
+            </a:pPr>
+            <a:r>
+              <a:rPr lang="en"/>
+              <a:t>• **Flexibility in Workflows:** Git supports various workflows such as centralized, feature branch, Gitflow, and Forking, providing flexibility depending on the project needs.</a:t>
+            </a:r>
+            <a:endParaRPr/>
+          </a:p>
+          <a:p>
+            <a:pPr marL="0" lvl="0" indent="0" algn="l" rtl="0">
+              <a:spcBef>
+                <a:spcPts val="0"/>
+              </a:spcBef>
+              <a:spcAft>
+                <a:spcPts val="0"/>
+              </a:spcAft>
+              <a:buNone/>
+            </a:pPr>
+            <a:endParaRPr/>
+          </a:p>
+        </p:txBody>
+      </p:sp>
+    </p:spTree>
+  </p:cSld>
+  <p:clrMapOvr>
+    <a:masterClrMapping/>
+  </p:clrMapOvr>
+</p:notes>
+</file>
+
+<file path=ppt/notesSlides/notesSlide4.xml><?xml version="1.0" encoding="utf-8"?>
+<p:notes xmlns:a="http://schemas.openxmlformats.org/drawingml/2006/main" xmlns:r="http://schemas.openxmlformats.org/officeDocument/2006/relationships" xmlns:p="http://schemas.openxmlformats.org/presentationml/2006/main" showMasterSp="0" showMasterPhAnim="0">
+  <p:cSld>
+    <p:spTree>
+      <p:nvGrpSpPr>
+        <p:cNvPr id="1" name="Shape 133"/>
+        <p:cNvGrpSpPr/>
+        <p:nvPr/>
+      </p:nvGrpSpPr>
+      <p:grpSpPr>
+        <a:xfrm>
+          <a:off x="0" y="0"/>
+          <a:ext cx="0" cy="0"/>
+          <a:chOff x="0" y="0"/>
+          <a:chExt cx="0" cy="0"/>
+        </a:xfrm>
+      </p:grpSpPr>
+      <p:sp>
+        <p:nvSpPr>
+          <p:cNvPr id="134" name="Google Shape;134;g2dda2c691b6_0_273:notes"/>
+          <p:cNvSpPr>
+            <a:spLocks noGrp="1" noRot="1" noChangeAspect="1"/>
+          </p:cNvSpPr>
+          <p:nvPr>
+            <p:ph type="sldImg" idx="2"/>
+          </p:nvPr>
+        </p:nvSpPr>
+        <p:spPr>
+          <a:xfrm>
+            <a:off x="381000" y="685800"/>
+            <a:ext cx="6096000" cy="3429000"/>
+          </a:xfrm>
+          <a:custGeom>
+            <a:avLst/>
+            <a:gdLst/>
+            <a:ahLst/>
+            <a:cxnLst/>
+            <a:rect l="l" t="t" r="r" b="b"/>
+            <a:pathLst>
+              <a:path w="120000" h="120000" extrusionOk="0">
+                <a:moveTo>
+                  <a:pt x="0" y="0"/>
+                </a:moveTo>
+                <a:lnTo>
+                  <a:pt x="120000" y="0"/>
+                </a:lnTo>
+                <a:lnTo>
+                  <a:pt x="120000" y="120000"/>
+                </a:lnTo>
+                <a:lnTo>
+                  <a:pt x="0" y="120000"/>
+                </a:lnTo>
+                <a:close/>
+              </a:path>
+            </a:pathLst>
+          </a:custGeom>
+        </p:spPr>
+      </p:sp>
+      <p:sp>
+        <p:nvSpPr>
+          <p:cNvPr id="135" name="Google Shape;135;g2dda2c691b6_0_273:notes"/>
+          <p:cNvSpPr txBox="1">
+            <a:spLocks noGrp="1"/>
+          </p:cNvSpPr>
+          <p:nvPr>
+            <p:ph type="body" idx="1"/>
+          </p:nvPr>
+        </p:nvSpPr>
+        <p:spPr>
+          <a:xfrm>
+            <a:off x="685800" y="4343400"/>
+            <a:ext cx="5486400" cy="4114800"/>
+          </a:xfrm>
+          <a:prstGeom prst="rect">
+            <a:avLst/>
+          </a:prstGeom>
+        </p:spPr>
+        <p:txBody>
+          <a:bodyPr spcFirstLastPara="1" wrap="square" lIns="91425" tIns="91425" rIns="91425" bIns="91425" anchor="t" anchorCtr="0">
+            <a:noAutofit/>
+          </a:bodyPr>
+          <a:lstStyle/>
+          <a:p>
+            <a:pPr marL="0" lvl="0" indent="0" algn="l" rtl="0">
+              <a:spcBef>
+                <a:spcPts val="0"/>
+              </a:spcBef>
+              <a:spcAft>
+                <a:spcPts val="0"/>
+              </a:spcAft>
+              <a:buNone/>
+            </a:pPr>
+            <a:endParaRPr sz="1400">
+              <a:solidFill>
+                <a:schemeClr val="dk1"/>
+              </a:solidFill>
+            </a:endParaRPr>
+          </a:p>
+          <a:p>
+            <a:pPr marL="0" lvl="0" indent="0" algn="l" rtl="0">
+              <a:spcBef>
+                <a:spcPts val="0"/>
+              </a:spcBef>
+              <a:spcAft>
+                <a:spcPts val="0"/>
+              </a:spcAft>
+              <a:buNone/>
+            </a:pPr>
+            <a:r>
+              <a:rPr lang="en" sz="1400">
+                <a:solidFill>
+                  <a:schemeClr val="dk1"/>
+                </a:solidFill>
+              </a:rPr>
+              <a:t>While GitHub’s major use is software development it can be utilized for many use cases as we discussed earlier.</a:t>
+            </a:r>
+            <a:endParaRPr sz="1400">
+              <a:solidFill>
+                <a:schemeClr val="dk1"/>
+              </a:solidFill>
+            </a:endParaRPr>
+          </a:p>
+          <a:p>
+            <a:pPr marL="0" lvl="0" indent="0" algn="l" rtl="0">
+              <a:spcBef>
+                <a:spcPts val="0"/>
+              </a:spcBef>
+              <a:spcAft>
+                <a:spcPts val="0"/>
+              </a:spcAft>
+              <a:buNone/>
+            </a:pPr>
+            <a:endParaRPr sz="1400">
+              <a:solidFill>
+                <a:schemeClr val="dk1"/>
+              </a:solidFill>
+            </a:endParaRPr>
+          </a:p>
+          <a:p>
+            <a:pPr marL="0" lvl="0" indent="0" algn="l" rtl="0">
+              <a:spcBef>
+                <a:spcPts val="0"/>
+              </a:spcBef>
+              <a:spcAft>
+                <a:spcPts val="0"/>
+              </a:spcAft>
+              <a:buNone/>
+            </a:pPr>
+            <a:r>
+              <a:rPr lang="en" sz="1400">
+                <a:solidFill>
+                  <a:schemeClr val="dk1"/>
+                </a:solidFill>
+              </a:rPr>
+              <a:t> It provides a graphical interface on top of Git's command-line tooling, making it more accessible to a wider range of users.</a:t>
+            </a:r>
+            <a:endParaRPr sz="1400">
+              <a:solidFill>
+                <a:schemeClr val="dk1"/>
+              </a:solidFill>
+            </a:endParaRPr>
+          </a:p>
+          <a:p>
+            <a:pPr marL="0" lvl="0" indent="0" algn="l" rtl="0">
+              <a:spcBef>
+                <a:spcPts val="0"/>
+              </a:spcBef>
+              <a:spcAft>
+                <a:spcPts val="0"/>
+              </a:spcAft>
+              <a:buNone/>
+            </a:pPr>
+            <a:endParaRPr sz="1400">
+              <a:solidFill>
+                <a:schemeClr val="dk1"/>
+              </a:solidFill>
+            </a:endParaRPr>
+          </a:p>
+          <a:p>
+            <a:pPr marL="0" lvl="0" indent="0" algn="l" rtl="0">
+              <a:spcBef>
+                <a:spcPts val="0"/>
+              </a:spcBef>
+              <a:spcAft>
+                <a:spcPts val="0"/>
+              </a:spcAft>
+              <a:buNone/>
+            </a:pPr>
+            <a:r>
+              <a:rPr lang="en" sz="1400">
+                <a:solidFill>
+                  <a:schemeClr val="dk1"/>
+                </a:solidFill>
+              </a:rPr>
+              <a:t>GitHub repositories also function as backups of your work while allowing you to collaborate with others if necessary.</a:t>
+            </a:r>
+            <a:endParaRPr sz="1400">
+              <a:solidFill>
+                <a:schemeClr val="dk1"/>
+              </a:solidFill>
+            </a:endParaRPr>
+          </a:p>
+          <a:p>
+            <a:pPr marL="0" lvl="0" indent="0" algn="l" rtl="0">
+              <a:spcBef>
+                <a:spcPts val="0"/>
+              </a:spcBef>
+              <a:spcAft>
+                <a:spcPts val="0"/>
+              </a:spcAft>
+              <a:buNone/>
+            </a:pPr>
+            <a:endParaRPr sz="1400" b="1">
+              <a:solidFill>
+                <a:schemeClr val="dk1"/>
+              </a:solidFill>
+            </a:endParaRPr>
+          </a:p>
+          <a:p>
+            <a:pPr marL="317500" lvl="0" indent="-317500" algn="l" rtl="0">
+              <a:lnSpc>
+                <a:spcPct val="115000"/>
+              </a:lnSpc>
+              <a:spcBef>
+                <a:spcPts val="0"/>
+              </a:spcBef>
+              <a:spcAft>
+                <a:spcPts val="0"/>
+              </a:spcAft>
+              <a:buNone/>
+            </a:pPr>
+            <a:r>
+              <a:rPr lang="en" sz="1400">
+                <a:solidFill>
+                  <a:schemeClr val="dk1"/>
+                </a:solidFill>
+              </a:rPr>
+              <a:t>Hosts millions of open-source projects, fostering a large developer community.</a:t>
+            </a:r>
+            <a:endParaRPr sz="1400">
+              <a:solidFill>
+                <a:schemeClr val="dk1"/>
+              </a:solidFill>
+            </a:endParaRPr>
+          </a:p>
+          <a:p>
+            <a:pPr marL="0" lvl="0" indent="0" algn="l" rtl="0">
+              <a:spcBef>
+                <a:spcPts val="0"/>
+              </a:spcBef>
+              <a:spcAft>
+                <a:spcPts val="0"/>
+              </a:spcAft>
+              <a:buNone/>
+            </a:pPr>
+            <a:endParaRPr sz="1400">
+              <a:solidFill>
+                <a:schemeClr val="dk1"/>
+              </a:solidFill>
+            </a:endParaRPr>
+          </a:p>
+          <a:p>
+            <a:pPr marL="0" lvl="0" indent="0" algn="l" rtl="0">
+              <a:spcBef>
+                <a:spcPts val="0"/>
+              </a:spcBef>
+              <a:spcAft>
+                <a:spcPts val="0"/>
+              </a:spcAft>
+              <a:buNone/>
+            </a:pPr>
+            <a:r>
+              <a:rPr lang="en" sz="1400">
+                <a:solidFill>
+                  <a:schemeClr val="dk1"/>
+                </a:solidFill>
+              </a:rPr>
+              <a:t>Codespace: Each is hosted by GitHub in a Docker container, running on a virtual machine.</a:t>
+            </a:r>
+            <a:endParaRPr sz="1400">
+              <a:solidFill>
+                <a:schemeClr val="dk1"/>
+              </a:solidFill>
+            </a:endParaRPr>
+          </a:p>
+          <a:p>
+            <a:pPr marL="0" lvl="0" indent="0" algn="l" rtl="0">
+              <a:spcBef>
+                <a:spcPts val="0"/>
+              </a:spcBef>
+              <a:spcAft>
+                <a:spcPts val="0"/>
+              </a:spcAft>
+              <a:buNone/>
+            </a:pPr>
+            <a:r>
+              <a:rPr lang="en" sz="1400">
+                <a:solidFill>
+                  <a:schemeClr val="dk1"/>
+                </a:solidFill>
+              </a:rPr>
+              <a:t>	Development platform, free initial use, pay by use after.</a:t>
+            </a:r>
+            <a:endParaRPr sz="1400">
+              <a:solidFill>
+                <a:schemeClr val="dk1"/>
+              </a:solidFill>
+            </a:endParaRPr>
+          </a:p>
+          <a:p>
+            <a:pPr marL="0" lvl="0" indent="0" algn="l" rtl="0">
+              <a:spcBef>
+                <a:spcPts val="0"/>
+              </a:spcBef>
+              <a:spcAft>
+                <a:spcPts val="0"/>
+              </a:spcAft>
+              <a:buNone/>
+            </a:pPr>
+            <a:endParaRPr sz="1400">
+              <a:solidFill>
+                <a:schemeClr val="dk1"/>
+              </a:solidFill>
+            </a:endParaRPr>
+          </a:p>
+          <a:p>
+            <a:pPr marL="0" lvl="0" indent="0" algn="l" rtl="0">
+              <a:spcBef>
+                <a:spcPts val="0"/>
+              </a:spcBef>
+              <a:spcAft>
+                <a:spcPts val="0"/>
+              </a:spcAft>
+              <a:buNone/>
+            </a:pPr>
+            <a:r>
+              <a:rPr lang="en" sz="1400">
+                <a:solidFill>
+                  <a:schemeClr val="dk1"/>
+                </a:solidFill>
+              </a:rPr>
+              <a:t>Pages:</a:t>
+            </a:r>
+            <a:endParaRPr sz="1400">
+              <a:solidFill>
+                <a:schemeClr val="dk1"/>
+              </a:solidFill>
+            </a:endParaRPr>
+          </a:p>
+          <a:p>
+            <a:pPr marL="0" lvl="0" indent="0" algn="l" rtl="0">
+              <a:spcBef>
+                <a:spcPts val="0"/>
+              </a:spcBef>
+              <a:spcAft>
+                <a:spcPts val="0"/>
+              </a:spcAft>
+              <a:buNone/>
+            </a:pPr>
+            <a:r>
+              <a:rPr lang="en" sz="1400">
+                <a:solidFill>
+                  <a:schemeClr val="dk1"/>
+                </a:solidFill>
+              </a:rPr>
+              <a:t>Websites for projects. Hosted directly from your GitHub repository.</a:t>
+            </a:r>
+            <a:endParaRPr sz="1400">
+              <a:solidFill>
+                <a:schemeClr val="dk1"/>
+              </a:solidFill>
+            </a:endParaRPr>
+          </a:p>
+          <a:p>
+            <a:pPr marL="0" lvl="0" indent="0" algn="l" rtl="0">
+              <a:spcBef>
+                <a:spcPts val="0"/>
+              </a:spcBef>
+              <a:spcAft>
+                <a:spcPts val="0"/>
+              </a:spcAft>
+              <a:buNone/>
+            </a:pPr>
+            <a:endParaRPr>
+              <a:solidFill>
+                <a:schemeClr val="dk1"/>
+              </a:solidFill>
+            </a:endParaRPr>
+          </a:p>
+          <a:p>
+            <a:pPr marL="0" lvl="0" indent="0" algn="l" rtl="0">
+              <a:spcBef>
+                <a:spcPts val="0"/>
+              </a:spcBef>
+              <a:spcAft>
+                <a:spcPts val="0"/>
+              </a:spcAft>
+              <a:buNone/>
+            </a:pPr>
+            <a:r>
+              <a:rPr lang="en">
+                <a:solidFill>
+                  <a:schemeClr val="dk1"/>
+                </a:solidFill>
+              </a:rPr>
+              <a:t>Benefits</a:t>
+            </a:r>
+            <a:endParaRPr>
+              <a:solidFill>
+                <a:schemeClr val="dk1"/>
+              </a:solidFill>
+            </a:endParaRPr>
+          </a:p>
+          <a:p>
+            <a:pPr marL="0" lvl="0" indent="0" algn="l" rtl="0">
+              <a:spcBef>
+                <a:spcPts val="0"/>
+              </a:spcBef>
+              <a:spcAft>
+                <a:spcPts val="0"/>
+              </a:spcAft>
+              <a:buNone/>
+            </a:pPr>
+            <a:endParaRPr>
+              <a:solidFill>
+                <a:schemeClr val="dk1"/>
+              </a:solidFill>
+            </a:endParaRPr>
+          </a:p>
+          <a:p>
+            <a:pPr marL="0" lvl="0" indent="0" algn="l" rtl="0">
+              <a:spcBef>
+                <a:spcPts val="0"/>
+              </a:spcBef>
+              <a:spcAft>
+                <a:spcPts val="0"/>
+              </a:spcAft>
+              <a:buClr>
+                <a:schemeClr val="dk1"/>
+              </a:buClr>
+              <a:buSzPts val="1100"/>
+              <a:buFont typeface="Arial"/>
+              <a:buNone/>
+            </a:pPr>
+            <a:r>
+              <a:rPr lang="en">
+                <a:solidFill>
+                  <a:schemeClr val="dk1"/>
+                </a:solidFill>
+              </a:rPr>
+              <a:t>• **Collaboration:** Facilitates easier collaboration among project team members and is used extensively for open source projects.</a:t>
+            </a:r>
+            <a:endParaRPr>
+              <a:solidFill>
+                <a:schemeClr val="dk1"/>
+              </a:solidFill>
+            </a:endParaRPr>
+          </a:p>
+          <a:p>
+            <a:pPr marL="0" lvl="0" indent="0" algn="l" rtl="0">
+              <a:spcBef>
+                <a:spcPts val="0"/>
+              </a:spcBef>
+              <a:spcAft>
+                <a:spcPts val="0"/>
+              </a:spcAft>
+              <a:buClr>
+                <a:schemeClr val="dk1"/>
+              </a:buClr>
+              <a:buSzPts val="1100"/>
+              <a:buFont typeface="Arial"/>
+              <a:buNone/>
+            </a:pPr>
+            <a:endParaRPr>
+              <a:solidFill>
+                <a:schemeClr val="dk1"/>
+              </a:solidFill>
+            </a:endParaRPr>
+          </a:p>
+          <a:p>
+            <a:pPr marL="0" lvl="0" indent="0" algn="l" rtl="0">
+              <a:spcBef>
+                <a:spcPts val="0"/>
+              </a:spcBef>
+              <a:spcAft>
+                <a:spcPts val="0"/>
+              </a:spcAft>
+              <a:buClr>
+                <a:schemeClr val="dk1"/>
+              </a:buClr>
+              <a:buSzPts val="1100"/>
+              <a:buFont typeface="Arial"/>
+              <a:buNone/>
+            </a:pPr>
+            <a:r>
+              <a:rPr lang="en">
+                <a:solidFill>
+                  <a:schemeClr val="dk1"/>
+                </a:solidFill>
+              </a:rPr>
+              <a:t>• **Project Management Tools:** Integrates issue tracking, code reviewing, and a project management dashboard.</a:t>
+            </a:r>
+            <a:endParaRPr>
+              <a:solidFill>
+                <a:schemeClr val="dk1"/>
+              </a:solidFill>
+            </a:endParaRPr>
+          </a:p>
+          <a:p>
+            <a:pPr marL="0" lvl="0" indent="0" algn="l" rtl="0">
+              <a:spcBef>
+                <a:spcPts val="0"/>
+              </a:spcBef>
+              <a:spcAft>
+                <a:spcPts val="0"/>
+              </a:spcAft>
+              <a:buClr>
+                <a:schemeClr val="dk1"/>
+              </a:buClr>
+              <a:buSzPts val="1100"/>
+              <a:buFont typeface="Arial"/>
+              <a:buNone/>
+            </a:pPr>
+            <a:endParaRPr>
+              <a:solidFill>
+                <a:schemeClr val="dk1"/>
+              </a:solidFill>
+            </a:endParaRPr>
+          </a:p>
+          <a:p>
+            <a:pPr marL="0" lvl="0" indent="0" algn="l" rtl="0">
+              <a:spcBef>
+                <a:spcPts val="0"/>
+              </a:spcBef>
+              <a:spcAft>
+                <a:spcPts val="0"/>
+              </a:spcAft>
+              <a:buClr>
+                <a:schemeClr val="dk1"/>
+              </a:buClr>
+              <a:buSzPts val="1100"/>
+              <a:buFont typeface="Arial"/>
+              <a:buNone/>
+            </a:pPr>
+            <a:r>
+              <a:rPr lang="en">
+                <a:solidFill>
+                  <a:schemeClr val="dk1"/>
+                </a:solidFill>
+              </a:rPr>
+              <a:t>• **Integration:** Offers integration with many tools and platforms, enhancing the development process.</a:t>
+            </a:r>
+            <a:endParaRPr>
+              <a:solidFill>
+                <a:schemeClr val="dk1"/>
+              </a:solidFill>
+            </a:endParaRPr>
+          </a:p>
+          <a:p>
+            <a:pPr marL="0" lvl="0" indent="0" algn="l" rtl="0">
+              <a:spcBef>
+                <a:spcPts val="0"/>
+              </a:spcBef>
+              <a:spcAft>
+                <a:spcPts val="0"/>
+              </a:spcAft>
+              <a:buClr>
+                <a:schemeClr val="dk1"/>
+              </a:buClr>
+              <a:buSzPts val="1100"/>
+              <a:buFont typeface="Arial"/>
+              <a:buNone/>
+            </a:pPr>
+            <a:endParaRPr>
+              <a:solidFill>
+                <a:schemeClr val="dk1"/>
+              </a:solidFill>
+            </a:endParaRPr>
+          </a:p>
+          <a:p>
+            <a:pPr marL="0" lvl="0" indent="0" algn="l" rtl="0">
+              <a:spcBef>
+                <a:spcPts val="0"/>
+              </a:spcBef>
+              <a:spcAft>
+                <a:spcPts val="0"/>
+              </a:spcAft>
+              <a:buClr>
+                <a:schemeClr val="dk1"/>
+              </a:buClr>
+              <a:buSzPts val="1100"/>
+              <a:buFont typeface="Arial"/>
+              <a:buNone/>
+            </a:pPr>
+            <a:r>
+              <a:rPr lang="en">
+                <a:solidFill>
+                  <a:schemeClr val="dk1"/>
+                </a:solidFill>
+              </a:rPr>
+              <a:t>• **Documentation:** Provides a platform for hosting project documentation which can be directly linked to the source code.</a:t>
+            </a:r>
+            <a:endParaRPr>
+              <a:solidFill>
+                <a:schemeClr val="dk1"/>
+              </a:solidFill>
+            </a:endParaRPr>
+          </a:p>
+          <a:p>
+            <a:pPr marL="0" lvl="0" indent="0" algn="l" rtl="0">
+              <a:spcBef>
+                <a:spcPts val="0"/>
+              </a:spcBef>
+              <a:spcAft>
+                <a:spcPts val="0"/>
+              </a:spcAft>
+              <a:buNone/>
+            </a:pPr>
+            <a:endParaRPr>
+              <a:solidFill>
+                <a:schemeClr val="dk1"/>
+              </a:solidFill>
+            </a:endParaRPr>
+          </a:p>
+        </p:txBody>
+      </p:sp>
+    </p:spTree>
+  </p:cSld>
+  <p:clrMapOvr>
+    <a:masterClrMapping/>
+  </p:clrMapOvr>
+</p:notes>
+</file>
+
+<file path=ppt/notesSlides/notesSlide5.xml><?xml version="1.0" encoding="utf-8"?>
+<p:notes xmlns:a="http://schemas.openxmlformats.org/drawingml/2006/main" xmlns:r="http://schemas.openxmlformats.org/officeDocument/2006/relationships" xmlns:p="http://schemas.openxmlformats.org/presentationml/2006/main" showMasterSp="0" showMasterPhAnim="0">
+  <p:cSld>
+    <p:spTree>
+      <p:nvGrpSpPr>
         <p:cNvPr id="1" name="Shape 79"/>
         <p:cNvGrpSpPr/>
         <p:nvPr/>
@@ -1784,7 +2985,7 @@
         </p:nvSpPr>
         <p:spPr>
           <a:xfrm>
-            <a:off x="381300" y="685800"/>
+            <a:off x="381000" y="685800"/>
             <a:ext cx="6096000" cy="3429000"/>
           </a:xfrm>
           <a:custGeom>
@@ -1863,171 +3064,7 @@
 </p:notes>
 </file>
 
-<file path=ppt/notesSlides/notesSlide3.xml><?xml version="1.0" encoding="utf-8"?>
-<p:notes xmlns:a="http://schemas.openxmlformats.org/drawingml/2006/main" xmlns:r="http://schemas.openxmlformats.org/officeDocument/2006/relationships" xmlns:p="http://schemas.openxmlformats.org/presentationml/2006/main" showMasterSp="0" showMasterPhAnim="0">
-  <p:cSld>
-    <p:spTree>
-      <p:nvGrpSpPr>
-        <p:cNvPr id="1" name="Shape 86"/>
-        <p:cNvGrpSpPr/>
-        <p:nvPr/>
-      </p:nvGrpSpPr>
-      <p:grpSpPr>
-        <a:xfrm>
-          <a:off x="0" y="0"/>
-          <a:ext cx="0" cy="0"/>
-          <a:chOff x="0" y="0"/>
-          <a:chExt cx="0" cy="0"/>
-        </a:xfrm>
-      </p:grpSpPr>
-      <p:sp>
-        <p:nvSpPr>
-          <p:cNvPr id="87" name="Google Shape;87;g2dda2c691b6_0_79:notes"/>
-          <p:cNvSpPr>
-            <a:spLocks noGrp="1" noRot="1" noChangeAspect="1"/>
-          </p:cNvSpPr>
-          <p:nvPr>
-            <p:ph type="sldImg" idx="2"/>
-          </p:nvPr>
-        </p:nvSpPr>
-        <p:spPr>
-          <a:xfrm>
-            <a:off x="381300" y="685800"/>
-            <a:ext cx="6096000" cy="3429000"/>
-          </a:xfrm>
-          <a:custGeom>
-            <a:avLst/>
-            <a:gdLst/>
-            <a:ahLst/>
-            <a:cxnLst/>
-            <a:rect l="l" t="t" r="r" b="b"/>
-            <a:pathLst>
-              <a:path w="120000" h="120000" extrusionOk="0">
-                <a:moveTo>
-                  <a:pt x="0" y="0"/>
-                </a:moveTo>
-                <a:lnTo>
-                  <a:pt x="120000" y="0"/>
-                </a:lnTo>
-                <a:lnTo>
-                  <a:pt x="120000" y="120000"/>
-                </a:lnTo>
-                <a:lnTo>
-                  <a:pt x="0" y="120000"/>
-                </a:lnTo>
-                <a:close/>
-              </a:path>
-            </a:pathLst>
-          </a:custGeom>
-        </p:spPr>
-      </p:sp>
-      <p:sp>
-        <p:nvSpPr>
-          <p:cNvPr id="88" name="Google Shape;88;g2dda2c691b6_0_79:notes"/>
-          <p:cNvSpPr txBox="1">
-            <a:spLocks noGrp="1"/>
-          </p:cNvSpPr>
-          <p:nvPr>
-            <p:ph type="body" idx="1"/>
-          </p:nvPr>
-        </p:nvSpPr>
-        <p:spPr>
-          <a:xfrm>
-            <a:off x="685800" y="4343400"/>
-            <a:ext cx="5486400" cy="4114800"/>
-          </a:xfrm>
-          <a:prstGeom prst="rect">
-            <a:avLst/>
-          </a:prstGeom>
-        </p:spPr>
-        <p:txBody>
-          <a:bodyPr spcFirstLastPara="1" wrap="square" lIns="91425" tIns="91425" rIns="91425" bIns="91425" anchor="t" anchorCtr="0">
-            <a:noAutofit/>
-          </a:bodyPr>
-          <a:lstStyle/>
-          <a:p>
-            <a:pPr marL="0" lvl="0" indent="0" algn="l" rtl="0">
-              <a:spcBef>
-                <a:spcPts val="0"/>
-              </a:spcBef>
-              <a:spcAft>
-                <a:spcPts val="0"/>
-              </a:spcAft>
-              <a:buNone/>
-            </a:pPr>
-            <a:r>
-              <a:rPr lang="en" sz="1200">
-                <a:solidFill>
-                  <a:schemeClr val="dk1"/>
-                </a:solidFill>
-              </a:rPr>
-              <a:t>We’ve all been in this situation before: it seems unnecessary to have multiple nearly-identical versions of the same document. Some word processors let us deal with this a little better, such as Microsoft Word’s Track Changes, Google Docs’ version history, or LibreOffice’s Recording and Displaying Changes</a:t>
-            </a:r>
-            <a:endParaRPr sz="1200">
-              <a:solidFill>
-                <a:schemeClr val="dk1"/>
-              </a:solidFill>
-            </a:endParaRPr>
-          </a:p>
-          <a:p>
-            <a:pPr marL="0" lvl="0" indent="0" algn="l" rtl="0">
-              <a:lnSpc>
-                <a:spcPct val="115000"/>
-              </a:lnSpc>
-              <a:spcBef>
-                <a:spcPts val="1300"/>
-              </a:spcBef>
-              <a:spcAft>
-                <a:spcPts val="0"/>
-              </a:spcAft>
-              <a:buNone/>
-            </a:pPr>
-            <a:r>
-              <a:rPr lang="en" sz="1200">
-                <a:solidFill>
-                  <a:schemeClr val="dk1"/>
-                </a:solidFill>
-              </a:rPr>
-              <a:t>Version control is a system that records changes to a file or set of files over time so that you can recall specific versions later.</a:t>
-            </a:r>
-            <a:endParaRPr sz="1200">
-              <a:solidFill>
-                <a:schemeClr val="dk1"/>
-              </a:solidFill>
-            </a:endParaRPr>
-          </a:p>
-          <a:p>
-            <a:pPr marL="0" lvl="0" indent="0" algn="l" rtl="0">
-              <a:spcBef>
-                <a:spcPts val="2500"/>
-              </a:spcBef>
-              <a:spcAft>
-                <a:spcPts val="0"/>
-              </a:spcAft>
-              <a:buClr>
-                <a:schemeClr val="dk1"/>
-              </a:buClr>
-              <a:buSzPts val="1100"/>
-              <a:buFont typeface="Arial"/>
-              <a:buNone/>
-            </a:pPr>
-            <a:endParaRPr sz="1200">
-              <a:solidFill>
-                <a:schemeClr val="dk1"/>
-              </a:solidFill>
-            </a:endParaRPr>
-          </a:p>
-        </p:txBody>
-      </p:sp>
-    </p:spTree>
-  </p:cSld>
-  <p:clrMapOvr>
-    <a:masterClrMapping/>
-  </p:clrMapOvr>
-</p:notes>
-</file>
-
-<file path=ppt/notesSlides/notesSlide4.xml><?xml version="1.0" encoding="utf-8"?>
+<file path=ppt/notesSlides/notesSlide6.xml><?xml version="1.0" encoding="utf-8"?>
 <p:notes xmlns:a="http://schemas.openxmlformats.org/drawingml/2006/main" xmlns:r="http://schemas.openxmlformats.org/officeDocument/2006/relationships" xmlns:p="http://schemas.openxmlformats.org/presentationml/2006/main" showMasterSp="0" showMasterPhAnim="0">
   <p:cSld>
     <p:spTree>
@@ -2056,7 +3093,7 @@
         </p:nvSpPr>
         <p:spPr>
           <a:xfrm>
-            <a:off x="381300" y="685800"/>
+            <a:off x="381000" y="685800"/>
             <a:ext cx="6096000" cy="3429000"/>
           </a:xfrm>
           <a:custGeom>
@@ -2204,7 +3241,7 @@
 </p:notes>
 </file>
 
-<file path=ppt/notesSlides/notesSlide5.xml><?xml version="1.0" encoding="utf-8"?>
+<file path=ppt/notesSlides/notesSlide7.xml><?xml version="1.0" encoding="utf-8"?>
 <p:notes xmlns:a="http://schemas.openxmlformats.org/drawingml/2006/main" xmlns:r="http://schemas.openxmlformats.org/officeDocument/2006/relationships" xmlns:p="http://schemas.openxmlformats.org/presentationml/2006/main" showMasterSp="0" showMasterPhAnim="0">
   <p:cSld>
     <p:spTree>
@@ -2233,7 +3270,7 @@
         </p:nvSpPr>
         <p:spPr>
           <a:xfrm>
-            <a:off x="381300" y="685800"/>
+            <a:off x="381000" y="685800"/>
             <a:ext cx="6096000" cy="3429000"/>
           </a:xfrm>
           <a:custGeom>
@@ -2448,7 +3485,7 @@
 </p:notes>
 </file>
 
-<file path=ppt/notesSlides/notesSlide6.xml><?xml version="1.0" encoding="utf-8"?>
+<file path=ppt/notesSlides/notesSlide8.xml><?xml version="1.0" encoding="utf-8"?>
 <p:notes xmlns:a="http://schemas.openxmlformats.org/drawingml/2006/main" xmlns:r="http://schemas.openxmlformats.org/officeDocument/2006/relationships" xmlns:p="http://schemas.openxmlformats.org/presentationml/2006/main" showMasterSp="0" showMasterPhAnim="0">
   <p:cSld>
     <p:spTree>
@@ -2477,7 +3514,7 @@
         </p:nvSpPr>
         <p:spPr>
           <a:xfrm>
-            <a:off x="381300" y="685800"/>
+            <a:off x="381000" y="685800"/>
             <a:ext cx="6096000" cy="3429000"/>
           </a:xfrm>
           <a:custGeom>
@@ -2708,7 +3745,7 @@
 </p:notes>
 </file>
 
-<file path=ppt/notesSlides/notesSlide7.xml><?xml version="1.0" encoding="utf-8"?>
+<file path=ppt/notesSlides/notesSlide9.xml><?xml version="1.0" encoding="utf-8"?>
 <p:notes xmlns:a="http://schemas.openxmlformats.org/drawingml/2006/main" xmlns:r="http://schemas.openxmlformats.org/officeDocument/2006/relationships" xmlns:p="http://schemas.openxmlformats.org/presentationml/2006/main" showMasterSp="0" showMasterPhAnim="0">
   <p:cSld>
     <p:spTree>
@@ -2737,7 +3774,7 @@
         </p:nvSpPr>
         <p:spPr>
           <a:xfrm>
-            <a:off x="381300" y="685800"/>
+            <a:off x="381000" y="685800"/>
             <a:ext cx="6096000" cy="3429000"/>
           </a:xfrm>
           <a:custGeom>
@@ -3059,1043 +4096,6 @@
               <a:buNone/>
             </a:pPr>
             <a:endParaRPr/>
-          </a:p>
-        </p:txBody>
-      </p:sp>
-    </p:spTree>
-  </p:cSld>
-  <p:clrMapOvr>
-    <a:masterClrMapping/>
-  </p:clrMapOvr>
-</p:notes>
-</file>
-
-<file path=ppt/notesSlides/notesSlide8.xml><?xml version="1.0" encoding="utf-8"?>
-<p:notes xmlns:a="http://schemas.openxmlformats.org/drawingml/2006/main" xmlns:r="http://schemas.openxmlformats.org/officeDocument/2006/relationships" xmlns:p="http://schemas.openxmlformats.org/presentationml/2006/main" showMasterSp="0" showMasterPhAnim="0">
-  <p:cSld>
-    <p:spTree>
-      <p:nvGrpSpPr>
-        <p:cNvPr id="1" name="Shape 125"/>
-        <p:cNvGrpSpPr/>
-        <p:nvPr/>
-      </p:nvGrpSpPr>
-      <p:grpSpPr>
-        <a:xfrm>
-          <a:off x="0" y="0"/>
-          <a:ext cx="0" cy="0"/>
-          <a:chOff x="0" y="0"/>
-          <a:chExt cx="0" cy="0"/>
-        </a:xfrm>
-      </p:grpSpPr>
-      <p:sp>
-        <p:nvSpPr>
-          <p:cNvPr id="126" name="Google Shape;126;g2dda2c691b6_0_85:notes"/>
-          <p:cNvSpPr>
-            <a:spLocks noGrp="1" noRot="1" noChangeAspect="1"/>
-          </p:cNvSpPr>
-          <p:nvPr>
-            <p:ph type="sldImg" idx="2"/>
-          </p:nvPr>
-        </p:nvSpPr>
-        <p:spPr>
-          <a:xfrm>
-            <a:off x="381300" y="685800"/>
-            <a:ext cx="6096000" cy="3429000"/>
-          </a:xfrm>
-          <a:custGeom>
-            <a:avLst/>
-            <a:gdLst/>
-            <a:ahLst/>
-            <a:cxnLst/>
-            <a:rect l="l" t="t" r="r" b="b"/>
-            <a:pathLst>
-              <a:path w="120000" h="120000" extrusionOk="0">
-                <a:moveTo>
-                  <a:pt x="0" y="0"/>
-                </a:moveTo>
-                <a:lnTo>
-                  <a:pt x="120000" y="0"/>
-                </a:lnTo>
-                <a:lnTo>
-                  <a:pt x="120000" y="120000"/>
-                </a:lnTo>
-                <a:lnTo>
-                  <a:pt x="0" y="120000"/>
-                </a:lnTo>
-                <a:close/>
-              </a:path>
-            </a:pathLst>
-          </a:custGeom>
-        </p:spPr>
-      </p:sp>
-      <p:sp>
-        <p:nvSpPr>
-          <p:cNvPr id="127" name="Google Shape;127;g2dda2c691b6_0_85:notes"/>
-          <p:cNvSpPr txBox="1">
-            <a:spLocks noGrp="1"/>
-          </p:cNvSpPr>
-          <p:nvPr>
-            <p:ph type="body" idx="1"/>
-          </p:nvPr>
-        </p:nvSpPr>
-        <p:spPr>
-          <a:xfrm>
-            <a:off x="685800" y="4343400"/>
-            <a:ext cx="5486400" cy="4114800"/>
-          </a:xfrm>
-          <a:prstGeom prst="rect">
-            <a:avLst/>
-          </a:prstGeom>
-        </p:spPr>
-        <p:txBody>
-          <a:bodyPr spcFirstLastPara="1" wrap="square" lIns="91425" tIns="91425" rIns="91425" bIns="91425" anchor="t" anchorCtr="0">
-            <a:noAutofit/>
-          </a:bodyPr>
-          <a:lstStyle/>
-          <a:p>
-            <a:pPr marL="0" lvl="0" indent="0" algn="l" rtl="0">
-              <a:spcBef>
-                <a:spcPts val="0"/>
-              </a:spcBef>
-              <a:spcAft>
-                <a:spcPts val="0"/>
-              </a:spcAft>
-              <a:buNone/>
-            </a:pPr>
-            <a:r>
-              <a:rPr lang="en" sz="1400">
-                <a:solidFill>
-                  <a:schemeClr val="dk1"/>
-                </a:solidFill>
-              </a:rPr>
-              <a:t>Git accomplishes version control by creating a repository in a selected folder on your computer. </a:t>
-            </a:r>
-            <a:endParaRPr sz="1400">
-              <a:solidFill>
-                <a:schemeClr val="dk1"/>
-              </a:solidFill>
-            </a:endParaRPr>
-          </a:p>
-          <a:p>
-            <a:pPr marL="0" lvl="0" indent="0" algn="l" rtl="0">
-              <a:spcBef>
-                <a:spcPts val="0"/>
-              </a:spcBef>
-              <a:spcAft>
-                <a:spcPts val="0"/>
-              </a:spcAft>
-              <a:buNone/>
-            </a:pPr>
-            <a:r>
-              <a:rPr lang="en" sz="1400">
-                <a:solidFill>
-                  <a:schemeClr val="dk1"/>
-                </a:solidFill>
-              </a:rPr>
-              <a:t>In </a:t>
-            </a:r>
-            <a:r>
-              <a:rPr lang="en" sz="1400">
-                <a:solidFill>
-                  <a:schemeClr val="dk1"/>
-                </a:solidFill>
-                <a:uFill>
-                  <a:noFill/>
-                </a:uFill>
-                <a:hlinkClick r:id="rId3">
-                  <a:extLst>
-                    <a:ext uri="{A12FA001-AC4F-418D-AE19-62706E023703}">
-                      <ahyp:hlinkClr xmlns:ahyp="http://schemas.microsoft.com/office/drawing/2018/hyperlinkcolor" val="tx"/>
-                    </a:ext>
-                  </a:extLst>
-                </a:hlinkClick>
-              </a:rPr>
-              <a:t>software development</a:t>
-            </a:r>
-            <a:r>
-              <a:rPr lang="en" sz="1400">
-                <a:solidFill>
-                  <a:schemeClr val="dk1"/>
-                </a:solidFill>
-              </a:rPr>
-              <a:t>, </a:t>
-            </a:r>
-            <a:r>
-              <a:rPr lang="en" sz="1400" b="1">
-                <a:solidFill>
-                  <a:schemeClr val="dk1"/>
-                </a:solidFill>
-              </a:rPr>
-              <a:t>distributed version control</a:t>
-            </a:r>
-            <a:r>
-              <a:rPr lang="en" sz="1400">
-                <a:solidFill>
-                  <a:schemeClr val="dk1"/>
-                </a:solidFill>
-              </a:rPr>
-              <a:t> a form of </a:t>
-            </a:r>
-            <a:r>
-              <a:rPr lang="en" sz="1400">
-                <a:solidFill>
-                  <a:schemeClr val="dk1"/>
-                </a:solidFill>
-                <a:uFill>
-                  <a:noFill/>
-                </a:uFill>
-                <a:hlinkClick r:id="rId4">
-                  <a:extLst>
-                    <a:ext uri="{A12FA001-AC4F-418D-AE19-62706E023703}">
-                      <ahyp:hlinkClr xmlns:ahyp="http://schemas.microsoft.com/office/drawing/2018/hyperlinkcolor" val="tx"/>
-                    </a:ext>
-                  </a:extLst>
-                </a:hlinkClick>
-              </a:rPr>
-              <a:t>version control</a:t>
-            </a:r>
-            <a:r>
-              <a:rPr lang="en" sz="1400">
-                <a:solidFill>
-                  <a:schemeClr val="dk1"/>
-                </a:solidFill>
-              </a:rPr>
-              <a:t> in which the complete </a:t>
-            </a:r>
-            <a:r>
-              <a:rPr lang="en" sz="1400">
-                <a:solidFill>
-                  <a:schemeClr val="dk1"/>
-                </a:solidFill>
-                <a:uFill>
-                  <a:noFill/>
-                </a:uFill>
-                <a:hlinkClick r:id="rId5">
-                  <a:extLst>
-                    <a:ext uri="{A12FA001-AC4F-418D-AE19-62706E023703}">
-                      <ahyp:hlinkClr xmlns:ahyp="http://schemas.microsoft.com/office/drawing/2018/hyperlinkcolor" val="tx"/>
-                    </a:ext>
-                  </a:extLst>
-                </a:hlinkClick>
-              </a:rPr>
-              <a:t>codebase</a:t>
-            </a:r>
-            <a:r>
-              <a:rPr lang="en" sz="1400">
-                <a:solidFill>
-                  <a:schemeClr val="dk1"/>
-                </a:solidFill>
-              </a:rPr>
-              <a:t>, including its full history, is mirrored or distributed on every developer's computer. </a:t>
-            </a:r>
-            <a:endParaRPr sz="1400">
-              <a:solidFill>
-                <a:schemeClr val="dk1"/>
-              </a:solidFill>
-            </a:endParaRPr>
-          </a:p>
-          <a:p>
-            <a:pPr marL="0" lvl="0" indent="0" algn="l" rtl="0">
-              <a:spcBef>
-                <a:spcPts val="0"/>
-              </a:spcBef>
-              <a:spcAft>
-                <a:spcPts val="0"/>
-              </a:spcAft>
-              <a:buNone/>
-            </a:pPr>
-            <a:r>
-              <a:rPr lang="en" sz="1400">
-                <a:solidFill>
-                  <a:schemeClr val="dk1"/>
-                </a:solidFill>
-              </a:rPr>
-              <a:t>It enables multiple developers to work on a single project simultaneously, managing and tracking changes to the codebase over time.</a:t>
-            </a:r>
-            <a:endParaRPr sz="1400">
-              <a:solidFill>
-                <a:schemeClr val="dk1"/>
-              </a:solidFill>
-            </a:endParaRPr>
-          </a:p>
-          <a:p>
-            <a:pPr marL="0" lvl="0" indent="0" algn="l" rtl="0">
-              <a:spcBef>
-                <a:spcPts val="0"/>
-              </a:spcBef>
-              <a:spcAft>
-                <a:spcPts val="0"/>
-              </a:spcAft>
-              <a:buNone/>
-            </a:pPr>
-            <a:r>
-              <a:rPr lang="en" sz="1400">
-                <a:solidFill>
-                  <a:schemeClr val="dk1"/>
-                </a:solidFill>
-              </a:rPr>
-              <a:t>Benefits</a:t>
-            </a:r>
-            <a:endParaRPr sz="1400">
-              <a:solidFill>
-                <a:schemeClr val="dk1"/>
-              </a:solidFill>
-            </a:endParaRPr>
-          </a:p>
-          <a:p>
-            <a:pPr marL="0" lvl="0" indent="0" algn="l" rtl="0">
-              <a:spcBef>
-                <a:spcPts val="0"/>
-              </a:spcBef>
-              <a:spcAft>
-                <a:spcPts val="0"/>
-              </a:spcAft>
-              <a:buNone/>
-            </a:pPr>
-            <a:endParaRPr/>
-          </a:p>
-          <a:p>
-            <a:pPr marL="0" lvl="0" indent="0" algn="l" rtl="0">
-              <a:spcBef>
-                <a:spcPts val="0"/>
-              </a:spcBef>
-              <a:spcAft>
-                <a:spcPts val="0"/>
-              </a:spcAft>
-              <a:buClr>
-                <a:schemeClr val="dk1"/>
-              </a:buClr>
-              <a:buSzPts val="1100"/>
-              <a:buFont typeface="Arial"/>
-              <a:buNone/>
-            </a:pPr>
-            <a:r>
-              <a:rPr lang="en"/>
-              <a:t>• **Local and Remote Repositories:** Git allows distributed version control, enabling users to work locally and then push changes to a remote repository.</a:t>
-            </a:r>
-            <a:endParaRPr/>
-          </a:p>
-          <a:p>
-            <a:pPr marL="0" lvl="0" indent="0" algn="l" rtl="0">
-              <a:spcBef>
-                <a:spcPts val="0"/>
-              </a:spcBef>
-              <a:spcAft>
-                <a:spcPts val="0"/>
-              </a:spcAft>
-              <a:buClr>
-                <a:schemeClr val="dk1"/>
-              </a:buClr>
-              <a:buSzPts val="1100"/>
-              <a:buFont typeface="Arial"/>
-              <a:buNone/>
-            </a:pPr>
-            <a:endParaRPr/>
-          </a:p>
-          <a:p>
-            <a:pPr marL="0" lvl="0" indent="0" algn="l" rtl="0">
-              <a:spcBef>
-                <a:spcPts val="0"/>
-              </a:spcBef>
-              <a:spcAft>
-                <a:spcPts val="0"/>
-              </a:spcAft>
-              <a:buClr>
-                <a:schemeClr val="dk1"/>
-              </a:buClr>
-              <a:buSzPts val="1100"/>
-              <a:buFont typeface="Arial"/>
-              <a:buNone/>
-            </a:pPr>
-            <a:r>
-              <a:rPr lang="en"/>
-              <a:t>• **Branching Capabilities:** Supports branching and merging, allowing you to diverge from the main line of development and create alternate versions of files and directories.</a:t>
-            </a:r>
-            <a:endParaRPr/>
-          </a:p>
-          <a:p>
-            <a:pPr marL="0" lvl="0" indent="0" algn="l" rtl="0">
-              <a:spcBef>
-                <a:spcPts val="0"/>
-              </a:spcBef>
-              <a:spcAft>
-                <a:spcPts val="0"/>
-              </a:spcAft>
-              <a:buClr>
-                <a:schemeClr val="dk1"/>
-              </a:buClr>
-              <a:buSzPts val="1100"/>
-              <a:buFont typeface="Arial"/>
-              <a:buNone/>
-            </a:pPr>
-            <a:endParaRPr/>
-          </a:p>
-          <a:p>
-            <a:pPr marL="0" lvl="0" indent="0" algn="l" rtl="0">
-              <a:spcBef>
-                <a:spcPts val="0"/>
-              </a:spcBef>
-              <a:spcAft>
-                <a:spcPts val="0"/>
-              </a:spcAft>
-              <a:buClr>
-                <a:schemeClr val="dk1"/>
-              </a:buClr>
-              <a:buSzPts val="1100"/>
-              <a:buFont typeface="Arial"/>
-              <a:buNone/>
-            </a:pPr>
-            <a:r>
-              <a:rPr lang="en"/>
-              <a:t>• **Flexibility in Workflows:** Git supports various workflows such as centralized, feature branch, Gitflow, and Forking, providing flexibility depending on the project needs.</a:t>
-            </a:r>
-            <a:endParaRPr/>
-          </a:p>
-          <a:p>
-            <a:pPr marL="0" lvl="0" indent="0" algn="l" rtl="0">
-              <a:spcBef>
-                <a:spcPts val="0"/>
-              </a:spcBef>
-              <a:spcAft>
-                <a:spcPts val="0"/>
-              </a:spcAft>
-              <a:buNone/>
-            </a:pPr>
-            <a:endParaRPr/>
-          </a:p>
-        </p:txBody>
-      </p:sp>
-    </p:spTree>
-  </p:cSld>
-  <p:clrMapOvr>
-    <a:masterClrMapping/>
-  </p:clrMapOvr>
-</p:notes>
-</file>
-
-<file path=ppt/notesSlides/notesSlide9.xml><?xml version="1.0" encoding="utf-8"?>
-<p:notes xmlns:a="http://schemas.openxmlformats.org/drawingml/2006/main" xmlns:r="http://schemas.openxmlformats.org/officeDocument/2006/relationships" xmlns:p="http://schemas.openxmlformats.org/presentationml/2006/main" showMasterSp="0" showMasterPhAnim="0">
-  <p:cSld>
-    <p:spTree>
-      <p:nvGrpSpPr>
-        <p:cNvPr id="1" name="Shape 133"/>
-        <p:cNvGrpSpPr/>
-        <p:nvPr/>
-      </p:nvGrpSpPr>
-      <p:grpSpPr>
-        <a:xfrm>
-          <a:off x="0" y="0"/>
-          <a:ext cx="0" cy="0"/>
-          <a:chOff x="0" y="0"/>
-          <a:chExt cx="0" cy="0"/>
-        </a:xfrm>
-      </p:grpSpPr>
-      <p:sp>
-        <p:nvSpPr>
-          <p:cNvPr id="134" name="Google Shape;134;g2dda2c691b6_0_273:notes"/>
-          <p:cNvSpPr>
-            <a:spLocks noGrp="1" noRot="1" noChangeAspect="1"/>
-          </p:cNvSpPr>
-          <p:nvPr>
-            <p:ph type="sldImg" idx="2"/>
-          </p:nvPr>
-        </p:nvSpPr>
-        <p:spPr>
-          <a:xfrm>
-            <a:off x="381300" y="685800"/>
-            <a:ext cx="6096000" cy="3429000"/>
-          </a:xfrm>
-          <a:custGeom>
-            <a:avLst/>
-            <a:gdLst/>
-            <a:ahLst/>
-            <a:cxnLst/>
-            <a:rect l="l" t="t" r="r" b="b"/>
-            <a:pathLst>
-              <a:path w="120000" h="120000" extrusionOk="0">
-                <a:moveTo>
-                  <a:pt x="0" y="0"/>
-                </a:moveTo>
-                <a:lnTo>
-                  <a:pt x="120000" y="0"/>
-                </a:lnTo>
-                <a:lnTo>
-                  <a:pt x="120000" y="120000"/>
-                </a:lnTo>
-                <a:lnTo>
-                  <a:pt x="0" y="120000"/>
-                </a:lnTo>
-                <a:close/>
-              </a:path>
-            </a:pathLst>
-          </a:custGeom>
-        </p:spPr>
-      </p:sp>
-      <p:sp>
-        <p:nvSpPr>
-          <p:cNvPr id="135" name="Google Shape;135;g2dda2c691b6_0_273:notes"/>
-          <p:cNvSpPr txBox="1">
-            <a:spLocks noGrp="1"/>
-          </p:cNvSpPr>
-          <p:nvPr>
-            <p:ph type="body" idx="1"/>
-          </p:nvPr>
-        </p:nvSpPr>
-        <p:spPr>
-          <a:xfrm>
-            <a:off x="685800" y="4343400"/>
-            <a:ext cx="5486400" cy="4114800"/>
-          </a:xfrm>
-          <a:prstGeom prst="rect">
-            <a:avLst/>
-          </a:prstGeom>
-        </p:spPr>
-        <p:txBody>
-          <a:bodyPr spcFirstLastPara="1" wrap="square" lIns="91425" tIns="91425" rIns="91425" bIns="91425" anchor="t" anchorCtr="0">
-            <a:noAutofit/>
-          </a:bodyPr>
-          <a:lstStyle/>
-          <a:p>
-            <a:pPr marL="0" lvl="0" indent="0" algn="l" rtl="0">
-              <a:spcBef>
-                <a:spcPts val="0"/>
-              </a:spcBef>
-              <a:spcAft>
-                <a:spcPts val="0"/>
-              </a:spcAft>
-              <a:buNone/>
-            </a:pPr>
-            <a:endParaRPr sz="1400">
-              <a:solidFill>
-                <a:schemeClr val="dk1"/>
-              </a:solidFill>
-            </a:endParaRPr>
-          </a:p>
-          <a:p>
-            <a:pPr marL="0" lvl="0" indent="0" algn="l" rtl="0">
-              <a:spcBef>
-                <a:spcPts val="0"/>
-              </a:spcBef>
-              <a:spcAft>
-                <a:spcPts val="0"/>
-              </a:spcAft>
-              <a:buNone/>
-            </a:pPr>
-            <a:r>
-              <a:rPr lang="en" sz="1400">
-                <a:solidFill>
-                  <a:schemeClr val="dk1"/>
-                </a:solidFill>
-              </a:rPr>
-              <a:t>While GitHub’s major use is software development it can be utilized for many use cases as we discussed earlier.</a:t>
-            </a:r>
-            <a:endParaRPr sz="1400">
-              <a:solidFill>
-                <a:schemeClr val="dk1"/>
-              </a:solidFill>
-            </a:endParaRPr>
-          </a:p>
-          <a:p>
-            <a:pPr marL="0" lvl="0" indent="0" algn="l" rtl="0">
-              <a:spcBef>
-                <a:spcPts val="0"/>
-              </a:spcBef>
-              <a:spcAft>
-                <a:spcPts val="0"/>
-              </a:spcAft>
-              <a:buNone/>
-            </a:pPr>
-            <a:endParaRPr sz="1400">
-              <a:solidFill>
-                <a:schemeClr val="dk1"/>
-              </a:solidFill>
-            </a:endParaRPr>
-          </a:p>
-          <a:p>
-            <a:pPr marL="0" lvl="0" indent="0" algn="l" rtl="0">
-              <a:spcBef>
-                <a:spcPts val="0"/>
-              </a:spcBef>
-              <a:spcAft>
-                <a:spcPts val="0"/>
-              </a:spcAft>
-              <a:buNone/>
-            </a:pPr>
-            <a:r>
-              <a:rPr lang="en" sz="1400">
-                <a:solidFill>
-                  <a:schemeClr val="dk1"/>
-                </a:solidFill>
-              </a:rPr>
-              <a:t> It provides a graphical interface on top of Git's command-line tooling, making it more accessible to a wider range of users.</a:t>
-            </a:r>
-            <a:endParaRPr sz="1400">
-              <a:solidFill>
-                <a:schemeClr val="dk1"/>
-              </a:solidFill>
-            </a:endParaRPr>
-          </a:p>
-          <a:p>
-            <a:pPr marL="0" lvl="0" indent="0" algn="l" rtl="0">
-              <a:spcBef>
-                <a:spcPts val="0"/>
-              </a:spcBef>
-              <a:spcAft>
-                <a:spcPts val="0"/>
-              </a:spcAft>
-              <a:buNone/>
-            </a:pPr>
-            <a:endParaRPr sz="1400">
-              <a:solidFill>
-                <a:schemeClr val="dk1"/>
-              </a:solidFill>
-            </a:endParaRPr>
-          </a:p>
-          <a:p>
-            <a:pPr marL="0" lvl="0" indent="0" algn="l" rtl="0">
-              <a:spcBef>
-                <a:spcPts val="0"/>
-              </a:spcBef>
-              <a:spcAft>
-                <a:spcPts val="0"/>
-              </a:spcAft>
-              <a:buNone/>
-            </a:pPr>
-            <a:r>
-              <a:rPr lang="en" sz="1400">
-                <a:solidFill>
-                  <a:schemeClr val="dk1"/>
-                </a:solidFill>
-              </a:rPr>
-              <a:t>GitHub repositories also function as backups of your work while allowing you to collaborate with others if necessary.</a:t>
-            </a:r>
-            <a:endParaRPr sz="1400">
-              <a:solidFill>
-                <a:schemeClr val="dk1"/>
-              </a:solidFill>
-            </a:endParaRPr>
-          </a:p>
-          <a:p>
-            <a:pPr marL="0" lvl="0" indent="0" algn="l" rtl="0">
-              <a:spcBef>
-                <a:spcPts val="0"/>
-              </a:spcBef>
-              <a:spcAft>
-                <a:spcPts val="0"/>
-              </a:spcAft>
-              <a:buNone/>
-            </a:pPr>
-            <a:endParaRPr sz="1400" b="1">
-              <a:solidFill>
-                <a:schemeClr val="dk1"/>
-              </a:solidFill>
-            </a:endParaRPr>
-          </a:p>
-          <a:p>
-            <a:pPr marL="317500" lvl="0" indent="-317500" algn="l" rtl="0">
-              <a:lnSpc>
-                <a:spcPct val="115000"/>
-              </a:lnSpc>
-              <a:spcBef>
-                <a:spcPts val="0"/>
-              </a:spcBef>
-              <a:spcAft>
-                <a:spcPts val="0"/>
-              </a:spcAft>
-              <a:buNone/>
-            </a:pPr>
-            <a:r>
-              <a:rPr lang="en" sz="1400">
-                <a:solidFill>
-                  <a:schemeClr val="dk1"/>
-                </a:solidFill>
-              </a:rPr>
-              <a:t>Hosts millions of open-source projects, fostering a large developer community.</a:t>
-            </a:r>
-            <a:endParaRPr sz="1400">
-              <a:solidFill>
-                <a:schemeClr val="dk1"/>
-              </a:solidFill>
-            </a:endParaRPr>
-          </a:p>
-          <a:p>
-            <a:pPr marL="0" lvl="0" indent="0" algn="l" rtl="0">
-              <a:spcBef>
-                <a:spcPts val="0"/>
-              </a:spcBef>
-              <a:spcAft>
-                <a:spcPts val="0"/>
-              </a:spcAft>
-              <a:buNone/>
-            </a:pPr>
-            <a:endParaRPr sz="1400">
-              <a:solidFill>
-                <a:schemeClr val="dk1"/>
-              </a:solidFill>
-            </a:endParaRPr>
-          </a:p>
-          <a:p>
-            <a:pPr marL="0" lvl="0" indent="0" algn="l" rtl="0">
-              <a:spcBef>
-                <a:spcPts val="0"/>
-              </a:spcBef>
-              <a:spcAft>
-                <a:spcPts val="0"/>
-              </a:spcAft>
-              <a:buNone/>
-            </a:pPr>
-            <a:r>
-              <a:rPr lang="en" sz="1400">
-                <a:solidFill>
-                  <a:schemeClr val="dk1"/>
-                </a:solidFill>
-              </a:rPr>
-              <a:t>Codespace: Each is hosted by GitHub in a Docker container, running on a virtual machine.</a:t>
-            </a:r>
-            <a:endParaRPr sz="1400">
-              <a:solidFill>
-                <a:schemeClr val="dk1"/>
-              </a:solidFill>
-            </a:endParaRPr>
-          </a:p>
-          <a:p>
-            <a:pPr marL="0" lvl="0" indent="0" algn="l" rtl="0">
-              <a:spcBef>
-                <a:spcPts val="0"/>
-              </a:spcBef>
-              <a:spcAft>
-                <a:spcPts val="0"/>
-              </a:spcAft>
-              <a:buNone/>
-            </a:pPr>
-            <a:r>
-              <a:rPr lang="en" sz="1400">
-                <a:solidFill>
-                  <a:schemeClr val="dk1"/>
-                </a:solidFill>
-              </a:rPr>
-              <a:t>	Development platform, free initial use, pay by use after.</a:t>
-            </a:r>
-            <a:endParaRPr sz="1400">
-              <a:solidFill>
-                <a:schemeClr val="dk1"/>
-              </a:solidFill>
-            </a:endParaRPr>
-          </a:p>
-          <a:p>
-            <a:pPr marL="0" lvl="0" indent="0" algn="l" rtl="0">
-              <a:spcBef>
-                <a:spcPts val="0"/>
-              </a:spcBef>
-              <a:spcAft>
-                <a:spcPts val="0"/>
-              </a:spcAft>
-              <a:buNone/>
-            </a:pPr>
-            <a:endParaRPr sz="1400">
-              <a:solidFill>
-                <a:schemeClr val="dk1"/>
-              </a:solidFill>
-            </a:endParaRPr>
-          </a:p>
-          <a:p>
-            <a:pPr marL="0" lvl="0" indent="0" algn="l" rtl="0">
-              <a:spcBef>
-                <a:spcPts val="0"/>
-              </a:spcBef>
-              <a:spcAft>
-                <a:spcPts val="0"/>
-              </a:spcAft>
-              <a:buNone/>
-            </a:pPr>
-            <a:r>
-              <a:rPr lang="en" sz="1400">
-                <a:solidFill>
-                  <a:schemeClr val="dk1"/>
-                </a:solidFill>
-              </a:rPr>
-              <a:t>Pages:</a:t>
-            </a:r>
-            <a:endParaRPr sz="1400">
-              <a:solidFill>
-                <a:schemeClr val="dk1"/>
-              </a:solidFill>
-            </a:endParaRPr>
-          </a:p>
-          <a:p>
-            <a:pPr marL="0" lvl="0" indent="0" algn="l" rtl="0">
-              <a:spcBef>
-                <a:spcPts val="0"/>
-              </a:spcBef>
-              <a:spcAft>
-                <a:spcPts val="0"/>
-              </a:spcAft>
-              <a:buNone/>
-            </a:pPr>
-            <a:r>
-              <a:rPr lang="en" sz="1400">
-                <a:solidFill>
-                  <a:schemeClr val="dk1"/>
-                </a:solidFill>
-              </a:rPr>
-              <a:t>Websites for projects. Hosted directly from your GitHub repository.</a:t>
-            </a:r>
-            <a:endParaRPr sz="1400">
-              <a:solidFill>
-                <a:schemeClr val="dk1"/>
-              </a:solidFill>
-            </a:endParaRPr>
-          </a:p>
-          <a:p>
-            <a:pPr marL="0" lvl="0" indent="0" algn="l" rtl="0">
-              <a:spcBef>
-                <a:spcPts val="0"/>
-              </a:spcBef>
-              <a:spcAft>
-                <a:spcPts val="0"/>
-              </a:spcAft>
-              <a:buNone/>
-            </a:pPr>
-            <a:endParaRPr>
-              <a:solidFill>
-                <a:schemeClr val="dk1"/>
-              </a:solidFill>
-            </a:endParaRPr>
-          </a:p>
-          <a:p>
-            <a:pPr marL="0" lvl="0" indent="0" algn="l" rtl="0">
-              <a:spcBef>
-                <a:spcPts val="0"/>
-              </a:spcBef>
-              <a:spcAft>
-                <a:spcPts val="0"/>
-              </a:spcAft>
-              <a:buNone/>
-            </a:pPr>
-            <a:r>
-              <a:rPr lang="en">
-                <a:solidFill>
-                  <a:schemeClr val="dk1"/>
-                </a:solidFill>
-              </a:rPr>
-              <a:t>Benefits</a:t>
-            </a:r>
-            <a:endParaRPr>
-              <a:solidFill>
-                <a:schemeClr val="dk1"/>
-              </a:solidFill>
-            </a:endParaRPr>
-          </a:p>
-          <a:p>
-            <a:pPr marL="0" lvl="0" indent="0" algn="l" rtl="0">
-              <a:spcBef>
-                <a:spcPts val="0"/>
-              </a:spcBef>
-              <a:spcAft>
-                <a:spcPts val="0"/>
-              </a:spcAft>
-              <a:buNone/>
-            </a:pPr>
-            <a:endParaRPr>
-              <a:solidFill>
-                <a:schemeClr val="dk1"/>
-              </a:solidFill>
-            </a:endParaRPr>
-          </a:p>
-          <a:p>
-            <a:pPr marL="0" lvl="0" indent="0" algn="l" rtl="0">
-              <a:spcBef>
-                <a:spcPts val="0"/>
-              </a:spcBef>
-              <a:spcAft>
-                <a:spcPts val="0"/>
-              </a:spcAft>
-              <a:buClr>
-                <a:schemeClr val="dk1"/>
-              </a:buClr>
-              <a:buSzPts val="1100"/>
-              <a:buFont typeface="Arial"/>
-              <a:buNone/>
-            </a:pPr>
-            <a:r>
-              <a:rPr lang="en">
-                <a:solidFill>
-                  <a:schemeClr val="dk1"/>
-                </a:solidFill>
-              </a:rPr>
-              <a:t>• **Collaboration:** Facilitates easier collaboration among project team members and is used extensively for open source projects.</a:t>
-            </a:r>
-            <a:endParaRPr>
-              <a:solidFill>
-                <a:schemeClr val="dk1"/>
-              </a:solidFill>
-            </a:endParaRPr>
-          </a:p>
-          <a:p>
-            <a:pPr marL="0" lvl="0" indent="0" algn="l" rtl="0">
-              <a:spcBef>
-                <a:spcPts val="0"/>
-              </a:spcBef>
-              <a:spcAft>
-                <a:spcPts val="0"/>
-              </a:spcAft>
-              <a:buClr>
-                <a:schemeClr val="dk1"/>
-              </a:buClr>
-              <a:buSzPts val="1100"/>
-              <a:buFont typeface="Arial"/>
-              <a:buNone/>
-            </a:pPr>
-            <a:endParaRPr>
-              <a:solidFill>
-                <a:schemeClr val="dk1"/>
-              </a:solidFill>
-            </a:endParaRPr>
-          </a:p>
-          <a:p>
-            <a:pPr marL="0" lvl="0" indent="0" algn="l" rtl="0">
-              <a:spcBef>
-                <a:spcPts val="0"/>
-              </a:spcBef>
-              <a:spcAft>
-                <a:spcPts val="0"/>
-              </a:spcAft>
-              <a:buClr>
-                <a:schemeClr val="dk1"/>
-              </a:buClr>
-              <a:buSzPts val="1100"/>
-              <a:buFont typeface="Arial"/>
-              <a:buNone/>
-            </a:pPr>
-            <a:r>
-              <a:rPr lang="en">
-                <a:solidFill>
-                  <a:schemeClr val="dk1"/>
-                </a:solidFill>
-              </a:rPr>
-              <a:t>• **Project Management Tools:** Integrates issue tracking, code reviewing, and a project management dashboard.</a:t>
-            </a:r>
-            <a:endParaRPr>
-              <a:solidFill>
-                <a:schemeClr val="dk1"/>
-              </a:solidFill>
-            </a:endParaRPr>
-          </a:p>
-          <a:p>
-            <a:pPr marL="0" lvl="0" indent="0" algn="l" rtl="0">
-              <a:spcBef>
-                <a:spcPts val="0"/>
-              </a:spcBef>
-              <a:spcAft>
-                <a:spcPts val="0"/>
-              </a:spcAft>
-              <a:buClr>
-                <a:schemeClr val="dk1"/>
-              </a:buClr>
-              <a:buSzPts val="1100"/>
-              <a:buFont typeface="Arial"/>
-              <a:buNone/>
-            </a:pPr>
-            <a:endParaRPr>
-              <a:solidFill>
-                <a:schemeClr val="dk1"/>
-              </a:solidFill>
-            </a:endParaRPr>
-          </a:p>
-          <a:p>
-            <a:pPr marL="0" lvl="0" indent="0" algn="l" rtl="0">
-              <a:spcBef>
-                <a:spcPts val="0"/>
-              </a:spcBef>
-              <a:spcAft>
-                <a:spcPts val="0"/>
-              </a:spcAft>
-              <a:buClr>
-                <a:schemeClr val="dk1"/>
-              </a:buClr>
-              <a:buSzPts val="1100"/>
-              <a:buFont typeface="Arial"/>
-              <a:buNone/>
-            </a:pPr>
-            <a:r>
-              <a:rPr lang="en">
-                <a:solidFill>
-                  <a:schemeClr val="dk1"/>
-                </a:solidFill>
-              </a:rPr>
-              <a:t>• **Integration:** Offers integration with many tools and platforms, enhancing the development process.</a:t>
-            </a:r>
-            <a:endParaRPr>
-              <a:solidFill>
-                <a:schemeClr val="dk1"/>
-              </a:solidFill>
-            </a:endParaRPr>
-          </a:p>
-          <a:p>
-            <a:pPr marL="0" lvl="0" indent="0" algn="l" rtl="0">
-              <a:spcBef>
-                <a:spcPts val="0"/>
-              </a:spcBef>
-              <a:spcAft>
-                <a:spcPts val="0"/>
-              </a:spcAft>
-              <a:buClr>
-                <a:schemeClr val="dk1"/>
-              </a:buClr>
-              <a:buSzPts val="1100"/>
-              <a:buFont typeface="Arial"/>
-              <a:buNone/>
-            </a:pPr>
-            <a:endParaRPr>
-              <a:solidFill>
-                <a:schemeClr val="dk1"/>
-              </a:solidFill>
-            </a:endParaRPr>
-          </a:p>
-          <a:p>
-            <a:pPr marL="0" lvl="0" indent="0" algn="l" rtl="0">
-              <a:spcBef>
-                <a:spcPts val="0"/>
-              </a:spcBef>
-              <a:spcAft>
-                <a:spcPts val="0"/>
-              </a:spcAft>
-              <a:buClr>
-                <a:schemeClr val="dk1"/>
-              </a:buClr>
-              <a:buSzPts val="1100"/>
-              <a:buFont typeface="Arial"/>
-              <a:buNone/>
-            </a:pPr>
-            <a:r>
-              <a:rPr lang="en">
-                <a:solidFill>
-                  <a:schemeClr val="dk1"/>
-                </a:solidFill>
-              </a:rPr>
-              <a:t>• **Documentation:** Provides a platform for hosting project documentation which can be directly linked to the source code.</a:t>
-            </a:r>
-            <a:endParaRPr>
-              <a:solidFill>
-                <a:schemeClr val="dk1"/>
-              </a:solidFill>
-            </a:endParaRPr>
-          </a:p>
-          <a:p>
-            <a:pPr marL="0" lvl="0" indent="0" algn="l" rtl="0">
-              <a:spcBef>
-                <a:spcPts val="0"/>
-              </a:spcBef>
-              <a:spcAft>
-                <a:spcPts val="0"/>
-              </a:spcAft>
-              <a:buNone/>
-            </a:pPr>
-            <a:endParaRPr>
-              <a:solidFill>
-                <a:schemeClr val="dk1"/>
-              </a:solidFill>
-            </a:endParaRPr>
           </a:p>
         </p:txBody>
       </p:sp>
@@ -11397,7 +11397,73 @@
               <a:buChar char="●"/>
             </a:pPr>
             <a:r>
-              <a:rPr lang="en-US" sz="1600" dirty="0">
+              <a:rPr lang="en" sz="1600" dirty="0">
+                <a:solidFill>
+                  <a:schemeClr val="dk1"/>
+                </a:solidFill>
+                <a:latin typeface="Avenir"/>
+                <a:ea typeface="Avenir"/>
+                <a:cs typeface="Avenir"/>
+                <a:sym typeface="Avenir"/>
+              </a:rPr>
+              <a:t>Software Carpentry Git Novice workshop</a:t>
+            </a:r>
+            <a:endParaRPr sz="1600" dirty="0">
+              <a:solidFill>
+                <a:schemeClr val="dk1"/>
+              </a:solidFill>
+              <a:latin typeface="Avenir"/>
+              <a:ea typeface="Avenir"/>
+              <a:cs typeface="Avenir"/>
+              <a:sym typeface="Avenir"/>
+            </a:endParaRPr>
+          </a:p>
+          <a:p>
+            <a:pPr marL="914400" lvl="1" indent="-330200" algn="l" rtl="0">
+              <a:lnSpc>
+                <a:spcPct val="115000"/>
+              </a:lnSpc>
+              <a:spcBef>
+                <a:spcPts val="0"/>
+              </a:spcBef>
+              <a:spcAft>
+                <a:spcPts val="0"/>
+              </a:spcAft>
+              <a:buClr>
+                <a:schemeClr val="dk1"/>
+              </a:buClr>
+              <a:buSzPts val="1600"/>
+              <a:buFont typeface="Avenir"/>
+              <a:buChar char="○"/>
+            </a:pPr>
+            <a:r>
+              <a:rPr lang="en" sz="1600" u="sng" dirty="0">
+                <a:solidFill>
+                  <a:schemeClr val="hlink"/>
+                </a:solidFill>
+                <a:hlinkClick r:id="rId4"/>
+              </a:rPr>
+              <a:t>https://swcarpentry.github.io/git-novice/</a:t>
+            </a:r>
+            <a:endParaRPr sz="1600" u="sng" dirty="0"/>
+          </a:p>
+          <a:p>
+            <a:pPr marL="457200" lvl="0" indent="-330200" algn="l" rtl="0">
+              <a:spcBef>
+                <a:spcPts val="0"/>
+              </a:spcBef>
+              <a:spcAft>
+                <a:spcPts val="0"/>
+              </a:spcAft>
+              <a:buClr>
+                <a:schemeClr val="dk1"/>
+              </a:buClr>
+              <a:buSzPts val="1600"/>
+              <a:buFont typeface="Avenir"/>
+              <a:buChar char="●"/>
+            </a:pPr>
+            <a:r>
+              <a:rPr lang="en" sz="1600" dirty="0">
                 <a:solidFill>
                   <a:schemeClr val="dk1"/>
                 </a:solidFill>
@@ -11408,6 +11474,15 @@
               </a:rPr>
               <a:t>GitHub Cheat Sheet</a:t>
             </a:r>
+            <a:endParaRPr sz="1600" dirty="0">
+              <a:solidFill>
+                <a:schemeClr val="dk1"/>
+              </a:solidFill>
+              <a:latin typeface="Avenir"/>
+              <a:ea typeface="Avenir"/>
+              <a:cs typeface="Avenir"/>
+              <a:sym typeface="Avenir"/>
+            </a:endParaRPr>
           </a:p>
           <a:p>
             <a:pPr marL="914400" lvl="1" indent="-330200" algn="l" rtl="0">
@@ -11428,137 +11503,15 @@
               <a:buChar char="○"/>
             </a:pPr>
             <a:r>
-              <a:rPr lang="en-US" sz="1600" u="sng" dirty="0">
+              <a:rPr lang="en" sz="1600" u="sng" dirty="0">
                 <a:solidFill>
                   <a:schemeClr val="hlink"/>
                 </a:solidFill>
-                <a:hlinkClick r:id="rId4"/>
+                <a:hlinkClick r:id="rId5"/>
               </a:rPr>
               <a:t>https://training.github.com/downloads/github-git-cheat-sheet.pdf</a:t>
             </a:r>
-            <a:endParaRPr lang="en-US" sz="1600" u="sng" dirty="0">
-              <a:solidFill>
-                <a:schemeClr val="hlink"/>
-              </a:solidFill>
-            </a:endParaRPr>
-          </a:p>
-          <a:p>
-            <a:pPr marL="457200" lvl="0" indent="-330200" algn="l" rtl="0">
-              <a:spcBef>
-                <a:spcPts val="0"/>
-              </a:spcBef>
-              <a:spcAft>
-                <a:spcPts val="0"/>
-              </a:spcAft>
-              <a:buClr>
-                <a:schemeClr val="dk1"/>
-              </a:buClr>
-              <a:buSzPts val="1600"/>
-              <a:buFont typeface="Avenir"/>
-              <a:buChar char="●"/>
-            </a:pPr>
-            <a:r>
-              <a:rPr lang="en-US" sz="1600" dirty="0">
-                <a:solidFill>
-                  <a:schemeClr val="dk1"/>
-                </a:solidFill>
-                <a:latin typeface="Avenir"/>
-                <a:ea typeface="Avenir"/>
-                <a:cs typeface="Avenir"/>
-                <a:sym typeface="Avenir"/>
-              </a:rPr>
-              <a:t>Software Carpentry Git Novice workshop</a:t>
-            </a:r>
-          </a:p>
-          <a:p>
-            <a:pPr marL="914400" lvl="1" indent="-330200" algn="l" rtl="0">
-              <a:lnSpc>
-                <a:spcPct val="115000"/>
-              </a:lnSpc>
-              <a:spcBef>
-                <a:spcPts val="0"/>
-              </a:spcBef>
-              <a:spcAft>
-                <a:spcPts val="0"/>
-              </a:spcAft>
-              <a:buClr>
-                <a:schemeClr val="dk1"/>
-              </a:buClr>
-              <a:buSzPts val="1600"/>
-              <a:buFont typeface="Avenir"/>
-              <a:buChar char="○"/>
-            </a:pPr>
-            <a:r>
-              <a:rPr lang="en-US" sz="1600" u="sng" dirty="0">
-                <a:solidFill>
-                  <a:schemeClr val="hlink"/>
-                </a:solidFill>
-                <a:hlinkClick r:id="rId5"/>
-              </a:rPr>
-              <a:t>https://swcarpentry.github.io/git-novice/</a:t>
-            </a:r>
-            <a:endParaRPr lang="en-US" sz="1600" u="sng" dirty="0">
-              <a:solidFill>
-                <a:schemeClr val="hlink"/>
-              </a:solidFill>
-            </a:endParaRPr>
-          </a:p>
-          <a:p>
-            <a:pPr marL="457200" lvl="0" indent="-330200" algn="l" rtl="0">
-              <a:spcBef>
-                <a:spcPts val="0"/>
-              </a:spcBef>
-              <a:spcAft>
-                <a:spcPts val="0"/>
-              </a:spcAft>
-              <a:buClr>
-                <a:schemeClr val="dk1"/>
-              </a:buClr>
-              <a:buSzPts val="1600"/>
-              <a:buFont typeface="Avenir"/>
-              <a:buChar char="●"/>
-            </a:pPr>
-            <a:r>
-              <a:rPr lang="en-US" sz="1600" dirty="0">
-                <a:solidFill>
-                  <a:schemeClr val="dk1"/>
-                </a:solidFill>
-                <a:latin typeface="Avenir"/>
-                <a:ea typeface="Avenir"/>
-                <a:cs typeface="Avenir"/>
-                <a:sym typeface="Avenir"/>
-              </a:rPr>
-              <a:t>Yale Research Computing Git Workshop Video Recording</a:t>
-            </a:r>
-          </a:p>
-          <a:p>
-            <a:pPr marL="914400" lvl="1" indent="-330200" algn="l" rtl="0">
-              <a:lnSpc>
-                <a:spcPct val="115000"/>
-              </a:lnSpc>
-              <a:spcBef>
-                <a:spcPts val="0"/>
-              </a:spcBef>
-              <a:spcAft>
-                <a:spcPts val="0"/>
-              </a:spcAft>
-              <a:buClr>
-                <a:schemeClr val="dk1"/>
-              </a:buClr>
-              <a:buSzPts val="1600"/>
-              <a:buFont typeface="Avenir"/>
-              <a:buChar char="○"/>
-            </a:pPr>
-            <a:r>
-              <a:rPr lang="en-US" sz="1600" u="sng" dirty="0">
-                <a:solidFill>
-                  <a:schemeClr val="hlink"/>
-                </a:solidFill>
-                <a:hlinkClick r:id="rId6"/>
-              </a:rPr>
-              <a:t>https://research.computing.yale.edu/training/version-control-git</a:t>
-            </a:r>
-            <a:endParaRPr lang="en-US" sz="1600" u="sng" dirty="0"/>
+            <a:endParaRPr sz="1600" u="sng" dirty="0"/>
           </a:p>
           <a:p>
             <a:pPr marL="457200" lvl="0" indent="-330200" algn="l" rtl="0">
@@ -11617,7 +11570,7 @@
                 <a:solidFill>
                   <a:schemeClr val="hlink"/>
                 </a:solidFill>
-                <a:hlinkClick r:id="rId7"/>
+                <a:hlinkClick r:id="rId6"/>
               </a:rPr>
               <a:t>https://open-source-for-researchers.github.io/open-source-workshop/</a:t>
             </a:r>
@@ -11630,6 +11583,72 @@
               <a:cs typeface="Avenir"/>
               <a:sym typeface="Avenir"/>
             </a:endParaRPr>
+          </a:p>
+          <a:p>
+            <a:pPr marL="457200" lvl="0" indent="-330200" algn="l" rtl="0">
+              <a:spcBef>
+                <a:spcPts val="0"/>
+              </a:spcBef>
+              <a:spcAft>
+                <a:spcPts val="0"/>
+              </a:spcAft>
+              <a:buClr>
+                <a:schemeClr val="dk1"/>
+              </a:buClr>
+              <a:buSzPts val="1600"/>
+              <a:buFont typeface="Avenir"/>
+              <a:buChar char="●"/>
+            </a:pPr>
+            <a:r>
+              <a:rPr lang="en" sz="1600" dirty="0">
+                <a:solidFill>
+                  <a:schemeClr val="dk1"/>
+                </a:solidFill>
+                <a:latin typeface="Avenir"/>
+                <a:ea typeface="Avenir"/>
+                <a:cs typeface="Avenir"/>
+                <a:sym typeface="Avenir"/>
+              </a:rPr>
+              <a:t>Yale Research Computing Git Workshop Video Recording</a:t>
+            </a:r>
+            <a:endParaRPr sz="1600" dirty="0">
+              <a:solidFill>
+                <a:schemeClr val="dk1"/>
+              </a:solidFill>
+              <a:latin typeface="Avenir"/>
+              <a:ea typeface="Avenir"/>
+              <a:cs typeface="Avenir"/>
+              <a:sym typeface="Avenir"/>
+            </a:endParaRPr>
+          </a:p>
+          <a:p>
+            <a:pPr marL="914400" lvl="1" indent="-330200" algn="l" rtl="0">
+              <a:lnSpc>
+                <a:spcPct val="115000"/>
+              </a:lnSpc>
+              <a:spcBef>
+                <a:spcPts val="0"/>
+              </a:spcBef>
+              <a:spcAft>
+                <a:spcPts val="0"/>
+              </a:spcAft>
+              <a:buClr>
+                <a:schemeClr val="dk1"/>
+              </a:buClr>
+              <a:buSzPts val="1600"/>
+              <a:buFont typeface="Avenir"/>
+              <a:buChar char="○"/>
+            </a:pPr>
+            <a:r>
+              <a:rPr lang="en" sz="1600" u="sng" dirty="0">
+                <a:solidFill>
+                  <a:schemeClr val="hlink"/>
+                </a:solidFill>
+                <a:hlinkClick r:id="rId7"/>
+              </a:rPr>
+              <a:t>https://research.computing.yale.edu/training/version-control-git</a:t>
+            </a:r>
+            <a:endParaRPr sz="1600" b="1" u="sng" dirty="0"/>
           </a:p>
           <a:p>
             <a:pPr marL="914400" lvl="0" indent="0" algn="l" rtl="0">
@@ -12338,143 +12357,6 @@
   <p:cSld>
     <p:spTree>
       <p:nvGrpSpPr>
-        <p:cNvPr id="1" name="Shape 82"/>
-        <p:cNvGrpSpPr/>
-        <p:nvPr/>
-      </p:nvGrpSpPr>
-      <p:grpSpPr>
-        <a:xfrm>
-          <a:off x="0" y="0"/>
-          <a:ext cx="0" cy="0"/>
-          <a:chOff x="0" y="0"/>
-          <a:chExt cx="0" cy="0"/>
-        </a:xfrm>
-      </p:grpSpPr>
-      <p:sp>
-        <p:nvSpPr>
-          <p:cNvPr id="83" name="Google Shape;83;p15"/>
-          <p:cNvSpPr txBox="1">
-            <a:spLocks noGrp="1"/>
-          </p:cNvSpPr>
-          <p:nvPr>
-            <p:ph type="title"/>
-          </p:nvPr>
-        </p:nvSpPr>
-        <p:spPr>
-          <a:xfrm>
-            <a:off x="620625" y="152400"/>
-            <a:ext cx="7761600" cy="969000"/>
-          </a:xfrm>
-          <a:prstGeom prst="rect">
-            <a:avLst/>
-          </a:prstGeom>
-        </p:spPr>
-        <p:txBody>
-          <a:bodyPr spcFirstLastPara="1" wrap="square" lIns="91425" tIns="91425" rIns="91425" bIns="91425" anchor="b" anchorCtr="0">
-            <a:noAutofit/>
-          </a:bodyPr>
-          <a:lstStyle/>
-          <a:p>
-            <a:pPr marL="0" lvl="0" indent="0" algn="l" rtl="0">
-              <a:spcBef>
-                <a:spcPts val="0"/>
-              </a:spcBef>
-              <a:spcAft>
-                <a:spcPts val="0"/>
-              </a:spcAft>
-              <a:buNone/>
-            </a:pPr>
-            <a:r>
-              <a:rPr lang="en"/>
-              <a:t>Use Cases</a:t>
-            </a:r>
-            <a:endParaRPr/>
-          </a:p>
-        </p:txBody>
-      </p:sp>
-      <p:sp>
-        <p:nvSpPr>
-          <p:cNvPr id="84" name="Google Shape;84;p15"/>
-          <p:cNvSpPr txBox="1">
-            <a:spLocks noGrp="1"/>
-          </p:cNvSpPr>
-          <p:nvPr>
-            <p:ph type="sldNum" idx="12"/>
-          </p:nvPr>
-        </p:nvSpPr>
-        <p:spPr>
-          <a:xfrm>
-            <a:off x="8290000" y="4684858"/>
-            <a:ext cx="548700" cy="309000"/>
-          </a:xfrm>
-          <a:prstGeom prst="rect">
-            <a:avLst/>
-          </a:prstGeom>
-        </p:spPr>
-        <p:txBody>
-          <a:bodyPr spcFirstLastPara="1" wrap="square" lIns="91425" tIns="91425" rIns="91425" bIns="91425" anchor="t" anchorCtr="0">
-            <a:noAutofit/>
-          </a:bodyPr>
-          <a:lstStyle/>
-          <a:p>
-            <a:pPr marL="0" lvl="0" indent="0" algn="r" rtl="0">
-              <a:spcBef>
-                <a:spcPts val="0"/>
-              </a:spcBef>
-              <a:spcAft>
-                <a:spcPts val="0"/>
-              </a:spcAft>
-              <a:buNone/>
-            </a:pPr>
-            <a:fld id="{00000000-1234-1234-1234-123412341234}" type="slidenum">
-              <a:rPr lang="en"/>
-              <a:t>2</a:t>
-            </a:fld>
-            <a:endParaRPr/>
-          </a:p>
-        </p:txBody>
-      </p:sp>
-      <p:pic>
-        <p:nvPicPr>
-          <p:cNvPr id="85" name="Google Shape;85;p15"/>
-          <p:cNvPicPr preferRelativeResize="0"/>
-          <p:nvPr/>
-        </p:nvPicPr>
-        <p:blipFill>
-          <a:blip r:embed="rId3">
-            <a:alphaModFix/>
-          </a:blip>
-          <a:stretch>
-            <a:fillRect/>
-          </a:stretch>
-        </p:blipFill>
-        <p:spPr>
-          <a:xfrm>
-            <a:off x="152400" y="1595038"/>
-            <a:ext cx="8839201" cy="2835965"/>
-          </a:xfrm>
-          <a:prstGeom prst="rect">
-            <a:avLst/>
-          </a:prstGeom>
-          <a:noFill/>
-          <a:ln>
-            <a:noFill/>
-          </a:ln>
-        </p:spPr>
-      </p:pic>
-    </p:spTree>
-  </p:cSld>
-  <p:clrMapOvr>
-    <a:masterClrMapping/>
-  </p:clrMapOvr>
-</p:sld>
-</file>
-
-<file path=ppt/slides/slide3.xml><?xml version="1.0" encoding="utf-8"?>
-<p:sld xmlns:a="http://schemas.openxmlformats.org/drawingml/2006/main" xmlns:r="http://schemas.openxmlformats.org/officeDocument/2006/relationships" xmlns:p="http://schemas.openxmlformats.org/presentationml/2006/main">
-  <p:cSld>
-    <p:spTree>
-      <p:nvGrpSpPr>
         <p:cNvPr id="1" name="Shape 89"/>
         <p:cNvGrpSpPr/>
         <p:nvPr/>
@@ -12735,7 +12617,7 @@
             </a:pPr>
             <a:fld id="{00000000-1234-1234-1234-123412341234}" type="slidenum">
               <a:rPr lang="en"/>
-              <a:t>3</a:t>
+              <a:t>2</a:t>
             </a:fld>
             <a:endParaRPr/>
           </a:p>
@@ -12777,882 +12659,7 @@
 </p:sld>
 </file>
 
-<file path=ppt/slides/slide4.xml><?xml version="1.0" encoding="utf-8"?>
-<p:sld xmlns:a="http://schemas.openxmlformats.org/drawingml/2006/main" xmlns:r="http://schemas.openxmlformats.org/officeDocument/2006/relationships" xmlns:p="http://schemas.openxmlformats.org/presentationml/2006/main">
-  <p:cSld>
-    <p:spTree>
-      <p:nvGrpSpPr>
-        <p:cNvPr id="1" name="Shape 97"/>
-        <p:cNvGrpSpPr/>
-        <p:nvPr/>
-      </p:nvGrpSpPr>
-      <p:grpSpPr>
-        <a:xfrm>
-          <a:off x="0" y="0"/>
-          <a:ext cx="0" cy="0"/>
-          <a:chOff x="0" y="0"/>
-          <a:chExt cx="0" cy="0"/>
-        </a:xfrm>
-      </p:grpSpPr>
-      <p:sp>
-        <p:nvSpPr>
-          <p:cNvPr id="98" name="Google Shape;98;p17"/>
-          <p:cNvSpPr txBox="1">
-            <a:spLocks noGrp="1"/>
-          </p:cNvSpPr>
-          <p:nvPr>
-            <p:ph type="body" idx="1"/>
-          </p:nvPr>
-        </p:nvSpPr>
-        <p:spPr>
-          <a:xfrm>
-            <a:off x="451200" y="1343750"/>
-            <a:ext cx="8692800" cy="2868900"/>
-          </a:xfrm>
-          <a:prstGeom prst="rect">
-            <a:avLst/>
-          </a:prstGeom>
-        </p:spPr>
-        <p:txBody>
-          <a:bodyPr spcFirstLastPara="1" wrap="square" lIns="91425" tIns="91425" rIns="91425" bIns="91425" anchor="t" anchorCtr="0">
-            <a:noAutofit/>
-          </a:bodyPr>
-          <a:lstStyle/>
-          <a:p>
-            <a:pPr marL="457200" lvl="0" indent="-342900" algn="l" rtl="0">
-              <a:spcBef>
-                <a:spcPts val="1300"/>
-              </a:spcBef>
-              <a:spcAft>
-                <a:spcPts val="0"/>
-              </a:spcAft>
-              <a:buClr>
-                <a:schemeClr val="dk1"/>
-              </a:buClr>
-              <a:buSzPts val="1800"/>
-              <a:buFont typeface="Avenir"/>
-              <a:buChar char="●"/>
-            </a:pPr>
-            <a:r>
-              <a:rPr lang="en" sz="1800">
-                <a:solidFill>
-                  <a:schemeClr val="dk1"/>
-                </a:solidFill>
-                <a:latin typeface="Avenir"/>
-                <a:ea typeface="Avenir"/>
-                <a:cs typeface="Avenir"/>
-                <a:sym typeface="Avenir"/>
-              </a:rPr>
-              <a:t>Version control is a system that records changes to a file or set of files over time so that you can recall specific versions later.</a:t>
-            </a:r>
-            <a:endParaRPr sz="1800">
-              <a:solidFill>
-                <a:schemeClr val="dk1"/>
-              </a:solidFill>
-              <a:latin typeface="Avenir"/>
-              <a:ea typeface="Avenir"/>
-              <a:cs typeface="Avenir"/>
-              <a:sym typeface="Avenir"/>
-            </a:endParaRPr>
-          </a:p>
-          <a:p>
-            <a:pPr marL="457200" lvl="0" indent="-342900" algn="l" rtl="0">
-              <a:spcBef>
-                <a:spcPts val="0"/>
-              </a:spcBef>
-              <a:spcAft>
-                <a:spcPts val="0"/>
-              </a:spcAft>
-              <a:buClr>
-                <a:schemeClr val="dk1"/>
-              </a:buClr>
-              <a:buSzPts val="1800"/>
-              <a:buFont typeface="Avenir"/>
-              <a:buChar char="●"/>
-            </a:pPr>
-            <a:r>
-              <a:rPr lang="en" sz="1800">
-                <a:solidFill>
-                  <a:schemeClr val="dk1"/>
-                </a:solidFill>
-                <a:latin typeface="Avenir"/>
-                <a:ea typeface="Avenir"/>
-                <a:cs typeface="Avenir"/>
-                <a:sym typeface="Avenir"/>
-              </a:rPr>
-              <a:t>Track modifications, and collaborate on projects without overwriting other’s work.</a:t>
-            </a:r>
-            <a:endParaRPr sz="1800">
-              <a:solidFill>
-                <a:schemeClr val="dk1"/>
-              </a:solidFill>
-              <a:latin typeface="Avenir"/>
-              <a:ea typeface="Avenir"/>
-              <a:cs typeface="Avenir"/>
-              <a:sym typeface="Avenir"/>
-            </a:endParaRPr>
-          </a:p>
-          <a:p>
-            <a:pPr marL="457200" lvl="0" indent="-342900" algn="l" rtl="0">
-              <a:spcBef>
-                <a:spcPts val="0"/>
-              </a:spcBef>
-              <a:spcAft>
-                <a:spcPts val="0"/>
-              </a:spcAft>
-              <a:buClr>
-                <a:schemeClr val="dk1"/>
-              </a:buClr>
-              <a:buSzPts val="1800"/>
-              <a:buFont typeface="Avenir"/>
-              <a:buChar char="●"/>
-            </a:pPr>
-            <a:r>
-              <a:rPr lang="en" sz="1800">
-                <a:solidFill>
-                  <a:schemeClr val="dk1"/>
-                </a:solidFill>
-                <a:latin typeface="Avenir"/>
-                <a:ea typeface="Avenir"/>
-                <a:cs typeface="Avenir"/>
-                <a:sym typeface="Avenir"/>
-              </a:rPr>
-              <a:t>Benefits: </a:t>
-            </a:r>
-            <a:endParaRPr sz="1800">
-              <a:solidFill>
-                <a:schemeClr val="dk1"/>
-              </a:solidFill>
-              <a:latin typeface="Avenir"/>
-              <a:ea typeface="Avenir"/>
-              <a:cs typeface="Avenir"/>
-              <a:sym typeface="Avenir"/>
-            </a:endParaRPr>
-          </a:p>
-          <a:p>
-            <a:pPr marL="914400" lvl="1" indent="-342900" algn="l" rtl="0">
-              <a:spcBef>
-                <a:spcPts val="0"/>
-              </a:spcBef>
-              <a:spcAft>
-                <a:spcPts val="0"/>
-              </a:spcAft>
-              <a:buClr>
-                <a:schemeClr val="dk1"/>
-              </a:buClr>
-              <a:buSzPts val="1800"/>
-              <a:buFont typeface="Avenir"/>
-              <a:buChar char="○"/>
-            </a:pPr>
-            <a:r>
-              <a:rPr lang="en"/>
-              <a:t>Backup and Restore</a:t>
-            </a:r>
-            <a:endParaRPr/>
-          </a:p>
-          <a:p>
-            <a:pPr marL="914400" lvl="1" indent="-342900" algn="l" rtl="0">
-              <a:spcBef>
-                <a:spcPts val="0"/>
-              </a:spcBef>
-              <a:spcAft>
-                <a:spcPts val="0"/>
-              </a:spcAft>
-              <a:buClr>
-                <a:schemeClr val="dk1"/>
-              </a:buClr>
-              <a:buSzPts val="1800"/>
-              <a:buFont typeface="Avenir"/>
-              <a:buChar char="○"/>
-            </a:pPr>
-            <a:r>
-              <a:rPr lang="en"/>
-              <a:t>Synchronization</a:t>
-            </a:r>
-            <a:endParaRPr/>
-          </a:p>
-          <a:p>
-            <a:pPr marL="914400" lvl="1" indent="-342900" algn="l" rtl="0">
-              <a:spcBef>
-                <a:spcPts val="0"/>
-              </a:spcBef>
-              <a:spcAft>
-                <a:spcPts val="0"/>
-              </a:spcAft>
-              <a:buClr>
-                <a:schemeClr val="dk1"/>
-              </a:buClr>
-              <a:buSzPts val="1800"/>
-              <a:buFont typeface="Avenir"/>
-              <a:buChar char="○"/>
-            </a:pPr>
-            <a:r>
-              <a:rPr lang="en"/>
-              <a:t>Short/Long Term Undo</a:t>
-            </a:r>
-            <a:endParaRPr/>
-          </a:p>
-          <a:p>
-            <a:pPr marL="914400" lvl="1" indent="-342900" algn="l" rtl="0">
-              <a:spcBef>
-                <a:spcPts val="0"/>
-              </a:spcBef>
-              <a:spcAft>
-                <a:spcPts val="0"/>
-              </a:spcAft>
-              <a:buClr>
-                <a:schemeClr val="dk1"/>
-              </a:buClr>
-              <a:buSzPts val="1800"/>
-              <a:buFont typeface="Avenir"/>
-              <a:buChar char="○"/>
-            </a:pPr>
-            <a:r>
-              <a:rPr lang="en"/>
-              <a:t>Branching and Merging</a:t>
-            </a:r>
-            <a:endParaRPr/>
-          </a:p>
-          <a:p>
-            <a:pPr marL="0" lvl="0" indent="0" algn="l" rtl="0">
-              <a:spcBef>
-                <a:spcPts val="1300"/>
-              </a:spcBef>
-              <a:spcAft>
-                <a:spcPts val="2500"/>
-              </a:spcAft>
-              <a:buNone/>
-            </a:pPr>
-            <a:endParaRPr sz="1800">
-              <a:solidFill>
-                <a:schemeClr val="dk1"/>
-              </a:solidFill>
-              <a:latin typeface="Avenir"/>
-              <a:ea typeface="Avenir"/>
-              <a:cs typeface="Avenir"/>
-              <a:sym typeface="Avenir"/>
-            </a:endParaRPr>
-          </a:p>
-        </p:txBody>
-      </p:sp>
-      <p:sp>
-        <p:nvSpPr>
-          <p:cNvPr id="99" name="Google Shape;99;p17"/>
-          <p:cNvSpPr txBox="1">
-            <a:spLocks noGrp="1"/>
-          </p:cNvSpPr>
-          <p:nvPr>
-            <p:ph type="title"/>
-          </p:nvPr>
-        </p:nvSpPr>
-        <p:spPr>
-          <a:xfrm>
-            <a:off x="691200" y="152400"/>
-            <a:ext cx="7761600" cy="969000"/>
-          </a:xfrm>
-          <a:prstGeom prst="rect">
-            <a:avLst/>
-          </a:prstGeom>
-        </p:spPr>
-        <p:txBody>
-          <a:bodyPr spcFirstLastPara="1" wrap="square" lIns="91425" tIns="91425" rIns="91425" bIns="91425" anchor="b" anchorCtr="0">
-            <a:noAutofit/>
-          </a:bodyPr>
-          <a:lstStyle/>
-          <a:p>
-            <a:pPr marL="0" lvl="0" indent="0" algn="l" rtl="0">
-              <a:spcBef>
-                <a:spcPts val="0"/>
-              </a:spcBef>
-              <a:spcAft>
-                <a:spcPts val="0"/>
-              </a:spcAft>
-              <a:buNone/>
-            </a:pPr>
-            <a:r>
-              <a:rPr lang="en"/>
-              <a:t>Version Control</a:t>
-            </a:r>
-            <a:endParaRPr/>
-          </a:p>
-        </p:txBody>
-      </p:sp>
-      <p:sp>
-        <p:nvSpPr>
-          <p:cNvPr id="100" name="Google Shape;100;p17"/>
-          <p:cNvSpPr txBox="1">
-            <a:spLocks noGrp="1"/>
-          </p:cNvSpPr>
-          <p:nvPr>
-            <p:ph type="sldNum" idx="12"/>
-          </p:nvPr>
-        </p:nvSpPr>
-        <p:spPr>
-          <a:xfrm>
-            <a:off x="8290000" y="4684858"/>
-            <a:ext cx="548700" cy="309000"/>
-          </a:xfrm>
-          <a:prstGeom prst="rect">
-            <a:avLst/>
-          </a:prstGeom>
-        </p:spPr>
-        <p:txBody>
-          <a:bodyPr spcFirstLastPara="1" wrap="square" lIns="91425" tIns="91425" rIns="91425" bIns="91425" anchor="t" anchorCtr="0">
-            <a:noAutofit/>
-          </a:bodyPr>
-          <a:lstStyle/>
-          <a:p>
-            <a:pPr marL="0" lvl="0" indent="0" algn="r" rtl="0">
-              <a:spcBef>
-                <a:spcPts val="0"/>
-              </a:spcBef>
-              <a:spcAft>
-                <a:spcPts val="0"/>
-              </a:spcAft>
-              <a:buNone/>
-            </a:pPr>
-            <a:fld id="{00000000-1234-1234-1234-123412341234}" type="slidenum">
-              <a:rPr lang="en"/>
-              <a:t>4</a:t>
-            </a:fld>
-            <a:endParaRPr/>
-          </a:p>
-        </p:txBody>
-      </p:sp>
-    </p:spTree>
-  </p:cSld>
-  <p:clrMapOvr>
-    <a:masterClrMapping/>
-  </p:clrMapOvr>
-</p:sld>
-</file>
-
-<file path=ppt/slides/slide5.xml><?xml version="1.0" encoding="utf-8"?>
-<p:sld xmlns:a="http://schemas.openxmlformats.org/drawingml/2006/main" xmlns:r="http://schemas.openxmlformats.org/officeDocument/2006/relationships" xmlns:p="http://schemas.openxmlformats.org/presentationml/2006/main">
-  <p:cSld>
-    <p:spTree>
-      <p:nvGrpSpPr>
-        <p:cNvPr id="1" name="Shape 104"/>
-        <p:cNvGrpSpPr/>
-        <p:nvPr/>
-      </p:nvGrpSpPr>
-      <p:grpSpPr>
-        <a:xfrm>
-          <a:off x="0" y="0"/>
-          <a:ext cx="0" cy="0"/>
-          <a:chOff x="0" y="0"/>
-          <a:chExt cx="0" cy="0"/>
-        </a:xfrm>
-      </p:grpSpPr>
-      <p:sp>
-        <p:nvSpPr>
-          <p:cNvPr id="105" name="Google Shape;105;p18"/>
-          <p:cNvSpPr txBox="1">
-            <a:spLocks noGrp="1"/>
-          </p:cNvSpPr>
-          <p:nvPr>
-            <p:ph type="title"/>
-          </p:nvPr>
-        </p:nvSpPr>
-        <p:spPr>
-          <a:xfrm>
-            <a:off x="691200" y="152400"/>
-            <a:ext cx="7761600" cy="969000"/>
-          </a:xfrm>
-          <a:prstGeom prst="rect">
-            <a:avLst/>
-          </a:prstGeom>
-        </p:spPr>
-        <p:txBody>
-          <a:bodyPr spcFirstLastPara="1" wrap="square" lIns="91425" tIns="91425" rIns="91425" bIns="91425" anchor="b" anchorCtr="0">
-            <a:noAutofit/>
-          </a:bodyPr>
-          <a:lstStyle/>
-          <a:p>
-            <a:pPr marL="0" lvl="0" indent="0" algn="l" rtl="0">
-              <a:spcBef>
-                <a:spcPts val="0"/>
-              </a:spcBef>
-              <a:spcAft>
-                <a:spcPts val="0"/>
-              </a:spcAft>
-              <a:buNone/>
-            </a:pPr>
-            <a:r>
-              <a:rPr lang="en"/>
-              <a:t>Record Changes</a:t>
-            </a:r>
-            <a:endParaRPr/>
-          </a:p>
-        </p:txBody>
-      </p:sp>
-      <p:sp>
-        <p:nvSpPr>
-          <p:cNvPr id="106" name="Google Shape;106;p18"/>
-          <p:cNvSpPr txBox="1">
-            <a:spLocks noGrp="1"/>
-          </p:cNvSpPr>
-          <p:nvPr>
-            <p:ph type="body" idx="1"/>
-          </p:nvPr>
-        </p:nvSpPr>
-        <p:spPr>
-          <a:xfrm>
-            <a:off x="451200" y="1343750"/>
-            <a:ext cx="8692800" cy="2868900"/>
-          </a:xfrm>
-          <a:prstGeom prst="rect">
-            <a:avLst/>
-          </a:prstGeom>
-        </p:spPr>
-        <p:txBody>
-          <a:bodyPr spcFirstLastPara="1" wrap="square" lIns="91425" tIns="91425" rIns="91425" bIns="91425" anchor="t" anchorCtr="0">
-            <a:noAutofit/>
-          </a:bodyPr>
-          <a:lstStyle/>
-          <a:p>
-            <a:pPr marL="0" lvl="0" indent="0" algn="l" rtl="0">
-              <a:spcBef>
-                <a:spcPts val="1300"/>
-              </a:spcBef>
-              <a:spcAft>
-                <a:spcPts val="2500"/>
-              </a:spcAft>
-              <a:buNone/>
-            </a:pPr>
-            <a:endParaRPr/>
-          </a:p>
-        </p:txBody>
-      </p:sp>
-      <p:sp>
-        <p:nvSpPr>
-          <p:cNvPr id="107" name="Google Shape;107;p18"/>
-          <p:cNvSpPr txBox="1">
-            <a:spLocks noGrp="1"/>
-          </p:cNvSpPr>
-          <p:nvPr>
-            <p:ph type="sldNum" idx="12"/>
-          </p:nvPr>
-        </p:nvSpPr>
-        <p:spPr>
-          <a:xfrm>
-            <a:off x="8290000" y="4684858"/>
-            <a:ext cx="548700" cy="309000"/>
-          </a:xfrm>
-          <a:prstGeom prst="rect">
-            <a:avLst/>
-          </a:prstGeom>
-        </p:spPr>
-        <p:txBody>
-          <a:bodyPr spcFirstLastPara="1" wrap="square" lIns="91425" tIns="91425" rIns="91425" bIns="91425" anchor="t" anchorCtr="0">
-            <a:noAutofit/>
-          </a:bodyPr>
-          <a:lstStyle/>
-          <a:p>
-            <a:pPr marL="0" lvl="0" indent="0" algn="r" rtl="0">
-              <a:spcBef>
-                <a:spcPts val="0"/>
-              </a:spcBef>
-              <a:spcAft>
-                <a:spcPts val="0"/>
-              </a:spcAft>
-              <a:buNone/>
-            </a:pPr>
-            <a:fld id="{00000000-1234-1234-1234-123412341234}" type="slidenum">
-              <a:rPr lang="en"/>
-              <a:t>5</a:t>
-            </a:fld>
-            <a:endParaRPr/>
-          </a:p>
-        </p:txBody>
-      </p:sp>
-      <p:pic>
-        <p:nvPicPr>
-          <p:cNvPr id="108" name="Google Shape;108;p18"/>
-          <p:cNvPicPr preferRelativeResize="0"/>
-          <p:nvPr/>
-        </p:nvPicPr>
-        <p:blipFill>
-          <a:blip r:embed="rId3">
-            <a:alphaModFix/>
-          </a:blip>
-          <a:stretch>
-            <a:fillRect/>
-          </a:stretch>
-        </p:blipFill>
-        <p:spPr>
-          <a:xfrm>
-            <a:off x="1206675" y="1644725"/>
-            <a:ext cx="7181850" cy="2266950"/>
-          </a:xfrm>
-          <a:prstGeom prst="rect">
-            <a:avLst/>
-          </a:prstGeom>
-          <a:noFill/>
-          <a:ln>
-            <a:noFill/>
-          </a:ln>
-        </p:spPr>
-      </p:pic>
-    </p:spTree>
-  </p:cSld>
-  <p:clrMapOvr>
-    <a:masterClrMapping/>
-  </p:clrMapOvr>
-</p:sld>
-</file>
-
-<file path=ppt/slides/slide6.xml><?xml version="1.0" encoding="utf-8"?>
-<p:sld xmlns:a="http://schemas.openxmlformats.org/drawingml/2006/main" xmlns:r="http://schemas.openxmlformats.org/officeDocument/2006/relationships" xmlns:p="http://schemas.openxmlformats.org/presentationml/2006/main">
-  <p:cSld>
-    <p:spTree>
-      <p:nvGrpSpPr>
-        <p:cNvPr id="1" name="Shape 112"/>
-        <p:cNvGrpSpPr/>
-        <p:nvPr/>
-      </p:nvGrpSpPr>
-      <p:grpSpPr>
-        <a:xfrm>
-          <a:off x="0" y="0"/>
-          <a:ext cx="0" cy="0"/>
-          <a:chOff x="0" y="0"/>
-          <a:chExt cx="0" cy="0"/>
-        </a:xfrm>
-      </p:grpSpPr>
-      <p:sp>
-        <p:nvSpPr>
-          <p:cNvPr id="113" name="Google Shape;113;p19"/>
-          <p:cNvSpPr txBox="1">
-            <a:spLocks noGrp="1"/>
-          </p:cNvSpPr>
-          <p:nvPr>
-            <p:ph type="title"/>
-          </p:nvPr>
-        </p:nvSpPr>
-        <p:spPr>
-          <a:xfrm>
-            <a:off x="691200" y="152400"/>
-            <a:ext cx="7761600" cy="969000"/>
-          </a:xfrm>
-          <a:prstGeom prst="rect">
-            <a:avLst/>
-          </a:prstGeom>
-        </p:spPr>
-        <p:txBody>
-          <a:bodyPr spcFirstLastPara="1" wrap="square" lIns="91425" tIns="91425" rIns="91425" bIns="91425" anchor="b" anchorCtr="0">
-            <a:noAutofit/>
-          </a:bodyPr>
-          <a:lstStyle/>
-          <a:p>
-            <a:pPr marL="0" lvl="0" indent="0" algn="l" rtl="0">
-              <a:spcBef>
-                <a:spcPts val="0"/>
-              </a:spcBef>
-              <a:spcAft>
-                <a:spcPts val="0"/>
-              </a:spcAft>
-              <a:buNone/>
-            </a:pPr>
-            <a:r>
-              <a:rPr lang="en"/>
-              <a:t>Versions</a:t>
-            </a:r>
-            <a:endParaRPr/>
-          </a:p>
-        </p:txBody>
-      </p:sp>
-      <p:sp>
-        <p:nvSpPr>
-          <p:cNvPr id="114" name="Google Shape;114;p19"/>
-          <p:cNvSpPr txBox="1">
-            <a:spLocks noGrp="1"/>
-          </p:cNvSpPr>
-          <p:nvPr>
-            <p:ph type="body" idx="1"/>
-          </p:nvPr>
-        </p:nvSpPr>
-        <p:spPr>
-          <a:xfrm>
-            <a:off x="451200" y="1343750"/>
-            <a:ext cx="8692800" cy="2868900"/>
-          </a:xfrm>
-          <a:prstGeom prst="rect">
-            <a:avLst/>
-          </a:prstGeom>
-        </p:spPr>
-        <p:txBody>
-          <a:bodyPr spcFirstLastPara="1" wrap="square" lIns="91425" tIns="91425" rIns="91425" bIns="91425" anchor="t" anchorCtr="0">
-            <a:noAutofit/>
-          </a:bodyPr>
-          <a:lstStyle/>
-          <a:p>
-            <a:pPr marL="0" lvl="0" indent="0" algn="l" rtl="0">
-              <a:spcBef>
-                <a:spcPts val="1300"/>
-              </a:spcBef>
-              <a:spcAft>
-                <a:spcPts val="2500"/>
-              </a:spcAft>
-              <a:buNone/>
-            </a:pPr>
-            <a:endParaRPr/>
-          </a:p>
-        </p:txBody>
-      </p:sp>
-      <p:sp>
-        <p:nvSpPr>
-          <p:cNvPr id="115" name="Google Shape;115;p19"/>
-          <p:cNvSpPr txBox="1">
-            <a:spLocks noGrp="1"/>
-          </p:cNvSpPr>
-          <p:nvPr>
-            <p:ph type="sldNum" idx="12"/>
-          </p:nvPr>
-        </p:nvSpPr>
-        <p:spPr>
-          <a:xfrm>
-            <a:off x="8290000" y="4684858"/>
-            <a:ext cx="548700" cy="309000"/>
-          </a:xfrm>
-          <a:prstGeom prst="rect">
-            <a:avLst/>
-          </a:prstGeom>
-        </p:spPr>
-        <p:txBody>
-          <a:bodyPr spcFirstLastPara="1" wrap="square" lIns="91425" tIns="91425" rIns="91425" bIns="91425" anchor="t" anchorCtr="0">
-            <a:noAutofit/>
-          </a:bodyPr>
-          <a:lstStyle/>
-          <a:p>
-            <a:pPr marL="0" lvl="0" indent="0" algn="r" rtl="0">
-              <a:spcBef>
-                <a:spcPts val="0"/>
-              </a:spcBef>
-              <a:spcAft>
-                <a:spcPts val="0"/>
-              </a:spcAft>
-              <a:buNone/>
-            </a:pPr>
-            <a:fld id="{00000000-1234-1234-1234-123412341234}" type="slidenum">
-              <a:rPr lang="en"/>
-              <a:t>6</a:t>
-            </a:fld>
-            <a:endParaRPr/>
-          </a:p>
-        </p:txBody>
-      </p:sp>
-      <p:pic>
-        <p:nvPicPr>
-          <p:cNvPr id="116" name="Google Shape;116;p19"/>
-          <p:cNvPicPr preferRelativeResize="0"/>
-          <p:nvPr/>
-        </p:nvPicPr>
-        <p:blipFill>
-          <a:blip r:embed="rId3">
-            <a:alphaModFix/>
-          </a:blip>
-          <a:stretch>
-            <a:fillRect/>
-          </a:stretch>
-        </p:blipFill>
-        <p:spPr>
-          <a:xfrm>
-            <a:off x="3410175" y="587775"/>
-            <a:ext cx="4879826" cy="4345500"/>
-          </a:xfrm>
-          <a:prstGeom prst="rect">
-            <a:avLst/>
-          </a:prstGeom>
-          <a:noFill/>
-          <a:ln>
-            <a:noFill/>
-          </a:ln>
-        </p:spPr>
-      </p:pic>
-    </p:spTree>
-  </p:cSld>
-  <p:clrMapOvr>
-    <a:masterClrMapping/>
-  </p:clrMapOvr>
-</p:sld>
-</file>
-
-<file path=ppt/slides/slide7.xml><?xml version="1.0" encoding="utf-8"?>
-<p:sld xmlns:a="http://schemas.openxmlformats.org/drawingml/2006/main" xmlns:r="http://schemas.openxmlformats.org/officeDocument/2006/relationships" xmlns:p="http://schemas.openxmlformats.org/presentationml/2006/main">
-  <p:cSld>
-    <p:spTree>
-      <p:nvGrpSpPr>
-        <p:cNvPr id="1" name="Shape 120"/>
-        <p:cNvGrpSpPr/>
-        <p:nvPr/>
-      </p:nvGrpSpPr>
-      <p:grpSpPr>
-        <a:xfrm>
-          <a:off x="0" y="0"/>
-          <a:ext cx="0" cy="0"/>
-          <a:chOff x="0" y="0"/>
-          <a:chExt cx="0" cy="0"/>
-        </a:xfrm>
-      </p:grpSpPr>
-      <p:sp>
-        <p:nvSpPr>
-          <p:cNvPr id="121" name="Google Shape;121;p20"/>
-          <p:cNvSpPr txBox="1">
-            <a:spLocks noGrp="1"/>
-          </p:cNvSpPr>
-          <p:nvPr>
-            <p:ph type="title"/>
-          </p:nvPr>
-        </p:nvSpPr>
-        <p:spPr>
-          <a:xfrm>
-            <a:off x="691200" y="152400"/>
-            <a:ext cx="7761600" cy="969000"/>
-          </a:xfrm>
-          <a:prstGeom prst="rect">
-            <a:avLst/>
-          </a:prstGeom>
-        </p:spPr>
-        <p:txBody>
-          <a:bodyPr spcFirstLastPara="1" wrap="square" lIns="91425" tIns="91425" rIns="91425" bIns="91425" anchor="b" anchorCtr="0">
-            <a:noAutofit/>
-          </a:bodyPr>
-          <a:lstStyle/>
-          <a:p>
-            <a:pPr marL="0" lvl="0" indent="0" algn="l" rtl="0">
-              <a:spcBef>
-                <a:spcPts val="0"/>
-              </a:spcBef>
-              <a:spcAft>
-                <a:spcPts val="0"/>
-              </a:spcAft>
-              <a:buNone/>
-            </a:pPr>
-            <a:r>
-              <a:rPr lang="en"/>
-              <a:t>Merge changes</a:t>
-            </a:r>
-            <a:endParaRPr/>
-          </a:p>
-        </p:txBody>
-      </p:sp>
-      <p:sp>
-        <p:nvSpPr>
-          <p:cNvPr id="122" name="Google Shape;122;p20"/>
-          <p:cNvSpPr txBox="1">
-            <a:spLocks noGrp="1"/>
-          </p:cNvSpPr>
-          <p:nvPr>
-            <p:ph type="body" idx="1"/>
-          </p:nvPr>
-        </p:nvSpPr>
-        <p:spPr>
-          <a:xfrm>
-            <a:off x="451200" y="1343750"/>
-            <a:ext cx="8692800" cy="2868900"/>
-          </a:xfrm>
-          <a:prstGeom prst="rect">
-            <a:avLst/>
-          </a:prstGeom>
-        </p:spPr>
-        <p:txBody>
-          <a:bodyPr spcFirstLastPara="1" wrap="square" lIns="91425" tIns="91425" rIns="91425" bIns="91425" anchor="t" anchorCtr="0">
-            <a:noAutofit/>
-          </a:bodyPr>
-          <a:lstStyle/>
-          <a:p>
-            <a:pPr marL="0" lvl="0" indent="0" algn="l" rtl="0">
-              <a:spcBef>
-                <a:spcPts val="1300"/>
-              </a:spcBef>
-              <a:spcAft>
-                <a:spcPts val="2500"/>
-              </a:spcAft>
-              <a:buNone/>
-            </a:pPr>
-            <a:endParaRPr/>
-          </a:p>
-        </p:txBody>
-      </p:sp>
-      <p:sp>
-        <p:nvSpPr>
-          <p:cNvPr id="123" name="Google Shape;123;p20"/>
-          <p:cNvSpPr txBox="1">
-            <a:spLocks noGrp="1"/>
-          </p:cNvSpPr>
-          <p:nvPr>
-            <p:ph type="sldNum" idx="12"/>
-          </p:nvPr>
-        </p:nvSpPr>
-        <p:spPr>
-          <a:xfrm>
-            <a:off x="8290000" y="4684858"/>
-            <a:ext cx="548700" cy="309000"/>
-          </a:xfrm>
-          <a:prstGeom prst="rect">
-            <a:avLst/>
-          </a:prstGeom>
-        </p:spPr>
-        <p:txBody>
-          <a:bodyPr spcFirstLastPara="1" wrap="square" lIns="91425" tIns="91425" rIns="91425" bIns="91425" anchor="t" anchorCtr="0">
-            <a:noAutofit/>
-          </a:bodyPr>
-          <a:lstStyle/>
-          <a:p>
-            <a:pPr marL="0" lvl="0" indent="0" algn="r" rtl="0">
-              <a:spcBef>
-                <a:spcPts val="0"/>
-              </a:spcBef>
-              <a:spcAft>
-                <a:spcPts val="0"/>
-              </a:spcAft>
-              <a:buNone/>
-            </a:pPr>
-            <a:fld id="{00000000-1234-1234-1234-123412341234}" type="slidenum">
-              <a:rPr lang="en"/>
-              <a:t>7</a:t>
-            </a:fld>
-            <a:endParaRPr/>
-          </a:p>
-        </p:txBody>
-      </p:sp>
-      <p:pic>
-        <p:nvPicPr>
-          <p:cNvPr id="124" name="Google Shape;124;p20"/>
-          <p:cNvPicPr preferRelativeResize="0"/>
-          <p:nvPr/>
-        </p:nvPicPr>
-        <p:blipFill>
-          <a:blip r:embed="rId3">
-            <a:alphaModFix/>
-          </a:blip>
-          <a:stretch>
-            <a:fillRect/>
-          </a:stretch>
-        </p:blipFill>
-        <p:spPr>
-          <a:xfrm>
-            <a:off x="3458975" y="408300"/>
-            <a:ext cx="5379725" cy="4585551"/>
-          </a:xfrm>
-          <a:prstGeom prst="rect">
-            <a:avLst/>
-          </a:prstGeom>
-          <a:noFill/>
-          <a:ln>
-            <a:noFill/>
-          </a:ln>
-        </p:spPr>
-      </p:pic>
-    </p:spTree>
-  </p:cSld>
-  <p:clrMapOvr>
-    <a:masterClrMapping/>
-  </p:clrMapOvr>
-</p:sld>
-</file>
-
-<file path=ppt/slides/slide8.xml><?xml version="1.0" encoding="utf-8"?>
+<file path=ppt/slides/slide3.xml><?xml version="1.0" encoding="utf-8"?>
 <p:sld xmlns:a="http://schemas.openxmlformats.org/drawingml/2006/main" xmlns:r="http://schemas.openxmlformats.org/officeDocument/2006/relationships" xmlns:p="http://schemas.openxmlformats.org/presentationml/2006/main">
   <p:cSld>
     <p:spTree>
@@ -14116,7 +13123,7 @@
             </a:pPr>
             <a:fld id="{00000000-1234-1234-1234-123412341234}" type="slidenum">
               <a:rPr lang="en"/>
-              <a:t>8</a:t>
+              <a:t>3</a:t>
             </a:fld>
             <a:endParaRPr/>
           </a:p>
@@ -14158,7 +13165,7 @@
 </p:sld>
 </file>
 
-<file path=ppt/slides/slide9.xml><?xml version="1.0" encoding="utf-8"?>
+<file path=ppt/slides/slide4.xml><?xml version="1.0" encoding="utf-8"?>
 <p:sld xmlns:a="http://schemas.openxmlformats.org/drawingml/2006/main" xmlns:r="http://schemas.openxmlformats.org/officeDocument/2006/relationships" xmlns:p="http://schemas.openxmlformats.org/presentationml/2006/main">
   <p:cSld>
     <p:spTree>
@@ -14726,7 +13733,7 @@
             </a:pPr>
             <a:fld id="{00000000-1234-1234-1234-123412341234}" type="slidenum">
               <a:rPr lang="en"/>
-              <a:t>9</a:t>
+              <a:t>4</a:t>
             </a:fld>
             <a:endParaRPr/>
           </a:p>
@@ -14778,6 +13785,1018 @@
           <a:xfrm>
             <a:off x="3634463" y="74937"/>
             <a:ext cx="1495775" cy="1495775"/>
+          </a:xfrm>
+          <a:prstGeom prst="rect">
+            <a:avLst/>
+          </a:prstGeom>
+          <a:noFill/>
+          <a:ln>
+            <a:noFill/>
+          </a:ln>
+        </p:spPr>
+      </p:pic>
+    </p:spTree>
+  </p:cSld>
+  <p:clrMapOvr>
+    <a:masterClrMapping/>
+  </p:clrMapOvr>
+</p:sld>
+</file>
+
+<file path=ppt/slides/slide5.xml><?xml version="1.0" encoding="utf-8"?>
+<p:sld xmlns:a="http://schemas.openxmlformats.org/drawingml/2006/main" xmlns:r="http://schemas.openxmlformats.org/officeDocument/2006/relationships" xmlns:p="http://schemas.openxmlformats.org/presentationml/2006/main">
+  <p:cSld>
+    <p:spTree>
+      <p:nvGrpSpPr>
+        <p:cNvPr id="1" name="Shape 82"/>
+        <p:cNvGrpSpPr/>
+        <p:nvPr/>
+      </p:nvGrpSpPr>
+      <p:grpSpPr>
+        <a:xfrm>
+          <a:off x="0" y="0"/>
+          <a:ext cx="0" cy="0"/>
+          <a:chOff x="0" y="0"/>
+          <a:chExt cx="0" cy="0"/>
+        </a:xfrm>
+      </p:grpSpPr>
+      <p:sp>
+        <p:nvSpPr>
+          <p:cNvPr id="83" name="Google Shape;83;p15"/>
+          <p:cNvSpPr txBox="1">
+            <a:spLocks noGrp="1"/>
+          </p:cNvSpPr>
+          <p:nvPr>
+            <p:ph type="title"/>
+          </p:nvPr>
+        </p:nvSpPr>
+        <p:spPr>
+          <a:xfrm>
+            <a:off x="620625" y="152400"/>
+            <a:ext cx="7761600" cy="969000"/>
+          </a:xfrm>
+          <a:prstGeom prst="rect">
+            <a:avLst/>
+          </a:prstGeom>
+        </p:spPr>
+        <p:txBody>
+          <a:bodyPr spcFirstLastPara="1" wrap="square" lIns="91425" tIns="91425" rIns="91425" bIns="91425" anchor="b" anchorCtr="0">
+            <a:noAutofit/>
+          </a:bodyPr>
+          <a:lstStyle/>
+          <a:p>
+            <a:pPr marL="0" lvl="0" indent="0" algn="l" rtl="0">
+              <a:spcBef>
+                <a:spcPts val="0"/>
+              </a:spcBef>
+              <a:spcAft>
+                <a:spcPts val="0"/>
+              </a:spcAft>
+              <a:buNone/>
+            </a:pPr>
+            <a:r>
+              <a:rPr lang="en"/>
+              <a:t>Use Cases</a:t>
+            </a:r>
+            <a:endParaRPr/>
+          </a:p>
+        </p:txBody>
+      </p:sp>
+      <p:sp>
+        <p:nvSpPr>
+          <p:cNvPr id="84" name="Google Shape;84;p15"/>
+          <p:cNvSpPr txBox="1">
+            <a:spLocks noGrp="1"/>
+          </p:cNvSpPr>
+          <p:nvPr>
+            <p:ph type="sldNum" idx="12"/>
+          </p:nvPr>
+        </p:nvSpPr>
+        <p:spPr>
+          <a:xfrm>
+            <a:off x="8290000" y="4684858"/>
+            <a:ext cx="548700" cy="309000"/>
+          </a:xfrm>
+          <a:prstGeom prst="rect">
+            <a:avLst/>
+          </a:prstGeom>
+        </p:spPr>
+        <p:txBody>
+          <a:bodyPr spcFirstLastPara="1" wrap="square" lIns="91425" tIns="91425" rIns="91425" bIns="91425" anchor="t" anchorCtr="0">
+            <a:noAutofit/>
+          </a:bodyPr>
+          <a:lstStyle/>
+          <a:p>
+            <a:pPr marL="0" lvl="0" indent="0" algn="r" rtl="0">
+              <a:spcBef>
+                <a:spcPts val="0"/>
+              </a:spcBef>
+              <a:spcAft>
+                <a:spcPts val="0"/>
+              </a:spcAft>
+              <a:buNone/>
+            </a:pPr>
+            <a:fld id="{00000000-1234-1234-1234-123412341234}" type="slidenum">
+              <a:rPr lang="en"/>
+              <a:t>5</a:t>
+            </a:fld>
+            <a:endParaRPr/>
+          </a:p>
+        </p:txBody>
+      </p:sp>
+      <p:pic>
+        <p:nvPicPr>
+          <p:cNvPr id="85" name="Google Shape;85;p15"/>
+          <p:cNvPicPr preferRelativeResize="0"/>
+          <p:nvPr/>
+        </p:nvPicPr>
+        <p:blipFill>
+          <a:blip r:embed="rId3">
+            <a:alphaModFix/>
+          </a:blip>
+          <a:stretch>
+            <a:fillRect/>
+          </a:stretch>
+        </p:blipFill>
+        <p:spPr>
+          <a:xfrm>
+            <a:off x="152400" y="1595038"/>
+            <a:ext cx="8839201" cy="2835965"/>
+          </a:xfrm>
+          <a:prstGeom prst="rect">
+            <a:avLst/>
+          </a:prstGeom>
+          <a:noFill/>
+          <a:ln>
+            <a:noFill/>
+          </a:ln>
+        </p:spPr>
+      </p:pic>
+    </p:spTree>
+  </p:cSld>
+  <p:clrMapOvr>
+    <a:masterClrMapping/>
+  </p:clrMapOvr>
+</p:sld>
+</file>
+
+<file path=ppt/slides/slide6.xml><?xml version="1.0" encoding="utf-8"?>
+<p:sld xmlns:a="http://schemas.openxmlformats.org/drawingml/2006/main" xmlns:r="http://schemas.openxmlformats.org/officeDocument/2006/relationships" xmlns:p="http://schemas.openxmlformats.org/presentationml/2006/main">
+  <p:cSld>
+    <p:spTree>
+      <p:nvGrpSpPr>
+        <p:cNvPr id="1" name="Shape 97"/>
+        <p:cNvGrpSpPr/>
+        <p:nvPr/>
+      </p:nvGrpSpPr>
+      <p:grpSpPr>
+        <a:xfrm>
+          <a:off x="0" y="0"/>
+          <a:ext cx="0" cy="0"/>
+          <a:chOff x="0" y="0"/>
+          <a:chExt cx="0" cy="0"/>
+        </a:xfrm>
+      </p:grpSpPr>
+      <p:sp>
+        <p:nvSpPr>
+          <p:cNvPr id="98" name="Google Shape;98;p17"/>
+          <p:cNvSpPr txBox="1">
+            <a:spLocks noGrp="1"/>
+          </p:cNvSpPr>
+          <p:nvPr>
+            <p:ph type="body" idx="1"/>
+          </p:nvPr>
+        </p:nvSpPr>
+        <p:spPr>
+          <a:xfrm>
+            <a:off x="451200" y="1343750"/>
+            <a:ext cx="8692800" cy="2868900"/>
+          </a:xfrm>
+          <a:prstGeom prst="rect">
+            <a:avLst/>
+          </a:prstGeom>
+        </p:spPr>
+        <p:txBody>
+          <a:bodyPr spcFirstLastPara="1" wrap="square" lIns="91425" tIns="91425" rIns="91425" bIns="91425" anchor="t" anchorCtr="0">
+            <a:noAutofit/>
+          </a:bodyPr>
+          <a:lstStyle/>
+          <a:p>
+            <a:pPr marL="457200" lvl="0" indent="-342900" algn="l" rtl="0">
+              <a:spcBef>
+                <a:spcPts val="1300"/>
+              </a:spcBef>
+              <a:spcAft>
+                <a:spcPts val="0"/>
+              </a:spcAft>
+              <a:buClr>
+                <a:schemeClr val="dk1"/>
+              </a:buClr>
+              <a:buSzPts val="1800"/>
+              <a:buFont typeface="Avenir"/>
+              <a:buChar char="●"/>
+            </a:pPr>
+            <a:r>
+              <a:rPr lang="en" sz="1800">
+                <a:solidFill>
+                  <a:schemeClr val="dk1"/>
+                </a:solidFill>
+                <a:latin typeface="Avenir"/>
+                <a:ea typeface="Avenir"/>
+                <a:cs typeface="Avenir"/>
+                <a:sym typeface="Avenir"/>
+              </a:rPr>
+              <a:t>Version control is a system that records changes to a file or set of files over time so that you can recall specific versions later.</a:t>
+            </a:r>
+            <a:endParaRPr sz="1800">
+              <a:solidFill>
+                <a:schemeClr val="dk1"/>
+              </a:solidFill>
+              <a:latin typeface="Avenir"/>
+              <a:ea typeface="Avenir"/>
+              <a:cs typeface="Avenir"/>
+              <a:sym typeface="Avenir"/>
+            </a:endParaRPr>
+          </a:p>
+          <a:p>
+            <a:pPr marL="457200" lvl="0" indent="-342900" algn="l" rtl="0">
+              <a:spcBef>
+                <a:spcPts val="0"/>
+              </a:spcBef>
+              <a:spcAft>
+                <a:spcPts val="0"/>
+              </a:spcAft>
+              <a:buClr>
+                <a:schemeClr val="dk1"/>
+              </a:buClr>
+              <a:buSzPts val="1800"/>
+              <a:buFont typeface="Avenir"/>
+              <a:buChar char="●"/>
+            </a:pPr>
+            <a:r>
+              <a:rPr lang="en" sz="1800">
+                <a:solidFill>
+                  <a:schemeClr val="dk1"/>
+                </a:solidFill>
+                <a:latin typeface="Avenir"/>
+                <a:ea typeface="Avenir"/>
+                <a:cs typeface="Avenir"/>
+                <a:sym typeface="Avenir"/>
+              </a:rPr>
+              <a:t>Track modifications, and collaborate on projects without overwriting other’s work.</a:t>
+            </a:r>
+            <a:endParaRPr sz="1800">
+              <a:solidFill>
+                <a:schemeClr val="dk1"/>
+              </a:solidFill>
+              <a:latin typeface="Avenir"/>
+              <a:ea typeface="Avenir"/>
+              <a:cs typeface="Avenir"/>
+              <a:sym typeface="Avenir"/>
+            </a:endParaRPr>
+          </a:p>
+          <a:p>
+            <a:pPr marL="457200" lvl="0" indent="-342900" algn="l" rtl="0">
+              <a:spcBef>
+                <a:spcPts val="0"/>
+              </a:spcBef>
+              <a:spcAft>
+                <a:spcPts val="0"/>
+              </a:spcAft>
+              <a:buClr>
+                <a:schemeClr val="dk1"/>
+              </a:buClr>
+              <a:buSzPts val="1800"/>
+              <a:buFont typeface="Avenir"/>
+              <a:buChar char="●"/>
+            </a:pPr>
+            <a:r>
+              <a:rPr lang="en" sz="1800">
+                <a:solidFill>
+                  <a:schemeClr val="dk1"/>
+                </a:solidFill>
+                <a:latin typeface="Avenir"/>
+                <a:ea typeface="Avenir"/>
+                <a:cs typeface="Avenir"/>
+                <a:sym typeface="Avenir"/>
+              </a:rPr>
+              <a:t>Benefits: </a:t>
+            </a:r>
+            <a:endParaRPr sz="1800">
+              <a:solidFill>
+                <a:schemeClr val="dk1"/>
+              </a:solidFill>
+              <a:latin typeface="Avenir"/>
+              <a:ea typeface="Avenir"/>
+              <a:cs typeface="Avenir"/>
+              <a:sym typeface="Avenir"/>
+            </a:endParaRPr>
+          </a:p>
+          <a:p>
+            <a:pPr marL="914400" lvl="1" indent="-342900" algn="l" rtl="0">
+              <a:spcBef>
+                <a:spcPts val="0"/>
+              </a:spcBef>
+              <a:spcAft>
+                <a:spcPts val="0"/>
+              </a:spcAft>
+              <a:buClr>
+                <a:schemeClr val="dk1"/>
+              </a:buClr>
+              <a:buSzPts val="1800"/>
+              <a:buFont typeface="Avenir"/>
+              <a:buChar char="○"/>
+            </a:pPr>
+            <a:r>
+              <a:rPr lang="en"/>
+              <a:t>Backup and Restore</a:t>
+            </a:r>
+            <a:endParaRPr/>
+          </a:p>
+          <a:p>
+            <a:pPr marL="914400" lvl="1" indent="-342900" algn="l" rtl="0">
+              <a:spcBef>
+                <a:spcPts val="0"/>
+              </a:spcBef>
+              <a:spcAft>
+                <a:spcPts val="0"/>
+              </a:spcAft>
+              <a:buClr>
+                <a:schemeClr val="dk1"/>
+              </a:buClr>
+              <a:buSzPts val="1800"/>
+              <a:buFont typeface="Avenir"/>
+              <a:buChar char="○"/>
+            </a:pPr>
+            <a:r>
+              <a:rPr lang="en"/>
+              <a:t>Synchronization</a:t>
+            </a:r>
+            <a:endParaRPr/>
+          </a:p>
+          <a:p>
+            <a:pPr marL="914400" lvl="1" indent="-342900" algn="l" rtl="0">
+              <a:spcBef>
+                <a:spcPts val="0"/>
+              </a:spcBef>
+              <a:spcAft>
+                <a:spcPts val="0"/>
+              </a:spcAft>
+              <a:buClr>
+                <a:schemeClr val="dk1"/>
+              </a:buClr>
+              <a:buSzPts val="1800"/>
+              <a:buFont typeface="Avenir"/>
+              <a:buChar char="○"/>
+            </a:pPr>
+            <a:r>
+              <a:rPr lang="en"/>
+              <a:t>Short/Long Term Undo</a:t>
+            </a:r>
+            <a:endParaRPr/>
+          </a:p>
+          <a:p>
+            <a:pPr marL="914400" lvl="1" indent="-342900" algn="l" rtl="0">
+              <a:spcBef>
+                <a:spcPts val="0"/>
+              </a:spcBef>
+              <a:spcAft>
+                <a:spcPts val="0"/>
+              </a:spcAft>
+              <a:buClr>
+                <a:schemeClr val="dk1"/>
+              </a:buClr>
+              <a:buSzPts val="1800"/>
+              <a:buFont typeface="Avenir"/>
+              <a:buChar char="○"/>
+            </a:pPr>
+            <a:r>
+              <a:rPr lang="en"/>
+              <a:t>Branching and Merging</a:t>
+            </a:r>
+            <a:endParaRPr/>
+          </a:p>
+          <a:p>
+            <a:pPr marL="0" lvl="0" indent="0" algn="l" rtl="0">
+              <a:spcBef>
+                <a:spcPts val="1300"/>
+              </a:spcBef>
+              <a:spcAft>
+                <a:spcPts val="2500"/>
+              </a:spcAft>
+              <a:buNone/>
+            </a:pPr>
+            <a:endParaRPr sz="1800">
+              <a:solidFill>
+                <a:schemeClr val="dk1"/>
+              </a:solidFill>
+              <a:latin typeface="Avenir"/>
+              <a:ea typeface="Avenir"/>
+              <a:cs typeface="Avenir"/>
+              <a:sym typeface="Avenir"/>
+            </a:endParaRPr>
+          </a:p>
+        </p:txBody>
+      </p:sp>
+      <p:sp>
+        <p:nvSpPr>
+          <p:cNvPr id="99" name="Google Shape;99;p17"/>
+          <p:cNvSpPr txBox="1">
+            <a:spLocks noGrp="1"/>
+          </p:cNvSpPr>
+          <p:nvPr>
+            <p:ph type="title"/>
+          </p:nvPr>
+        </p:nvSpPr>
+        <p:spPr>
+          <a:xfrm>
+            <a:off x="691200" y="152400"/>
+            <a:ext cx="7761600" cy="969000"/>
+          </a:xfrm>
+          <a:prstGeom prst="rect">
+            <a:avLst/>
+          </a:prstGeom>
+        </p:spPr>
+        <p:txBody>
+          <a:bodyPr spcFirstLastPara="1" wrap="square" lIns="91425" tIns="91425" rIns="91425" bIns="91425" anchor="b" anchorCtr="0">
+            <a:noAutofit/>
+          </a:bodyPr>
+          <a:lstStyle/>
+          <a:p>
+            <a:pPr marL="0" lvl="0" indent="0" algn="l" rtl="0">
+              <a:spcBef>
+                <a:spcPts val="0"/>
+              </a:spcBef>
+              <a:spcAft>
+                <a:spcPts val="0"/>
+              </a:spcAft>
+              <a:buNone/>
+            </a:pPr>
+            <a:r>
+              <a:rPr lang="en"/>
+              <a:t>Version Control</a:t>
+            </a:r>
+            <a:endParaRPr/>
+          </a:p>
+        </p:txBody>
+      </p:sp>
+      <p:sp>
+        <p:nvSpPr>
+          <p:cNvPr id="100" name="Google Shape;100;p17"/>
+          <p:cNvSpPr txBox="1">
+            <a:spLocks noGrp="1"/>
+          </p:cNvSpPr>
+          <p:nvPr>
+            <p:ph type="sldNum" idx="12"/>
+          </p:nvPr>
+        </p:nvSpPr>
+        <p:spPr>
+          <a:xfrm>
+            <a:off x="8290000" y="4684858"/>
+            <a:ext cx="548700" cy="309000"/>
+          </a:xfrm>
+          <a:prstGeom prst="rect">
+            <a:avLst/>
+          </a:prstGeom>
+        </p:spPr>
+        <p:txBody>
+          <a:bodyPr spcFirstLastPara="1" wrap="square" lIns="91425" tIns="91425" rIns="91425" bIns="91425" anchor="t" anchorCtr="0">
+            <a:noAutofit/>
+          </a:bodyPr>
+          <a:lstStyle/>
+          <a:p>
+            <a:pPr marL="0" lvl="0" indent="0" algn="r" rtl="0">
+              <a:spcBef>
+                <a:spcPts val="0"/>
+              </a:spcBef>
+              <a:spcAft>
+                <a:spcPts val="0"/>
+              </a:spcAft>
+              <a:buNone/>
+            </a:pPr>
+            <a:fld id="{00000000-1234-1234-1234-123412341234}" type="slidenum">
+              <a:rPr lang="en"/>
+              <a:t>6</a:t>
+            </a:fld>
+            <a:endParaRPr/>
+          </a:p>
+        </p:txBody>
+      </p:sp>
+    </p:spTree>
+  </p:cSld>
+  <p:clrMapOvr>
+    <a:masterClrMapping/>
+  </p:clrMapOvr>
+</p:sld>
+</file>
+
+<file path=ppt/slides/slide7.xml><?xml version="1.0" encoding="utf-8"?>
+<p:sld xmlns:a="http://schemas.openxmlformats.org/drawingml/2006/main" xmlns:r="http://schemas.openxmlformats.org/officeDocument/2006/relationships" xmlns:p="http://schemas.openxmlformats.org/presentationml/2006/main">
+  <p:cSld>
+    <p:spTree>
+      <p:nvGrpSpPr>
+        <p:cNvPr id="1" name="Shape 104"/>
+        <p:cNvGrpSpPr/>
+        <p:nvPr/>
+      </p:nvGrpSpPr>
+      <p:grpSpPr>
+        <a:xfrm>
+          <a:off x="0" y="0"/>
+          <a:ext cx="0" cy="0"/>
+          <a:chOff x="0" y="0"/>
+          <a:chExt cx="0" cy="0"/>
+        </a:xfrm>
+      </p:grpSpPr>
+      <p:sp>
+        <p:nvSpPr>
+          <p:cNvPr id="105" name="Google Shape;105;p18"/>
+          <p:cNvSpPr txBox="1">
+            <a:spLocks noGrp="1"/>
+          </p:cNvSpPr>
+          <p:nvPr>
+            <p:ph type="title"/>
+          </p:nvPr>
+        </p:nvSpPr>
+        <p:spPr>
+          <a:xfrm>
+            <a:off x="691200" y="152400"/>
+            <a:ext cx="7761600" cy="969000"/>
+          </a:xfrm>
+          <a:prstGeom prst="rect">
+            <a:avLst/>
+          </a:prstGeom>
+        </p:spPr>
+        <p:txBody>
+          <a:bodyPr spcFirstLastPara="1" wrap="square" lIns="91425" tIns="91425" rIns="91425" bIns="91425" anchor="b" anchorCtr="0">
+            <a:noAutofit/>
+          </a:bodyPr>
+          <a:lstStyle/>
+          <a:p>
+            <a:pPr marL="0" lvl="0" indent="0" algn="l" rtl="0">
+              <a:spcBef>
+                <a:spcPts val="0"/>
+              </a:spcBef>
+              <a:spcAft>
+                <a:spcPts val="0"/>
+              </a:spcAft>
+              <a:buNone/>
+            </a:pPr>
+            <a:r>
+              <a:rPr lang="en"/>
+              <a:t>Record Changes</a:t>
+            </a:r>
+            <a:endParaRPr/>
+          </a:p>
+        </p:txBody>
+      </p:sp>
+      <p:sp>
+        <p:nvSpPr>
+          <p:cNvPr id="106" name="Google Shape;106;p18"/>
+          <p:cNvSpPr txBox="1">
+            <a:spLocks noGrp="1"/>
+          </p:cNvSpPr>
+          <p:nvPr>
+            <p:ph type="body" idx="1"/>
+          </p:nvPr>
+        </p:nvSpPr>
+        <p:spPr>
+          <a:xfrm>
+            <a:off x="451200" y="1343750"/>
+            <a:ext cx="8692800" cy="2868900"/>
+          </a:xfrm>
+          <a:prstGeom prst="rect">
+            <a:avLst/>
+          </a:prstGeom>
+        </p:spPr>
+        <p:txBody>
+          <a:bodyPr spcFirstLastPara="1" wrap="square" lIns="91425" tIns="91425" rIns="91425" bIns="91425" anchor="t" anchorCtr="0">
+            <a:noAutofit/>
+          </a:bodyPr>
+          <a:lstStyle/>
+          <a:p>
+            <a:pPr marL="0" lvl="0" indent="0" algn="l" rtl="0">
+              <a:spcBef>
+                <a:spcPts val="1300"/>
+              </a:spcBef>
+              <a:spcAft>
+                <a:spcPts val="2500"/>
+              </a:spcAft>
+              <a:buNone/>
+            </a:pPr>
+            <a:endParaRPr/>
+          </a:p>
+        </p:txBody>
+      </p:sp>
+      <p:sp>
+        <p:nvSpPr>
+          <p:cNvPr id="107" name="Google Shape;107;p18"/>
+          <p:cNvSpPr txBox="1">
+            <a:spLocks noGrp="1"/>
+          </p:cNvSpPr>
+          <p:nvPr>
+            <p:ph type="sldNum" idx="12"/>
+          </p:nvPr>
+        </p:nvSpPr>
+        <p:spPr>
+          <a:xfrm>
+            <a:off x="8290000" y="4684858"/>
+            <a:ext cx="548700" cy="309000"/>
+          </a:xfrm>
+          <a:prstGeom prst="rect">
+            <a:avLst/>
+          </a:prstGeom>
+        </p:spPr>
+        <p:txBody>
+          <a:bodyPr spcFirstLastPara="1" wrap="square" lIns="91425" tIns="91425" rIns="91425" bIns="91425" anchor="t" anchorCtr="0">
+            <a:noAutofit/>
+          </a:bodyPr>
+          <a:lstStyle/>
+          <a:p>
+            <a:pPr marL="0" lvl="0" indent="0" algn="r" rtl="0">
+              <a:spcBef>
+                <a:spcPts val="0"/>
+              </a:spcBef>
+              <a:spcAft>
+                <a:spcPts val="0"/>
+              </a:spcAft>
+              <a:buNone/>
+            </a:pPr>
+            <a:fld id="{00000000-1234-1234-1234-123412341234}" type="slidenum">
+              <a:rPr lang="en"/>
+              <a:t>7</a:t>
+            </a:fld>
+            <a:endParaRPr/>
+          </a:p>
+        </p:txBody>
+      </p:sp>
+      <p:pic>
+        <p:nvPicPr>
+          <p:cNvPr id="108" name="Google Shape;108;p18"/>
+          <p:cNvPicPr preferRelativeResize="0"/>
+          <p:nvPr/>
+        </p:nvPicPr>
+        <p:blipFill>
+          <a:blip r:embed="rId3">
+            <a:alphaModFix/>
+          </a:blip>
+          <a:stretch>
+            <a:fillRect/>
+          </a:stretch>
+        </p:blipFill>
+        <p:spPr>
+          <a:xfrm>
+            <a:off x="1206675" y="1644725"/>
+            <a:ext cx="7181850" cy="2266950"/>
+          </a:xfrm>
+          <a:prstGeom prst="rect">
+            <a:avLst/>
+          </a:prstGeom>
+          <a:noFill/>
+          <a:ln>
+            <a:noFill/>
+          </a:ln>
+        </p:spPr>
+      </p:pic>
+    </p:spTree>
+  </p:cSld>
+  <p:clrMapOvr>
+    <a:masterClrMapping/>
+  </p:clrMapOvr>
+</p:sld>
+</file>
+
+<file path=ppt/slides/slide8.xml><?xml version="1.0" encoding="utf-8"?>
+<p:sld xmlns:a="http://schemas.openxmlformats.org/drawingml/2006/main" xmlns:r="http://schemas.openxmlformats.org/officeDocument/2006/relationships" xmlns:p="http://schemas.openxmlformats.org/presentationml/2006/main">
+  <p:cSld>
+    <p:spTree>
+      <p:nvGrpSpPr>
+        <p:cNvPr id="1" name="Shape 112"/>
+        <p:cNvGrpSpPr/>
+        <p:nvPr/>
+      </p:nvGrpSpPr>
+      <p:grpSpPr>
+        <a:xfrm>
+          <a:off x="0" y="0"/>
+          <a:ext cx="0" cy="0"/>
+          <a:chOff x="0" y="0"/>
+          <a:chExt cx="0" cy="0"/>
+        </a:xfrm>
+      </p:grpSpPr>
+      <p:sp>
+        <p:nvSpPr>
+          <p:cNvPr id="113" name="Google Shape;113;p19"/>
+          <p:cNvSpPr txBox="1">
+            <a:spLocks noGrp="1"/>
+          </p:cNvSpPr>
+          <p:nvPr>
+            <p:ph type="title"/>
+          </p:nvPr>
+        </p:nvSpPr>
+        <p:spPr>
+          <a:xfrm>
+            <a:off x="691200" y="152400"/>
+            <a:ext cx="7761600" cy="969000"/>
+          </a:xfrm>
+          <a:prstGeom prst="rect">
+            <a:avLst/>
+          </a:prstGeom>
+        </p:spPr>
+        <p:txBody>
+          <a:bodyPr spcFirstLastPara="1" wrap="square" lIns="91425" tIns="91425" rIns="91425" bIns="91425" anchor="b" anchorCtr="0">
+            <a:noAutofit/>
+          </a:bodyPr>
+          <a:lstStyle/>
+          <a:p>
+            <a:pPr marL="0" lvl="0" indent="0" algn="l" rtl="0">
+              <a:spcBef>
+                <a:spcPts val="0"/>
+              </a:spcBef>
+              <a:spcAft>
+                <a:spcPts val="0"/>
+              </a:spcAft>
+              <a:buNone/>
+            </a:pPr>
+            <a:r>
+              <a:rPr lang="en"/>
+              <a:t>Versions</a:t>
+            </a:r>
+            <a:endParaRPr/>
+          </a:p>
+        </p:txBody>
+      </p:sp>
+      <p:sp>
+        <p:nvSpPr>
+          <p:cNvPr id="114" name="Google Shape;114;p19"/>
+          <p:cNvSpPr txBox="1">
+            <a:spLocks noGrp="1"/>
+          </p:cNvSpPr>
+          <p:nvPr>
+            <p:ph type="body" idx="1"/>
+          </p:nvPr>
+        </p:nvSpPr>
+        <p:spPr>
+          <a:xfrm>
+            <a:off x="451200" y="1343750"/>
+            <a:ext cx="8692800" cy="2868900"/>
+          </a:xfrm>
+          <a:prstGeom prst="rect">
+            <a:avLst/>
+          </a:prstGeom>
+        </p:spPr>
+        <p:txBody>
+          <a:bodyPr spcFirstLastPara="1" wrap="square" lIns="91425" tIns="91425" rIns="91425" bIns="91425" anchor="t" anchorCtr="0">
+            <a:noAutofit/>
+          </a:bodyPr>
+          <a:lstStyle/>
+          <a:p>
+            <a:pPr marL="0" lvl="0" indent="0" algn="l" rtl="0">
+              <a:spcBef>
+                <a:spcPts val="1300"/>
+              </a:spcBef>
+              <a:spcAft>
+                <a:spcPts val="2500"/>
+              </a:spcAft>
+              <a:buNone/>
+            </a:pPr>
+            <a:endParaRPr/>
+          </a:p>
+        </p:txBody>
+      </p:sp>
+      <p:sp>
+        <p:nvSpPr>
+          <p:cNvPr id="115" name="Google Shape;115;p19"/>
+          <p:cNvSpPr txBox="1">
+            <a:spLocks noGrp="1"/>
+          </p:cNvSpPr>
+          <p:nvPr>
+            <p:ph type="sldNum" idx="12"/>
+          </p:nvPr>
+        </p:nvSpPr>
+        <p:spPr>
+          <a:xfrm>
+            <a:off x="8290000" y="4684858"/>
+            <a:ext cx="548700" cy="309000"/>
+          </a:xfrm>
+          <a:prstGeom prst="rect">
+            <a:avLst/>
+          </a:prstGeom>
+        </p:spPr>
+        <p:txBody>
+          <a:bodyPr spcFirstLastPara="1" wrap="square" lIns="91425" tIns="91425" rIns="91425" bIns="91425" anchor="t" anchorCtr="0">
+            <a:noAutofit/>
+          </a:bodyPr>
+          <a:lstStyle/>
+          <a:p>
+            <a:pPr marL="0" lvl="0" indent="0" algn="r" rtl="0">
+              <a:spcBef>
+                <a:spcPts val="0"/>
+              </a:spcBef>
+              <a:spcAft>
+                <a:spcPts val="0"/>
+              </a:spcAft>
+              <a:buNone/>
+            </a:pPr>
+            <a:fld id="{00000000-1234-1234-1234-123412341234}" type="slidenum">
+              <a:rPr lang="en"/>
+              <a:t>8</a:t>
+            </a:fld>
+            <a:endParaRPr/>
+          </a:p>
+        </p:txBody>
+      </p:sp>
+      <p:pic>
+        <p:nvPicPr>
+          <p:cNvPr id="116" name="Google Shape;116;p19"/>
+          <p:cNvPicPr preferRelativeResize="0"/>
+          <p:nvPr/>
+        </p:nvPicPr>
+        <p:blipFill>
+          <a:blip r:embed="rId3">
+            <a:alphaModFix/>
+          </a:blip>
+          <a:stretch>
+            <a:fillRect/>
+          </a:stretch>
+        </p:blipFill>
+        <p:spPr>
+          <a:xfrm>
+            <a:off x="3410175" y="587775"/>
+            <a:ext cx="4879826" cy="4345500"/>
+          </a:xfrm>
+          <a:prstGeom prst="rect">
+            <a:avLst/>
+          </a:prstGeom>
+          <a:noFill/>
+          <a:ln>
+            <a:noFill/>
+          </a:ln>
+        </p:spPr>
+      </p:pic>
+    </p:spTree>
+  </p:cSld>
+  <p:clrMapOvr>
+    <a:masterClrMapping/>
+  </p:clrMapOvr>
+</p:sld>
+</file>
+
+<file path=ppt/slides/slide9.xml><?xml version="1.0" encoding="utf-8"?>
+<p:sld xmlns:a="http://schemas.openxmlformats.org/drawingml/2006/main" xmlns:r="http://schemas.openxmlformats.org/officeDocument/2006/relationships" xmlns:p="http://schemas.openxmlformats.org/presentationml/2006/main">
+  <p:cSld>
+    <p:spTree>
+      <p:nvGrpSpPr>
+        <p:cNvPr id="1" name="Shape 120"/>
+        <p:cNvGrpSpPr/>
+        <p:nvPr/>
+      </p:nvGrpSpPr>
+      <p:grpSpPr>
+        <a:xfrm>
+          <a:off x="0" y="0"/>
+          <a:ext cx="0" cy="0"/>
+          <a:chOff x="0" y="0"/>
+          <a:chExt cx="0" cy="0"/>
+        </a:xfrm>
+      </p:grpSpPr>
+      <p:sp>
+        <p:nvSpPr>
+          <p:cNvPr id="121" name="Google Shape;121;p20"/>
+          <p:cNvSpPr txBox="1">
+            <a:spLocks noGrp="1"/>
+          </p:cNvSpPr>
+          <p:nvPr>
+            <p:ph type="title"/>
+          </p:nvPr>
+        </p:nvSpPr>
+        <p:spPr>
+          <a:xfrm>
+            <a:off x="691200" y="152400"/>
+            <a:ext cx="7761600" cy="969000"/>
+          </a:xfrm>
+          <a:prstGeom prst="rect">
+            <a:avLst/>
+          </a:prstGeom>
+        </p:spPr>
+        <p:txBody>
+          <a:bodyPr spcFirstLastPara="1" wrap="square" lIns="91425" tIns="91425" rIns="91425" bIns="91425" anchor="b" anchorCtr="0">
+            <a:noAutofit/>
+          </a:bodyPr>
+          <a:lstStyle/>
+          <a:p>
+            <a:pPr marL="0" lvl="0" indent="0" algn="l" rtl="0">
+              <a:spcBef>
+                <a:spcPts val="0"/>
+              </a:spcBef>
+              <a:spcAft>
+                <a:spcPts val="0"/>
+              </a:spcAft>
+              <a:buNone/>
+            </a:pPr>
+            <a:r>
+              <a:rPr lang="en"/>
+              <a:t>Merge changes</a:t>
+            </a:r>
+            <a:endParaRPr/>
+          </a:p>
+        </p:txBody>
+      </p:sp>
+      <p:sp>
+        <p:nvSpPr>
+          <p:cNvPr id="122" name="Google Shape;122;p20"/>
+          <p:cNvSpPr txBox="1">
+            <a:spLocks noGrp="1"/>
+          </p:cNvSpPr>
+          <p:nvPr>
+            <p:ph type="body" idx="1"/>
+          </p:nvPr>
+        </p:nvSpPr>
+        <p:spPr>
+          <a:xfrm>
+            <a:off x="451200" y="1343750"/>
+            <a:ext cx="8692800" cy="2868900"/>
+          </a:xfrm>
+          <a:prstGeom prst="rect">
+            <a:avLst/>
+          </a:prstGeom>
+        </p:spPr>
+        <p:txBody>
+          <a:bodyPr spcFirstLastPara="1" wrap="square" lIns="91425" tIns="91425" rIns="91425" bIns="91425" anchor="t" anchorCtr="0">
+            <a:noAutofit/>
+          </a:bodyPr>
+          <a:lstStyle/>
+          <a:p>
+            <a:pPr marL="0" lvl="0" indent="0" algn="l" rtl="0">
+              <a:spcBef>
+                <a:spcPts val="1300"/>
+              </a:spcBef>
+              <a:spcAft>
+                <a:spcPts val="2500"/>
+              </a:spcAft>
+              <a:buNone/>
+            </a:pPr>
+            <a:endParaRPr/>
+          </a:p>
+        </p:txBody>
+      </p:sp>
+      <p:sp>
+        <p:nvSpPr>
+          <p:cNvPr id="123" name="Google Shape;123;p20"/>
+          <p:cNvSpPr txBox="1">
+            <a:spLocks noGrp="1"/>
+          </p:cNvSpPr>
+          <p:nvPr>
+            <p:ph type="sldNum" idx="12"/>
+          </p:nvPr>
+        </p:nvSpPr>
+        <p:spPr>
+          <a:xfrm>
+            <a:off x="8290000" y="4684858"/>
+            <a:ext cx="548700" cy="309000"/>
+          </a:xfrm>
+          <a:prstGeom prst="rect">
+            <a:avLst/>
+          </a:prstGeom>
+        </p:spPr>
+        <p:txBody>
+          <a:bodyPr spcFirstLastPara="1" wrap="square" lIns="91425" tIns="91425" rIns="91425" bIns="91425" anchor="t" anchorCtr="0">
+            <a:noAutofit/>
+          </a:bodyPr>
+          <a:lstStyle/>
+          <a:p>
+            <a:pPr marL="0" lvl="0" indent="0" algn="r" rtl="0">
+              <a:spcBef>
+                <a:spcPts val="0"/>
+              </a:spcBef>
+              <a:spcAft>
+                <a:spcPts val="0"/>
+              </a:spcAft>
+              <a:buNone/>
+            </a:pPr>
+            <a:fld id="{00000000-1234-1234-1234-123412341234}" type="slidenum">
+              <a:rPr lang="en"/>
+              <a:t>9</a:t>
+            </a:fld>
+            <a:endParaRPr/>
+          </a:p>
+        </p:txBody>
+      </p:sp>
+      <p:pic>
+        <p:nvPicPr>
+          <p:cNvPr id="124" name="Google Shape;124;p20"/>
+          <p:cNvPicPr preferRelativeResize="0"/>
+          <p:nvPr/>
+        </p:nvPicPr>
+        <p:blipFill>
+          <a:blip r:embed="rId3">
+            <a:alphaModFix/>
+          </a:blip>
+          <a:stretch>
+            <a:fillRect/>
+          </a:stretch>
+        </p:blipFill>
+        <p:spPr>
+          <a:xfrm>
+            <a:off x="3458975" y="408300"/>
+            <a:ext cx="5379725" cy="4585551"/>
           </a:xfrm>
           <a:prstGeom prst="rect">
             <a:avLst/>

--- a/Git & Github_ An Introduction to Version Control.pptx
+++ b/Git & Github_ An Introduction to Version Control.pptx
@@ -1042,7 +1042,7 @@
               </a:spcAft>
               <a:buNone/>
             </a:pPr>
-            <a:endParaRPr/>
+            <a:endParaRPr dirty="0"/>
           </a:p>
         </p:txBody>
       </p:sp>
@@ -1425,13 +1425,8 @@
             </a:pPr>
             <a:r>
               <a:rPr lang="en-US" dirty="0"/>
-              <a:t>This </a:t>
+              <a:t>This graphic represents</a:t>
             </a:r>
-            <a:r>
-              <a:rPr lang="en-US"/>
-              <a:t>graphic represents</a:t>
-            </a:r>
-            <a:endParaRPr lang="en-US" dirty="0"/>
           </a:p>
         </p:txBody>
       </p:sp>
@@ -1535,7 +1530,7 @@
               </a:spcAft>
               <a:buNone/>
             </a:pPr>
-            <a:endParaRPr/>
+            <a:endParaRPr dirty="0"/>
           </a:p>
         </p:txBody>
       </p:sp>
@@ -1639,7 +1634,7 @@
               </a:spcAft>
               <a:buNone/>
             </a:pPr>
-            <a:endParaRPr/>
+            <a:endParaRPr dirty="0"/>
           </a:p>
         </p:txBody>
       </p:sp>
@@ -1743,7 +1738,7 @@
               </a:spcAft>
               <a:buNone/>
             </a:pPr>
-            <a:endParaRPr/>
+            <a:endParaRPr dirty="0"/>
           </a:p>
         </p:txBody>
       </p:sp>
@@ -1848,65 +1843,140 @@
               <a:buNone/>
             </a:pPr>
             <a:r>
-              <a:rPr lang="en" sz="1200">
-                <a:solidFill>
-                  <a:schemeClr val="dk1"/>
-                </a:solidFill>
+              <a:rPr lang="en-US" sz="2000" b="0" i="0" dirty="0">
+                <a:solidFill>
+                  <a:srgbClr val="DEE2E6"/>
+                </a:solidFill>
+                <a:effectLst/>
+                <a:highlight>
+                  <a:srgbClr val="212529"/>
+                </a:highlight>
+                <a:latin typeface="+mj-lt"/>
               </a:rPr>
-              <a:t>We’ve all been in this situation before: it seems unnecessary to have multiple nearly-identical versions of the same document. Some word processors let us deal with this a little better, such as Microsoft Word’s Track Changes, Google Docs’ version history, or LibreOffice’s Recording and Displaying Changes</a:t>
+              <a:t>We’ve all been in this situation before: it seems unnecessary to have multiple nearly-identical versions of the same document. Some word processors let us deal with this a little better, such as Microsoft Word’s </a:t>
             </a:r>
-            <a:endParaRPr sz="1200">
+            <a:r>
+              <a:rPr lang="en-US" sz="2000" b="0" i="0" u="none" strike="noStrike" dirty="0">
+                <a:effectLst/>
+                <a:highlight>
+                  <a:srgbClr val="212529"/>
+                </a:highlight>
+                <a:latin typeface="+mj-lt"/>
+                <a:hlinkClick r:id="rId3"/>
+              </a:rPr>
+              <a:t>Track Changes</a:t>
+            </a:r>
+            <a:r>
+              <a:rPr lang="en-US" sz="2000" b="0" i="0" dirty="0">
+                <a:solidFill>
+                  <a:srgbClr val="DEE2E6"/>
+                </a:solidFill>
+                <a:effectLst/>
+                <a:highlight>
+                  <a:srgbClr val="212529"/>
+                </a:highlight>
+                <a:latin typeface="+mj-lt"/>
+              </a:rPr>
+              <a:t>, Google Docs’ </a:t>
+            </a:r>
+            <a:r>
+              <a:rPr lang="en-US" sz="2000" b="0" i="0" u="none" strike="noStrike" dirty="0">
+                <a:effectLst/>
+                <a:highlight>
+                  <a:srgbClr val="212529"/>
+                </a:highlight>
+                <a:latin typeface="+mj-lt"/>
+                <a:hlinkClick r:id="rId4"/>
+              </a:rPr>
+              <a:t>version history</a:t>
+            </a:r>
+            <a:r>
+              <a:rPr lang="en-US" sz="2000" b="0" i="0" dirty="0">
+                <a:solidFill>
+                  <a:srgbClr val="DEE2E6"/>
+                </a:solidFill>
+                <a:effectLst/>
+                <a:highlight>
+                  <a:srgbClr val="212529"/>
+                </a:highlight>
+                <a:latin typeface="+mj-lt"/>
+              </a:rPr>
+              <a:t>, or LibreOffice’s </a:t>
+            </a:r>
+            <a:r>
+              <a:rPr lang="en-US" sz="2000" b="0" i="0" u="none" strike="noStrike" dirty="0">
+                <a:effectLst/>
+                <a:highlight>
+                  <a:srgbClr val="212529"/>
+                </a:highlight>
+                <a:latin typeface="+mj-lt"/>
+                <a:hlinkClick r:id="rId5"/>
+              </a:rPr>
+              <a:t>Recording and Displaying Changes</a:t>
+            </a:r>
+            <a:r>
+              <a:rPr lang="en-US" sz="2000" b="0" i="0" dirty="0">
+                <a:solidFill>
+                  <a:srgbClr val="DEE2E6"/>
+                </a:solidFill>
+                <a:effectLst/>
+                <a:highlight>
+                  <a:srgbClr val="212529"/>
+                </a:highlight>
+                <a:latin typeface="+mj-lt"/>
+              </a:rPr>
+              <a:t>.</a:t>
+            </a:r>
+          </a:p>
+          <a:p>
+            <a:pPr marL="0" lvl="0" indent="0" algn="l" rtl="0">
+              <a:spcBef>
+                <a:spcPts val="0"/>
+              </a:spcBef>
+              <a:spcAft>
+                <a:spcPts val="0"/>
+              </a:spcAft>
+              <a:buNone/>
+            </a:pPr>
+            <a:endParaRPr lang="en-US" sz="2000" b="0" i="0" dirty="0">
+              <a:solidFill>
+                <a:srgbClr val="DEE2E6"/>
+              </a:solidFill>
+              <a:effectLst/>
+              <a:highlight>
+                <a:srgbClr val="212529"/>
+              </a:highlight>
+              <a:latin typeface="+mj-lt"/>
+            </a:endParaRPr>
+          </a:p>
+          <a:p>
+            <a:pPr marL="0" lvl="0" indent="0" algn="l" rtl="0">
+              <a:spcBef>
+                <a:spcPts val="0"/>
+              </a:spcBef>
+              <a:spcAft>
+                <a:spcPts val="0"/>
+              </a:spcAft>
+              <a:buNone/>
+            </a:pPr>
+            <a:r>
+              <a:rPr lang="en-US" sz="2000" b="0" i="0" dirty="0">
+                <a:solidFill>
+                  <a:srgbClr val="DEE2E6"/>
+                </a:solidFill>
+                <a:effectLst/>
+                <a:highlight>
+                  <a:srgbClr val="212529"/>
+                </a:highlight>
+                <a:latin typeface="+mj-lt"/>
+              </a:rPr>
+              <a:t>Before we talk about version control, we’re going to talk about Git &amp; GitHub</a:t>
+            </a:r>
+            <a:endParaRPr lang="en-US" sz="1200" dirty="0">
               <a:solidFill>
                 <a:schemeClr val="dk1"/>
               </a:solidFill>
-            </a:endParaRPr>
-          </a:p>
-          <a:p>
-            <a:pPr marL="0" lvl="0" indent="0" algn="l" rtl="0">
-              <a:lnSpc>
-                <a:spcPct val="115000"/>
-              </a:lnSpc>
-              <a:spcBef>
-                <a:spcPts val="1300"/>
-              </a:spcBef>
-              <a:spcAft>
-                <a:spcPts val="0"/>
-              </a:spcAft>
-              <a:buNone/>
-            </a:pPr>
-            <a:r>
-              <a:rPr lang="en" sz="1200">
-                <a:solidFill>
-                  <a:schemeClr val="dk1"/>
-                </a:solidFill>
-              </a:rPr>
-              <a:t>Version control is a system that records changes to a file or set of files over time so that you can recall specific versions later.</a:t>
-            </a:r>
-            <a:endParaRPr sz="1200">
-              <a:solidFill>
-                <a:schemeClr val="dk1"/>
-              </a:solidFill>
-            </a:endParaRPr>
-          </a:p>
-          <a:p>
-            <a:pPr marL="0" lvl="0" indent="0" algn="l" rtl="0">
-              <a:spcBef>
-                <a:spcPts val="2500"/>
-              </a:spcBef>
-              <a:spcAft>
-                <a:spcPts val="0"/>
-              </a:spcAft>
-              <a:buClr>
-                <a:schemeClr val="dk1"/>
-              </a:buClr>
-              <a:buSzPts val="1100"/>
-              <a:buFont typeface="Arial"/>
-              <a:buNone/>
-            </a:pPr>
-            <a:endParaRPr sz="1200">
-              <a:solidFill>
-                <a:schemeClr val="dk1"/>
-              </a:solidFill>
+              <a:latin typeface="+mj-lt"/>
             </a:endParaRPr>
           </a:p>
         </p:txBody>
@@ -2012,17 +2082,19 @@
               <a:buNone/>
             </a:pPr>
             <a:r>
-              <a:rPr lang="en" sz="1400">
+              <a:rPr lang="en" sz="1400" dirty="0">
                 <a:solidFill>
                   <a:schemeClr val="dk1"/>
                 </a:solidFill>
+                <a:latin typeface="+mj-lt"/>
               </a:rPr>
               <a:t>Git accomplishes version control by creating a repository in a selected folder on your computer. </a:t>
             </a:r>
-            <a:endParaRPr sz="1400">
+            <a:endParaRPr sz="1400" dirty="0">
               <a:solidFill>
                 <a:schemeClr val="dk1"/>
               </a:solidFill>
+              <a:latin typeface="+mj-lt"/>
             </a:endParaRPr>
           </a:p>
           <a:p>
@@ -2036,21 +2108,23 @@
               <a:buNone/>
             </a:pPr>
             <a:r>
-              <a:rPr lang="en" sz="1400">
+              <a:rPr lang="en" sz="1400" dirty="0">
                 <a:solidFill>
                   <a:schemeClr val="dk1"/>
                 </a:solidFill>
+                <a:latin typeface="+mj-lt"/>
               </a:rPr>
               <a:t>In </a:t>
             </a:r>
             <a:r>
-              <a:rPr lang="en" sz="1400">
+              <a:rPr lang="en" sz="1400" dirty="0">
                 <a:solidFill>
                   <a:schemeClr val="dk1"/>
                 </a:solidFill>
                 <a:uFill>
                   <a:noFill/>
                 </a:uFill>
+                <a:latin typeface="+mj-lt"/>
                 <a:hlinkClick r:id="rId3">
                   <a:extLst>
                     <a:ext uri="{A12FA001-AC4F-418D-AE19-62706E023703}">
@@ -2062,37 +2136,41 @@
               <a:t>software development</a:t>
             </a:r>
             <a:r>
-              <a:rPr lang="en" sz="1400">
+              <a:rPr lang="en" sz="1400" dirty="0">
                 <a:solidFill>
                   <a:schemeClr val="dk1"/>
                 </a:solidFill>
+                <a:latin typeface="+mj-lt"/>
               </a:rPr>
               <a:t>, </a:t>
             </a:r>
             <a:r>
-              <a:rPr lang="en" sz="1400" b="1">
+              <a:rPr lang="en" sz="1400" b="1" dirty="0">
                 <a:solidFill>
                   <a:schemeClr val="dk1"/>
                 </a:solidFill>
+                <a:latin typeface="+mj-lt"/>
               </a:rPr>
               <a:t>distributed version control</a:t>
             </a:r>
             <a:r>
-              <a:rPr lang="en" sz="1400">
+              <a:rPr lang="en" sz="1400" dirty="0">
                 <a:solidFill>
                   <a:schemeClr val="dk1"/>
                 </a:solidFill>
+                <a:latin typeface="+mj-lt"/>
               </a:rPr>
               <a:t> a form of </a:t>
             </a:r>
             <a:r>
-              <a:rPr lang="en" sz="1400">
+              <a:rPr lang="en" sz="1400" dirty="0">
                 <a:solidFill>
                   <a:schemeClr val="dk1"/>
                 </a:solidFill>
                 <a:uFill>
                   <a:noFill/>
                 </a:uFill>
+                <a:latin typeface="+mj-lt"/>
                 <a:hlinkClick r:id="rId4">
                   <a:extLst>
                     <a:ext uri="{A12FA001-AC4F-418D-AE19-62706E023703}">
@@ -2104,21 +2182,23 @@
               <a:t>version control</a:t>
             </a:r>
             <a:r>
-              <a:rPr lang="en" sz="1400">
+              <a:rPr lang="en" sz="1400" dirty="0">
                 <a:solidFill>
                   <a:schemeClr val="dk1"/>
                 </a:solidFill>
+                <a:latin typeface="+mj-lt"/>
               </a:rPr>
               <a:t> in which the complete </a:t>
             </a:r>
             <a:r>
-              <a:rPr lang="en" sz="1400">
+              <a:rPr lang="en" sz="1400" dirty="0">
                 <a:solidFill>
                   <a:schemeClr val="dk1"/>
                 </a:solidFill>
                 <a:uFill>
                   <a:noFill/>
                 </a:uFill>
+                <a:latin typeface="+mj-lt"/>
                 <a:hlinkClick r:id="rId5">
                   <a:extLst>
                     <a:ext uri="{A12FA001-AC4F-418D-AE19-62706E023703}">
@@ -2130,17 +2210,19 @@
               <a:t>codebase</a:t>
             </a:r>
             <a:r>
-              <a:rPr lang="en" sz="1400">
+              <a:rPr lang="en" sz="1400" dirty="0">
                 <a:solidFill>
                   <a:schemeClr val="dk1"/>
                 </a:solidFill>
+                <a:latin typeface="+mj-lt"/>
               </a:rPr>
               <a:t>, including its full history, is mirrored or distributed on every developer's computer. </a:t>
             </a:r>
-            <a:endParaRPr sz="1400">
+            <a:endParaRPr sz="1400" dirty="0">
               <a:solidFill>
                 <a:schemeClr val="dk1"/>
               </a:solidFill>
+              <a:latin typeface="+mj-lt"/>
             </a:endParaRPr>
           </a:p>
           <a:p>
@@ -2154,17 +2236,43 @@
               <a:buNone/>
             </a:pPr>
             <a:r>
-              <a:rPr lang="en" sz="1400">
+              <a:rPr lang="en" sz="1400" dirty="0">
                 <a:solidFill>
                   <a:schemeClr val="dk1"/>
                 </a:solidFill>
+                <a:latin typeface="+mj-lt"/>
               </a:rPr>
-              <a:t>It enables multiple developers to work on a single project simultaneously, managing and tracking changes to the codebase over time.</a:t>
+              <a:t>It enables multiple developers to work on a single project simultaneously, managing and tracking changes to the codebase over time. </a:t>
             </a:r>
-            <a:endParaRPr sz="1400">
+            <a:r>
+              <a:rPr lang="en-US" sz="2400" b="0" i="0" dirty="0">
+                <a:solidFill>
+                  <a:srgbClr val="DEE2E6"/>
+                </a:solidFill>
+                <a:effectLst/>
+                <a:highlight>
+                  <a:srgbClr val="2B3035"/>
+                </a:highlight>
+                <a:latin typeface="+mj-lt"/>
+              </a:rPr>
+              <a:t>These modern systems also include powerful merging tools that make it possible for multiple authors to work on the same files concurrently.</a:t>
+            </a:r>
+          </a:p>
+          <a:p>
+            <a:pPr marL="0" lvl="0" indent="0" algn="l" rtl="0">
+              <a:spcBef>
+                <a:spcPts val="0"/>
+              </a:spcBef>
+              <a:spcAft>
+                <a:spcPts val="0"/>
+              </a:spcAft>
+              <a:buNone/>
+            </a:pPr>
+            <a:endParaRPr sz="1400" dirty="0">
               <a:solidFill>
                 <a:schemeClr val="dk1"/>
               </a:solidFill>
+              <a:latin typeface="+mj-lt"/>
             </a:endParaRPr>
           </a:p>
           <a:p>
@@ -2178,17 +2286,19 @@
               <a:buNone/>
             </a:pPr>
             <a:r>
-              <a:rPr lang="en" sz="1400">
+              <a:rPr lang="en" sz="1400" dirty="0">
                 <a:solidFill>
                   <a:schemeClr val="dk1"/>
                 </a:solidFill>
+                <a:latin typeface="+mj-lt"/>
               </a:rPr>
               <a:t>Benefits</a:t>
             </a:r>
-            <a:endParaRPr sz="1400">
+            <a:endParaRPr sz="1400" dirty="0">
               <a:solidFill>
                 <a:schemeClr val="dk1"/>
               </a:solidFill>
+              <a:latin typeface="+mj-lt"/>
             </a:endParaRPr>
           </a:p>
           <a:p>
@@ -2201,7 +2311,9 @@
               </a:spcAft>
               <a:buNone/>
             </a:pPr>
-            <a:endParaRPr/>
+            <a:endParaRPr dirty="0">
+              <a:latin typeface="+mj-lt"/>
+            </a:endParaRPr>
           </a:p>
           <a:p>
             <a:pPr marL="0" lvl="0" indent="0" algn="l" rtl="0">
@@ -2219,10 +2331,14 @@
               <a:buNone/>
             </a:pPr>
             <a:r>
-              <a:rPr lang="en"/>
+              <a:rPr lang="en" dirty="0">
+                <a:latin typeface="+mj-lt"/>
+              </a:rPr>
               <a:t>• **Local and Remote Repositories:** Git allows distributed version control, enabling users to work locally and then push changes to a remote repository.</a:t>
             </a:r>
-            <a:endParaRPr/>
+            <a:endParaRPr dirty="0">
+              <a:latin typeface="+mj-lt"/>
+            </a:endParaRPr>
           </a:p>
           <a:p>
             <a:pPr marL="0" lvl="0" indent="0" algn="l" rtl="0">
@@ -2239,7 +2355,9 @@
               <a:buFont typeface="Arial"/>
               <a:buNone/>
             </a:pPr>
-            <a:endParaRPr/>
+            <a:endParaRPr dirty="0">
+              <a:latin typeface="+mj-lt"/>
+            </a:endParaRPr>
           </a:p>
           <a:p>
             <a:pPr marL="0" lvl="0" indent="0" algn="l" rtl="0">
@@ -2257,10 +2375,14 @@
               <a:buNone/>
             </a:pPr>
             <a:r>
-              <a:rPr lang="en"/>
+              <a:rPr lang="en" dirty="0">
+                <a:latin typeface="+mj-lt"/>
+              </a:rPr>
               <a:t>• **Branching Capabilities:** Supports branching and merging, allowing you to diverge from the main line of development and create alternate versions of files and directories.</a:t>
             </a:r>
-            <a:endParaRPr/>
+            <a:endParaRPr dirty="0">
+              <a:latin typeface="+mj-lt"/>
+            </a:endParaRPr>
           </a:p>
           <a:p>
             <a:pPr marL="0" lvl="0" indent="0" algn="l" rtl="0">
@@ -2277,7 +2399,9 @@
               <a:buFont typeface="Arial"/>
               <a:buNone/>
             </a:pPr>
-            <a:endParaRPr/>
+            <a:endParaRPr dirty="0">
+              <a:latin typeface="+mj-lt"/>
+            </a:endParaRPr>
           </a:p>
           <a:p>
             <a:pPr marL="0" lvl="0" indent="0" algn="l" rtl="0">
@@ -2295,10 +2419,26 @@
               <a:buNone/>
             </a:pPr>
             <a:r>
-              <a:rPr lang="en"/>
-              <a:t>• **Flexibility in Workflows:** Git supports various workflows such as centralized, feature branch, Gitflow, and Forking, providing flexibility depending on the project needs.</a:t>
+              <a:rPr lang="en" dirty="0">
+                <a:latin typeface="+mj-lt"/>
+              </a:rPr>
+              <a:t>• **Flexibility in Workflows:** Git supports various workflows such as centralized, feature branch, </a:t>
             </a:r>
-            <a:endParaRPr/>
+            <a:r>
+              <a:rPr lang="en" dirty="0" err="1">
+                <a:latin typeface="+mj-lt"/>
+              </a:rPr>
+              <a:t>Gitflow</a:t>
+            </a:r>
+            <a:r>
+              <a:rPr lang="en" dirty="0">
+                <a:latin typeface="+mj-lt"/>
+              </a:rPr>
+              <a:t>, and Forking, providing flexibility depending on the project needs.</a:t>
+            </a:r>
+            <a:endParaRPr dirty="0">
+              <a:latin typeface="+mj-lt"/>
+            </a:endParaRPr>
           </a:p>
           <a:p>
             <a:pPr marL="0" lvl="0" indent="0" algn="l" rtl="0">
@@ -2310,7 +2450,9 @@
               </a:spcAft>
               <a:buNone/>
             </a:pPr>
-            <a:endParaRPr/>
+            <a:endParaRPr dirty="0">
+              <a:latin typeface="+mj-lt"/>
+            </a:endParaRPr>
           </a:p>
         </p:txBody>
       </p:sp>
@@ -2414,7 +2556,7 @@
               </a:spcAft>
               <a:buNone/>
             </a:pPr>
-            <a:endParaRPr sz="1400">
+            <a:endParaRPr sz="1400" dirty="0">
               <a:solidFill>
                 <a:schemeClr val="dk1"/>
               </a:solidFill>
@@ -2431,14 +2573,14 @@
               <a:buNone/>
             </a:pPr>
             <a:r>
-              <a:rPr lang="en" sz="1400">
+              <a:rPr lang="en" sz="1400" dirty="0">
                 <a:solidFill>
                   <a:schemeClr val="dk1"/>
                 </a:solidFill>
               </a:rPr>
               <a:t>While GitHub’s major use is software development it can be utilized for many use cases as we discussed earlier.</a:t>
             </a:r>
-            <a:endParaRPr sz="1400">
+            <a:endParaRPr sz="1400" dirty="0">
               <a:solidFill>
                 <a:schemeClr val="dk1"/>
               </a:solidFill>
@@ -2454,7 +2596,7 @@
               </a:spcAft>
               <a:buNone/>
             </a:pPr>
-            <a:endParaRPr sz="1400">
+            <a:endParaRPr sz="1400" dirty="0">
               <a:solidFill>
                 <a:schemeClr val="dk1"/>
               </a:solidFill>
@@ -2471,14 +2613,14 @@
               <a:buNone/>
             </a:pPr>
             <a:r>
-              <a:rPr lang="en" sz="1400">
+              <a:rPr lang="en" sz="1400" dirty="0">
                 <a:solidFill>
                   <a:schemeClr val="dk1"/>
                 </a:solidFill>
               </a:rPr>
               <a:t> It provides a graphical interface on top of Git's command-line tooling, making it more accessible to a wider range of users.</a:t>
             </a:r>
-            <a:endParaRPr sz="1400">
+            <a:endParaRPr sz="1400" dirty="0">
               <a:solidFill>
                 <a:schemeClr val="dk1"/>
               </a:solidFill>
@@ -2494,7 +2636,7 @@
               </a:spcAft>
               <a:buNone/>
             </a:pPr>
-            <a:endParaRPr sz="1400">
+            <a:endParaRPr sz="1400" dirty="0">
               <a:solidFill>
                 <a:schemeClr val="dk1"/>
               </a:solidFill>
@@ -2511,14 +2653,14 @@
               <a:buNone/>
             </a:pPr>
             <a:r>
-              <a:rPr lang="en" sz="1400">
+              <a:rPr lang="en" sz="1400" dirty="0">
                 <a:solidFill>
                   <a:schemeClr val="dk1"/>
                 </a:solidFill>
               </a:rPr>
               <a:t>GitHub repositories also function as backups of your work while allowing you to collaborate with others if necessary.</a:t>
             </a:r>
-            <a:endParaRPr sz="1400">
+            <a:endParaRPr sz="1400" dirty="0">
               <a:solidFill>
                 <a:schemeClr val="dk1"/>
               </a:solidFill>
@@ -2534,7 +2676,7 @@
               </a:spcAft>
               <a:buNone/>
             </a:pPr>
-            <a:endParaRPr sz="1400" b="1">
+            <a:endParaRPr sz="1400" b="1" dirty="0">
               <a:solidFill>
                 <a:schemeClr val="dk1"/>
               </a:solidFill>
@@ -2554,14 +2696,14 @@
               <a:buNone/>
             </a:pPr>
             <a:r>
-              <a:rPr lang="en" sz="1400">
+              <a:rPr lang="en" sz="1400" dirty="0">
                 <a:solidFill>
                   <a:schemeClr val="dk1"/>
                 </a:solidFill>
               </a:rPr>
               <a:t>Hosts millions of open-source projects, fostering a large developer community.</a:t>
             </a:r>
-            <a:endParaRPr sz="1400">
+            <a:endParaRPr sz="1400" dirty="0">
               <a:solidFill>
                 <a:schemeClr val="dk1"/>
               </a:solidFill>
@@ -2577,7 +2719,7 @@
               </a:spcAft>
               <a:buNone/>
             </a:pPr>
-            <a:endParaRPr sz="1400">
+            <a:endParaRPr sz="1400" dirty="0">
               <a:solidFill>
                 <a:schemeClr val="dk1"/>
               </a:solidFill>
@@ -2594,14 +2736,22 @@
               <a:buNone/>
             </a:pPr>
             <a:r>
-              <a:rPr lang="en" sz="1400">
+              <a:rPr lang="en" sz="1400" dirty="0" err="1">
                 <a:solidFill>
                   <a:schemeClr val="dk1"/>
                 </a:solidFill>
               </a:rPr>
-              <a:t>Codespace: Each is hosted by GitHub in a Docker container, running on a virtual machine.</a:t>
+              <a:t>Codespace</a:t>
             </a:r>
-            <a:endParaRPr sz="1400">
+            <a:r>
+              <a:rPr lang="en" sz="1400" dirty="0">
+                <a:solidFill>
+                  <a:schemeClr val="dk1"/>
+                </a:solidFill>
+              </a:rPr>
+              <a:t>: Each is hosted by GitHub in a Docker container, running on a virtual machine.</a:t>
+            </a:r>
+            <a:endParaRPr sz="1400" dirty="0">
               <a:solidFill>
                 <a:schemeClr val="dk1"/>
               </a:solidFill>
@@ -2618,14 +2768,14 @@
               <a:buNone/>
             </a:pPr>
             <a:r>
-              <a:rPr lang="en" sz="1400">
+              <a:rPr lang="en" sz="1400" dirty="0">
                 <a:solidFill>
                   <a:schemeClr val="dk1"/>
                 </a:solidFill>
               </a:rPr>
               <a:t>	Development platform, free initial use, pay by use after.</a:t>
             </a:r>
-            <a:endParaRPr sz="1400">
+            <a:endParaRPr sz="1400" dirty="0">
               <a:solidFill>
                 <a:schemeClr val="dk1"/>
               </a:solidFill>
@@ -2641,7 +2791,7 @@
               </a:spcAft>
               <a:buNone/>
             </a:pPr>
-            <a:endParaRPr sz="1400">
+            <a:endParaRPr sz="1400" dirty="0">
               <a:solidFill>
                 <a:schemeClr val="dk1"/>
               </a:solidFill>
@@ -2658,14 +2808,14 @@
               <a:buNone/>
             </a:pPr>
             <a:r>
-              <a:rPr lang="en" sz="1400">
+              <a:rPr lang="en" sz="1400" dirty="0">
                 <a:solidFill>
                   <a:schemeClr val="dk1"/>
                 </a:solidFill>
               </a:rPr>
               <a:t>Pages:</a:t>
             </a:r>
-            <a:endParaRPr sz="1400">
+            <a:endParaRPr sz="1400" dirty="0">
               <a:solidFill>
                 <a:schemeClr val="dk1"/>
               </a:solidFill>
@@ -2682,14 +2832,14 @@
               <a:buNone/>
             </a:pPr>
             <a:r>
-              <a:rPr lang="en" sz="1400">
+              <a:rPr lang="en" sz="1400" dirty="0">
                 <a:solidFill>
                   <a:schemeClr val="dk1"/>
                 </a:solidFill>
               </a:rPr>
               <a:t>Websites for projects. Hosted directly from your GitHub repository.</a:t>
             </a:r>
-            <a:endParaRPr sz="1400">
+            <a:endParaRPr sz="1400" dirty="0">
               <a:solidFill>
                 <a:schemeClr val="dk1"/>
               </a:solidFill>
@@ -2705,7 +2855,7 @@
               </a:spcAft>
               <a:buNone/>
             </a:pPr>
-            <a:endParaRPr>
+            <a:endParaRPr dirty="0">
               <a:solidFill>
                 <a:schemeClr val="dk1"/>
               </a:solidFill>
@@ -2722,14 +2872,14 @@
               <a:buNone/>
             </a:pPr>
             <a:r>
-              <a:rPr lang="en">
+              <a:rPr lang="en" dirty="0">
                 <a:solidFill>
                   <a:schemeClr val="dk1"/>
                 </a:solidFill>
               </a:rPr>
               <a:t>Benefits</a:t>
             </a:r>
-            <a:endParaRPr>
+            <a:endParaRPr dirty="0">
               <a:solidFill>
                 <a:schemeClr val="dk1"/>
               </a:solidFill>
@@ -2745,7 +2895,7 @@
               </a:spcAft>
               <a:buNone/>
             </a:pPr>
-            <a:endParaRPr>
+            <a:endParaRPr dirty="0">
               <a:solidFill>
                 <a:schemeClr val="dk1"/>
               </a:solidFill>
@@ -2767,14 +2917,14 @@
               <a:buNone/>
             </a:pPr>
             <a:r>
-              <a:rPr lang="en">
+              <a:rPr lang="en" dirty="0">
                 <a:solidFill>
                   <a:schemeClr val="dk1"/>
                 </a:solidFill>
               </a:rPr>
               <a:t>• **Collaboration:** Facilitates easier collaboration among project team members and is used extensively for open source projects.</a:t>
             </a:r>
-            <a:endParaRPr>
+            <a:endParaRPr dirty="0">
               <a:solidFill>
                 <a:schemeClr val="dk1"/>
               </a:solidFill>
@@ -2795,7 +2945,7 @@
               <a:buFont typeface="Arial"/>
               <a:buNone/>
             </a:pPr>
-            <a:endParaRPr>
+            <a:endParaRPr dirty="0">
               <a:solidFill>
                 <a:schemeClr val="dk1"/>
               </a:solidFill>
@@ -2817,14 +2967,14 @@
               <a:buNone/>
             </a:pPr>
             <a:r>
-              <a:rPr lang="en">
+              <a:rPr lang="en" dirty="0">
                 <a:solidFill>
                   <a:schemeClr val="dk1"/>
                 </a:solidFill>
               </a:rPr>
               <a:t>• **Project Management Tools:** Integrates issue tracking, code reviewing, and a project management dashboard.</a:t>
             </a:r>
-            <a:endParaRPr>
+            <a:endParaRPr dirty="0">
               <a:solidFill>
                 <a:schemeClr val="dk1"/>
               </a:solidFill>
@@ -2845,7 +2995,7 @@
               <a:buFont typeface="Arial"/>
               <a:buNone/>
             </a:pPr>
-            <a:endParaRPr>
+            <a:endParaRPr dirty="0">
               <a:solidFill>
                 <a:schemeClr val="dk1"/>
               </a:solidFill>
@@ -2867,14 +3017,14 @@
               <a:buNone/>
             </a:pPr>
             <a:r>
-              <a:rPr lang="en">
+              <a:rPr lang="en" dirty="0">
                 <a:solidFill>
                   <a:schemeClr val="dk1"/>
                 </a:solidFill>
               </a:rPr>
               <a:t>• **Integration:** Offers integration with many tools and platforms, enhancing the development process.</a:t>
             </a:r>
-            <a:endParaRPr>
+            <a:endParaRPr dirty="0">
               <a:solidFill>
                 <a:schemeClr val="dk1"/>
               </a:solidFill>
@@ -2895,7 +3045,7 @@
               <a:buFont typeface="Arial"/>
               <a:buNone/>
             </a:pPr>
-            <a:endParaRPr>
+            <a:endParaRPr dirty="0">
               <a:solidFill>
                 <a:schemeClr val="dk1"/>
               </a:solidFill>
@@ -2917,14 +3067,14 @@
               <a:buNone/>
             </a:pPr>
             <a:r>
-              <a:rPr lang="en">
+              <a:rPr lang="en" dirty="0">
                 <a:solidFill>
                   <a:schemeClr val="dk1"/>
                 </a:solidFill>
               </a:rPr>
               <a:t>• **Documentation:** Provides a platform for hosting project documentation which can be directly linked to the source code.</a:t>
             </a:r>
-            <a:endParaRPr>
+            <a:endParaRPr dirty="0">
               <a:solidFill>
                 <a:schemeClr val="dk1"/>
               </a:solidFill>
@@ -2940,7 +3090,7 @@
               </a:spcAft>
               <a:buNone/>
             </a:pPr>
-            <a:endParaRPr>
+            <a:endParaRPr dirty="0">
               <a:solidFill>
                 <a:schemeClr val="dk1"/>
               </a:solidFill>
@@ -3049,10 +3199,34 @@
               <a:buNone/>
             </a:pPr>
             <a:r>
-              <a:rPr lang="en"/>
-              <a:t>While one of the main use cases of github.com is software development there are many ways it can be utilized. </a:t>
+              <a:rPr lang="en" dirty="0"/>
+              <a:t>While one of the main use cases of </a:t>
             </a:r>
-            <a:endParaRPr/>
+            <a:r>
+              <a:rPr lang="en" dirty="0" err="1"/>
+              <a:t>github</a:t>
+            </a:r>
+            <a:r>
+              <a:rPr lang="en" dirty="0"/>
+              <a:t> repositories and </a:t>
+            </a:r>
+            <a:r>
+              <a:rPr lang="en" dirty="0" err="1"/>
+              <a:t>github.com</a:t>
+            </a:r>
+            <a:r>
+              <a:rPr lang="en" dirty="0"/>
+              <a:t> is software development there are many ways it can be utilized as illustrated in this </a:t>
+            </a:r>
+            <a:r>
+              <a:rPr lang="en" dirty="0" err="1"/>
+              <a:t>wordmap</a:t>
+            </a:r>
+            <a:r>
+              <a:rPr lang="en" dirty="0"/>
+              <a:t>.</a:t>
+            </a:r>
+            <a:endParaRPr dirty="0"/>
           </a:p>
         </p:txBody>
       </p:sp>
@@ -3147,6 +3321,40 @@
           </a:bodyPr>
           <a:lstStyle/>
           <a:p>
+            <a:pPr marL="0" marR="0" lvl="0" indent="0" algn="l" defTabSz="914400" rtl="0" eaLnBrk="1" fontAlgn="auto" latinLnBrk="0" hangingPunct="1">
+              <a:lnSpc>
+                <a:spcPct val="100000"/>
+              </a:lnSpc>
+              <a:spcBef>
+                <a:spcPts val="1300"/>
+              </a:spcBef>
+              <a:spcAft>
+                <a:spcPts val="0"/>
+              </a:spcAft>
+              <a:buClr>
+                <a:srgbClr val="000000"/>
+              </a:buClr>
+              <a:buSzPts val="1100"/>
+              <a:buFont typeface="Arial"/>
+              <a:buNone/>
+              <a:tabLst/>
+              <a:defRPr/>
+            </a:pPr>
+            <a:r>
+              <a:rPr lang="en-US" sz="2000" b="0" i="0" dirty="0">
+                <a:solidFill>
+                  <a:srgbClr val="DEE2E6"/>
+                </a:solidFill>
+                <a:effectLst/>
+                <a:highlight>
+                  <a:srgbClr val="2B3035"/>
+                </a:highlight>
+                <a:latin typeface="+mj-lt"/>
+              </a:rPr>
+              <a:t>So, what is version control and why should I use it?</a:t>
+            </a:r>
+          </a:p>
+          <a:p>
             <a:pPr marL="0" lvl="0" indent="0" algn="l" rtl="0">
               <a:lnSpc>
                 <a:spcPct val="100000"/>
@@ -3159,15 +3367,12 @@
               </a:spcAft>
               <a:buNone/>
             </a:pPr>
-            <a:r>
-              <a:rPr lang="en" sz="1200">
-                <a:solidFill>
-                  <a:schemeClr val="dk1"/>
-                </a:solidFill>
-              </a:rPr>
-              <a:t>Def: Version control is a system that records changes to a file or set of files over time so that you can recall specific versions later.</a:t>
-            </a:r>
-            <a:endParaRPr sz="1200"/>
+            <a:endParaRPr lang="en" sz="1200" dirty="0">
+              <a:solidFill>
+                <a:schemeClr val="dk1"/>
+              </a:solidFill>
+              <a:latin typeface="+mj-lt"/>
+            </a:endParaRPr>
           </a:p>
           <a:p>
             <a:pPr marL="0" lvl="0" indent="0" algn="l" rtl="0">
@@ -3175,7 +3380,7 @@
                 <a:spcPct val="100000"/>
               </a:lnSpc>
               <a:spcBef>
-                <a:spcPts val="2500"/>
+                <a:spcPts val="1300"/>
               </a:spcBef>
               <a:spcAft>
                 <a:spcPts val="0"/>
@@ -3183,10 +3388,17 @@
               <a:buNone/>
             </a:pPr>
             <a:r>
-              <a:rPr lang="en" sz="1200"/>
-              <a:t>Purpose: It helps in tracking modifications, enabling multiple people to collaborate on the same project without overwriting each other’s work.</a:t>
+              <a:rPr lang="en" sz="1200" dirty="0">
+                <a:solidFill>
+                  <a:schemeClr val="dk1"/>
+                </a:solidFill>
+                <a:latin typeface="+mj-lt"/>
+              </a:rPr>
+              <a:t>Def: Version control is a system that records changes to a file or set of files over time so that you can recall specific versions later.</a:t>
             </a:r>
-            <a:endParaRPr sz="1200"/>
+            <a:endParaRPr sz="1200" dirty="0">
+              <a:latin typeface="+mj-lt"/>
+            </a:endParaRPr>
           </a:p>
           <a:p>
             <a:pPr marL="0" lvl="0" indent="0" algn="l" rtl="0">
@@ -3194,42 +3406,84 @@
                 <a:spcPct val="100000"/>
               </a:lnSpc>
               <a:spcBef>
-                <a:spcPts val="0"/>
-              </a:spcBef>
-              <a:spcAft>
-                <a:spcPts val="0"/>
-              </a:spcAft>
-              <a:buNone/>
-            </a:pPr>
-            <a:endParaRPr sz="1200"/>
+                <a:spcPts val="2500"/>
+              </a:spcBef>
+              <a:spcAft>
+                <a:spcPts val="0"/>
+              </a:spcAft>
+              <a:buNone/>
+            </a:pPr>
+            <a:r>
+              <a:rPr lang="en" sz="1200" dirty="0">
+                <a:latin typeface="+mj-lt"/>
+              </a:rPr>
+              <a:t>Purpose: It helps in tracking modifications, enabling multiple people to collaborate on the same project without overwriting each other’s work.</a:t>
+            </a:r>
           </a:p>
           <a:p>
             <a:pPr marL="0" lvl="0" indent="0" algn="l" rtl="0">
-              <a:spcBef>
-                <a:spcPts val="0"/>
-              </a:spcBef>
-              <a:spcAft>
-                <a:spcPts val="0"/>
-              </a:spcAft>
-              <a:buNone/>
-            </a:pPr>
-            <a:r>
-              <a:rPr lang="en" sz="1200"/>
-              <a:t>Like a diary</a:t>
-            </a:r>
-            <a:endParaRPr sz="1200"/>
+              <a:lnSpc>
+                <a:spcPct val="100000"/>
+              </a:lnSpc>
+              <a:spcBef>
+                <a:spcPts val="2500"/>
+              </a:spcBef>
+              <a:spcAft>
+                <a:spcPts val="0"/>
+              </a:spcAft>
+              <a:buNone/>
+            </a:pPr>
+            <a:endParaRPr lang="en" sz="1200" dirty="0">
+              <a:latin typeface="+mj-lt"/>
+            </a:endParaRPr>
           </a:p>
           <a:p>
             <a:pPr marL="0" lvl="0" indent="0" algn="l" rtl="0">
-              <a:spcBef>
-                <a:spcPts val="0"/>
-              </a:spcBef>
-              <a:spcAft>
-                <a:spcPts val="0"/>
-              </a:spcAft>
-              <a:buNone/>
-            </a:pPr>
-            <a:endParaRPr sz="1200"/>
+              <a:lnSpc>
+                <a:spcPct val="100000"/>
+              </a:lnSpc>
+              <a:spcBef>
+                <a:spcPts val="2500"/>
+              </a:spcBef>
+              <a:spcAft>
+                <a:spcPts val="0"/>
+              </a:spcAft>
+              <a:buNone/>
+            </a:pPr>
+            <a:endParaRPr sz="1200" dirty="0">
+              <a:latin typeface="+mj-lt"/>
+            </a:endParaRPr>
+          </a:p>
+          <a:p>
+            <a:pPr marL="0" lvl="0" indent="0" algn="l" rtl="0">
+              <a:lnSpc>
+                <a:spcPct val="100000"/>
+              </a:lnSpc>
+              <a:spcBef>
+                <a:spcPts val="0"/>
+              </a:spcBef>
+              <a:spcAft>
+                <a:spcPts val="0"/>
+              </a:spcAft>
+              <a:buNone/>
+            </a:pPr>
+            <a:endParaRPr sz="1200" dirty="0">
+              <a:latin typeface="+mj-lt"/>
+            </a:endParaRPr>
+          </a:p>
+          <a:p>
+            <a:pPr marL="0" lvl="0" indent="0" algn="l" rtl="0">
+              <a:spcBef>
+                <a:spcPts val="0"/>
+              </a:spcBef>
+              <a:spcAft>
+                <a:spcPts val="0"/>
+              </a:spcAft>
+              <a:buNone/>
+            </a:pPr>
+            <a:endParaRPr sz="1200" dirty="0">
+              <a:latin typeface="+mj-lt"/>
+            </a:endParaRPr>
           </a:p>
         </p:txBody>
       </p:sp>
@@ -3334,23 +3588,26 @@
               <a:buNone/>
             </a:pPr>
             <a:r>
-              <a:rPr lang="en" sz="1200">
-                <a:solidFill>
-                  <a:srgbClr val="383838"/>
-                </a:solidFill>
+              <a:rPr lang="en-US" sz="2000" b="0" i="0" dirty="0">
+                <a:solidFill>
+                  <a:srgbClr val="DEE2E6"/>
+                </a:solidFill>
+                <a:effectLst/>
                 <a:highlight>
-                  <a:srgbClr val="FFFFFF"/>
+                  <a:srgbClr val="212529"/>
                 </a:highlight>
+                <a:latin typeface="+mn-lt"/>
               </a:rPr>
-              <a:t>Version control systems start with a base version of the document and then record changes you make each step of the way. </a:t>
+              <a:t>Version control systems start with a base version of the document and then record changes you make each step of the way. You can think of it as a recording of your progress: you can rewind to start at the base document and play back each change you made, eventually arriving at your more recent version.</a:t>
             </a:r>
-            <a:endParaRPr sz="1200">
+            <a:endParaRPr lang="en-US" sz="1200" dirty="0">
               <a:solidFill>
                 <a:srgbClr val="383838"/>
               </a:solidFill>
               <a:highlight>
                 <a:srgbClr val="FFFFFF"/>
               </a:highlight>
+              <a:latin typeface="+mn-lt"/>
             </a:endParaRPr>
           </a:p>
           <a:p>
@@ -3363,13 +3620,14 @@
               </a:spcAft>
               <a:buNone/>
             </a:pPr>
-            <a:endParaRPr sz="1200">
+            <a:endParaRPr lang="en-US" sz="1200" dirty="0">
               <a:solidFill>
                 <a:srgbClr val="383838"/>
               </a:solidFill>
               <a:highlight>
                 <a:srgbClr val="FFFFFF"/>
               </a:highlight>
+              <a:latin typeface="+mn-lt"/>
             </a:endParaRPr>
           </a:p>
           <a:p>
@@ -3383,23 +3641,19 @@
               <a:buNone/>
             </a:pPr>
             <a:r>
-              <a:rPr lang="en" sz="1200">
+              <a:rPr lang="en-US" sz="1200" dirty="0">
                 <a:solidFill>
                   <a:srgbClr val="383838"/>
                 </a:solidFill>
                 <a:highlight>
                   <a:srgbClr val="FFFFFF"/>
                 </a:highlight>
+                <a:latin typeface="+mn-lt"/>
               </a:rPr>
-              <a:t>You can think of it as a recording of your progress: you can rewind to start at the base document and play back each change you made, eventually arriving at your more recent version.</a:t>
+              <a:t>Changes are separate from your document. </a:t>
             </a:r>
-            <a:endParaRPr sz="1200">
-              <a:solidFill>
-                <a:srgbClr val="383838"/>
-              </a:solidFill>
-              <a:highlight>
-                <a:srgbClr val="FFFFFF"/>
-              </a:highlight>
+            <a:endParaRPr lang="en-US" dirty="0">
+              <a:latin typeface="+mn-lt"/>
             </a:endParaRPr>
           </a:p>
           <a:p>
@@ -3412,68 +3666,9 @@
               </a:spcAft>
               <a:buNone/>
             </a:pPr>
-            <a:endParaRPr sz="1200">
-              <a:solidFill>
-                <a:srgbClr val="383838"/>
-              </a:solidFill>
-              <a:highlight>
-                <a:srgbClr val="FFFFFF"/>
-              </a:highlight>
+            <a:endParaRPr dirty="0">
+              <a:latin typeface="+mn-lt"/>
             </a:endParaRPr>
-          </a:p>
-          <a:p>
-            <a:pPr marL="0" lvl="0" indent="0" algn="l" rtl="0">
-              <a:spcBef>
-                <a:spcPts val="0"/>
-              </a:spcBef>
-              <a:spcAft>
-                <a:spcPts val="0"/>
-              </a:spcAft>
-              <a:buNone/>
-            </a:pPr>
-            <a:r>
-              <a:rPr lang="en" sz="1200">
-                <a:solidFill>
-                  <a:srgbClr val="383838"/>
-                </a:solidFill>
-                <a:highlight>
-                  <a:srgbClr val="FFFFFF"/>
-                </a:highlight>
-              </a:rPr>
-              <a:t>Changes are separate from your document. *point to changes*  * next slide*</a:t>
-            </a:r>
-            <a:endParaRPr sz="1200">
-              <a:solidFill>
-                <a:srgbClr val="383838"/>
-              </a:solidFill>
-              <a:highlight>
-                <a:srgbClr val="FFFFFF"/>
-              </a:highlight>
-            </a:endParaRPr>
-          </a:p>
-          <a:p>
-            <a:pPr marL="0" lvl="0" indent="0" algn="l" rtl="0">
-              <a:spcBef>
-                <a:spcPts val="0"/>
-              </a:spcBef>
-              <a:spcAft>
-                <a:spcPts val="0"/>
-              </a:spcAft>
-              <a:buNone/>
-            </a:pPr>
-            <a:endParaRPr/>
-          </a:p>
-          <a:p>
-            <a:pPr marL="0" lvl="0" indent="0" algn="l" rtl="0">
-              <a:spcBef>
-                <a:spcPts val="0"/>
-              </a:spcBef>
-              <a:spcAft>
-                <a:spcPts val="0"/>
-              </a:spcAft>
-              <a:buNone/>
-            </a:pPr>
-            <a:endParaRPr/>
           </a:p>
         </p:txBody>
       </p:sp>
@@ -3581,155 +3776,19 @@
               <a:buNone/>
             </a:pPr>
             <a:r>
-              <a:rPr lang="en" sz="1200">
-                <a:solidFill>
-                  <a:srgbClr val="383838"/>
-                </a:solidFill>
+              <a:rPr lang="en-US" sz="2000" b="0" i="0" dirty="0">
+                <a:solidFill>
+                  <a:srgbClr val="DEE2E6"/>
+                </a:solidFill>
+                <a:effectLst/>
                 <a:highlight>
-                  <a:srgbClr val="FFFFFF"/>
+                  <a:srgbClr val="212529"/>
                 </a:highlight>
+                <a:latin typeface="Mulish"/>
               </a:rPr>
               <a:t>Once you think of changes as separate from the document itself, you can then think about “playing back” different sets of changes on the base document, ultimately resulting in different versions of that document. For example, two users can make independent sets of changes on the same document.</a:t>
             </a:r>
-            <a:endParaRPr sz="1200">
-              <a:solidFill>
-                <a:srgbClr val="383838"/>
-              </a:solidFill>
-              <a:highlight>
-                <a:srgbClr val="FFFFFF"/>
-              </a:highlight>
-            </a:endParaRPr>
-          </a:p>
-          <a:p>
-            <a:pPr marL="0" lvl="0" indent="0" algn="l" rtl="0">
-              <a:lnSpc>
-                <a:spcPct val="115000"/>
-              </a:lnSpc>
-              <a:spcBef>
-                <a:spcPts val="1200"/>
-              </a:spcBef>
-              <a:spcAft>
-                <a:spcPts val="0"/>
-              </a:spcAft>
-              <a:buNone/>
-            </a:pPr>
-            <a:r>
-              <a:rPr lang="en" sz="1200">
-                <a:solidFill>
-                  <a:schemeClr val="dk1"/>
-                </a:solidFill>
-              </a:rPr>
-              <a:t>Changes are separate from the document itself, </a:t>
-            </a:r>
-            <a:endParaRPr sz="1200">
-              <a:solidFill>
-                <a:schemeClr val="dk1"/>
-              </a:solidFill>
-            </a:endParaRPr>
-          </a:p>
-          <a:p>
-            <a:pPr marL="0" lvl="0" indent="0" algn="l" rtl="0">
-              <a:lnSpc>
-                <a:spcPct val="115000"/>
-              </a:lnSpc>
-              <a:spcBef>
-                <a:spcPts val="1200"/>
-              </a:spcBef>
-              <a:spcAft>
-                <a:spcPts val="0"/>
-              </a:spcAft>
-              <a:buNone/>
-            </a:pPr>
-            <a:r>
-              <a:rPr lang="en" sz="1200">
-                <a:solidFill>
-                  <a:schemeClr val="dk1"/>
-                </a:solidFill>
-              </a:rPr>
-              <a:t>you “play back” different sets of changes on the base document,</a:t>
-            </a:r>
-            <a:endParaRPr sz="1200">
-              <a:solidFill>
-                <a:schemeClr val="dk1"/>
-              </a:solidFill>
-            </a:endParaRPr>
-          </a:p>
-          <a:p>
-            <a:pPr marL="0" lvl="0" indent="0" algn="l" rtl="0">
-              <a:lnSpc>
-                <a:spcPct val="115000"/>
-              </a:lnSpc>
-              <a:spcBef>
-                <a:spcPts val="1200"/>
-              </a:spcBef>
-              <a:spcAft>
-                <a:spcPts val="0"/>
-              </a:spcAft>
-              <a:buNone/>
-            </a:pPr>
-            <a:r>
-              <a:rPr lang="en" sz="1200">
-                <a:solidFill>
-                  <a:schemeClr val="dk1"/>
-                </a:solidFill>
-              </a:rPr>
-              <a:t>ultimately resulting in different versions of that document. </a:t>
-            </a:r>
-            <a:endParaRPr sz="1200">
-              <a:solidFill>
-                <a:schemeClr val="dk1"/>
-              </a:solidFill>
-            </a:endParaRPr>
-          </a:p>
-          <a:p>
-            <a:pPr marL="0" lvl="0" indent="0" algn="l" rtl="0">
-              <a:lnSpc>
-                <a:spcPct val="150000"/>
-              </a:lnSpc>
-              <a:spcBef>
-                <a:spcPts val="1200"/>
-              </a:spcBef>
-              <a:spcAft>
-                <a:spcPts val="0"/>
-              </a:spcAft>
-              <a:buClr>
-                <a:schemeClr val="dk1"/>
-              </a:buClr>
-              <a:buSzPts val="1100"/>
-              <a:buFont typeface="Arial"/>
-              <a:buNone/>
-            </a:pPr>
-            <a:r>
-              <a:rPr lang="en" sz="1200">
-                <a:solidFill>
-                  <a:srgbClr val="383838"/>
-                </a:solidFill>
-                <a:highlight>
-                  <a:srgbClr val="FFFFFF"/>
-                </a:highlight>
-              </a:rPr>
-              <a:t>Unless multiple users make changes to the same section of the document—cont next slide</a:t>
-            </a:r>
-            <a:endParaRPr sz="1200">
-              <a:solidFill>
-                <a:schemeClr val="dk1"/>
-              </a:solidFill>
-            </a:endParaRPr>
-          </a:p>
-          <a:p>
-            <a:pPr marL="0" lvl="0" indent="0" algn="l" rtl="0">
-              <a:lnSpc>
-                <a:spcPct val="115000"/>
-              </a:lnSpc>
-              <a:spcBef>
-                <a:spcPts val="1200"/>
-              </a:spcBef>
-              <a:spcAft>
-                <a:spcPts val="1200"/>
-              </a:spcAft>
-              <a:buNone/>
-            </a:pPr>
-            <a:endParaRPr sz="1200">
+            <a:endParaRPr lang="en-US" sz="1200" dirty="0">
               <a:solidFill>
                 <a:schemeClr val="dk1"/>
               </a:solidFill>
@@ -3841,18 +3900,19 @@
               <a:buNone/>
             </a:pPr>
             <a:r>
-              <a:rPr lang="en" sz="1200">
+              <a:rPr lang="en-US" sz="1200" dirty="0">
                 <a:solidFill>
                   <a:srgbClr val="383838"/>
                 </a:solidFill>
                 <a:highlight>
                   <a:srgbClr val="FFFFFF"/>
                 </a:highlight>
+                <a:latin typeface="+mn-lt"/>
               </a:rPr>
               <a:t>Unless multiple users make changes to the same section of the document - which is called a </a:t>
             </a:r>
             <a:r>
-              <a:rPr lang="en" sz="1200">
+              <a:rPr lang="en-US" sz="1200" dirty="0">
                 <a:solidFill>
                   <a:srgbClr val="0044D7"/>
                 </a:solidFill>
@@ -3862,6 +3922,7 @@
                 <a:uFill>
                   <a:noFill/>
                 </a:uFill>
+                <a:latin typeface="+mn-lt"/>
                 <a:hlinkClick r:id="rId3">
                   <a:extLst>
                     <a:ext uri="{A12FA001-AC4F-418D-AE19-62706E023703}">
@@ -3873,30 +3934,181 @@
               <a:t>conflict</a:t>
             </a:r>
             <a:r>
-              <a:rPr lang="en" sz="1200">
+              <a:rPr lang="en-US" sz="1200" dirty="0">
                 <a:solidFill>
                   <a:srgbClr val="383838"/>
                 </a:solidFill>
                 <a:highlight>
                   <a:srgbClr val="FFFFFF"/>
                 </a:highlight>
+                <a:latin typeface="+mn-lt"/>
               </a:rPr>
               <a:t> - you can incorporate two sets of changes into the same base document.</a:t>
             </a:r>
-            <a:endParaRPr sz="1200">
+          </a:p>
+          <a:p>
+            <a:pPr marL="0" lvl="0" indent="0" algn="l" rtl="0">
+              <a:lnSpc>
+                <a:spcPct val="150000"/>
+              </a:lnSpc>
+              <a:spcBef>
+                <a:spcPts val="1200"/>
+              </a:spcBef>
+              <a:spcAft>
+                <a:spcPts val="0"/>
+              </a:spcAft>
+              <a:buNone/>
+            </a:pPr>
+            <a:r>
+              <a:rPr lang="en-US" sz="2000" b="0" i="0" dirty="0">
+                <a:solidFill>
+                  <a:srgbClr val="DEE2E6"/>
+                </a:solidFill>
+                <a:effectLst/>
+                <a:highlight>
+                  <a:srgbClr val="212529"/>
+                </a:highlight>
+                <a:latin typeface="+mn-lt"/>
+              </a:rPr>
+              <a:t>A version control system is a tool that keeps track of these changes for us, effectively creating different versions of our files. It allows us to decide which changes will be made to the next version (each record of these changes is called a </a:t>
+            </a:r>
+            <a:r>
+              <a:rPr lang="en-US" sz="2000" b="0" i="0" u="none" strike="noStrike" dirty="0">
+                <a:effectLst/>
+                <a:highlight>
+                  <a:srgbClr val="212529"/>
+                </a:highlight>
+                <a:latin typeface="+mn-lt"/>
+                <a:hlinkClick r:id="rId4"/>
+              </a:rPr>
+              <a:t>commit</a:t>
+            </a:r>
+            <a:r>
+              <a:rPr lang="en-US" sz="2000" b="0" i="0" dirty="0">
+                <a:solidFill>
+                  <a:srgbClr val="DEE2E6"/>
+                </a:solidFill>
+                <a:effectLst/>
+                <a:highlight>
+                  <a:srgbClr val="212529"/>
+                </a:highlight>
+                <a:latin typeface="+mn-lt"/>
+              </a:rPr>
+              <a:t>), and keeps useful metadata about them. The complete history of commits for a particular project and their metadata make up a </a:t>
+            </a:r>
+            <a:r>
+              <a:rPr lang="en-US" sz="2000" b="0" i="0" u="none" strike="noStrike" dirty="0">
+                <a:effectLst/>
+                <a:highlight>
+                  <a:srgbClr val="212529"/>
+                </a:highlight>
+                <a:latin typeface="+mn-lt"/>
+                <a:hlinkClick r:id="rId5"/>
+              </a:rPr>
+              <a:t>repository</a:t>
+            </a:r>
+            <a:r>
+              <a:rPr lang="en-US" sz="2000" b="0" i="0" dirty="0">
+                <a:solidFill>
+                  <a:srgbClr val="DEE2E6"/>
+                </a:solidFill>
+                <a:effectLst/>
+                <a:highlight>
+                  <a:srgbClr val="212529"/>
+                </a:highlight>
+                <a:latin typeface="+mn-lt"/>
+              </a:rPr>
+              <a:t>. Repositories can be kept in sync across different computers, facilitating collaboration among different people.</a:t>
+            </a:r>
+          </a:p>
+          <a:p>
+            <a:pPr marL="171450" lvl="0" indent="-171450" algn="l" rtl="0">
+              <a:lnSpc>
+                <a:spcPct val="150000"/>
+              </a:lnSpc>
+              <a:spcBef>
+                <a:spcPts val="1200"/>
+              </a:spcBef>
+              <a:spcAft>
+                <a:spcPts val="0"/>
+              </a:spcAft>
+              <a:buFontTx/>
+              <a:buChar char="-"/>
+            </a:pPr>
+            <a:r>
+              <a:rPr lang="en-US" sz="1200" dirty="0">
+                <a:solidFill>
+                  <a:srgbClr val="212529"/>
+                </a:solidFill>
+                <a:highlight>
+                  <a:srgbClr val="F8F9F9"/>
+                </a:highlight>
+                <a:latin typeface="+mn-lt"/>
+              </a:rPr>
+              <a:t>Version control is like an unlimited ‘undo’.</a:t>
+            </a:r>
+          </a:p>
+          <a:p>
+            <a:pPr marL="171450" lvl="0" indent="-171450" algn="l" rtl="0">
+              <a:lnSpc>
+                <a:spcPct val="150000"/>
+              </a:lnSpc>
+              <a:spcBef>
+                <a:spcPts val="1200"/>
+              </a:spcBef>
+              <a:spcAft>
+                <a:spcPts val="0"/>
+              </a:spcAft>
+              <a:buFontTx/>
+              <a:buChar char="-"/>
+            </a:pPr>
+            <a:r>
+              <a:rPr lang="en" sz="1200" dirty="0">
+                <a:solidFill>
+                  <a:srgbClr val="212529"/>
+                </a:solidFill>
+                <a:highlight>
+                  <a:srgbClr val="F8F9F9"/>
+                </a:highlight>
+                <a:latin typeface="+mn-lt"/>
+              </a:rPr>
+              <a:t>Version control also allows many people to work in parallel.</a:t>
+            </a:r>
+            <a:endParaRPr sz="1200" dirty="0">
+              <a:solidFill>
+                <a:srgbClr val="212529"/>
+              </a:solidFill>
+              <a:highlight>
+                <a:srgbClr val="F8F9F9"/>
+              </a:highlight>
+              <a:latin typeface="+mn-lt"/>
+            </a:endParaRPr>
+          </a:p>
+          <a:p>
+            <a:pPr marL="0" lvl="0" indent="0" algn="l" rtl="0">
+              <a:lnSpc>
+                <a:spcPct val="150000"/>
+              </a:lnSpc>
+              <a:spcBef>
+                <a:spcPts val="2700"/>
+              </a:spcBef>
+              <a:spcAft>
+                <a:spcPts val="0"/>
+              </a:spcAft>
+              <a:buNone/>
+            </a:pPr>
+            <a:endParaRPr sz="1200" dirty="0">
               <a:solidFill>
                 <a:srgbClr val="383838"/>
               </a:solidFill>
               <a:highlight>
                 <a:srgbClr val="FFFFFF"/>
               </a:highlight>
+              <a:latin typeface="+mn-lt"/>
             </a:endParaRPr>
           </a:p>
           <a:p>
             <a:pPr marL="0" lvl="0" indent="0" algn="l" rtl="0">
-              <a:lnSpc>
-                <a:spcPct val="150000"/>
-              </a:lnSpc>
               <a:spcBef>
                 <a:spcPts val="1200"/>
               </a:spcBef>
@@ -3905,197 +4117,9 @@
               </a:spcAft>
               <a:buNone/>
             </a:pPr>
-            <a:r>
-              <a:rPr lang="en" sz="1200">
-                <a:solidFill>
-                  <a:srgbClr val="383838"/>
-                </a:solidFill>
-                <a:highlight>
-                  <a:srgbClr val="FFFFFF"/>
-                </a:highlight>
-              </a:rPr>
-              <a:t>A VCS is a tool that keeps track of these changes for us, effectively creating different versions of our files. It allows us to decide which changes will be made to the next version (each record of these changes is called a </a:t>
-            </a:r>
-            <a:r>
-              <a:rPr lang="en" sz="1200">
-                <a:solidFill>
-                  <a:srgbClr val="0044D7"/>
-                </a:solidFill>
-                <a:highlight>
-                  <a:srgbClr val="FFFFFF"/>
-                </a:highlight>
-                <a:uFill>
-                  <a:noFill/>
-                </a:uFill>
-                <a:hlinkClick r:id="rId4">
-                  <a:extLst>
-                    <a:ext uri="{A12FA001-AC4F-418D-AE19-62706E023703}">
-                      <ahyp:hlinkClr xmlns:ahyp="http://schemas.microsoft.com/office/drawing/2018/hyperlinkcolor" val="tx"/>
-                    </a:ext>
-                  </a:extLst>
-                </a:hlinkClick>
-              </a:rPr>
-              <a:t>commit</a:t>
-            </a:r>
-            <a:r>
-              <a:rPr lang="en" sz="1200">
-                <a:solidFill>
-                  <a:srgbClr val="383838"/>
-                </a:solidFill>
-                <a:highlight>
-                  <a:srgbClr val="FFFFFF"/>
-                </a:highlight>
-              </a:rPr>
-              <a:t>), and keeps useful metadata about them. The complete history of commits for a particular project and their metadata make up a </a:t>
-            </a:r>
-            <a:r>
-              <a:rPr lang="en" sz="1200">
-                <a:solidFill>
-                  <a:srgbClr val="0044D7"/>
-                </a:solidFill>
-                <a:highlight>
-                  <a:srgbClr val="FFFFFF"/>
-                </a:highlight>
-                <a:uFill>
-                  <a:noFill/>
-                </a:uFill>
-                <a:hlinkClick r:id="rId5">
-                  <a:extLst>
-                    <a:ext uri="{A12FA001-AC4F-418D-AE19-62706E023703}">
-                      <ahyp:hlinkClr xmlns:ahyp="http://schemas.microsoft.com/office/drawing/2018/hyperlinkcolor" val="tx"/>
-                    </a:ext>
-                  </a:extLst>
-                </a:hlinkClick>
-              </a:rPr>
-              <a:t>repository</a:t>
-            </a:r>
-            <a:r>
-              <a:rPr lang="en" sz="1200">
-                <a:solidFill>
-                  <a:srgbClr val="383838"/>
-                </a:solidFill>
-                <a:highlight>
-                  <a:srgbClr val="FFFFFF"/>
-                </a:highlight>
-              </a:rPr>
-              <a:t>. Repositories can be kept in sync across different computers, facilitating collaboration among different people.</a:t>
-            </a:r>
-            <a:endParaRPr sz="1200">
-              <a:solidFill>
-                <a:srgbClr val="383838"/>
-              </a:solidFill>
-              <a:highlight>
-                <a:srgbClr val="FFFFFF"/>
-              </a:highlight>
+            <a:endParaRPr dirty="0">
+              <a:latin typeface="+mn-lt"/>
             </a:endParaRPr>
-          </a:p>
-          <a:p>
-            <a:pPr marL="457200" lvl="0" indent="-304800" algn="l" rtl="0">
-              <a:lnSpc>
-                <a:spcPct val="115000"/>
-              </a:lnSpc>
-              <a:spcBef>
-                <a:spcPts val="1200"/>
-              </a:spcBef>
-              <a:spcAft>
-                <a:spcPts val="0"/>
-              </a:spcAft>
-              <a:buClr>
-                <a:srgbClr val="212529"/>
-              </a:buClr>
-              <a:buSzPts val="1200"/>
-              <a:buChar char="●"/>
-            </a:pPr>
-            <a:r>
-              <a:rPr lang="en" sz="1200">
-                <a:solidFill>
-                  <a:srgbClr val="212529"/>
-                </a:solidFill>
-                <a:highlight>
-                  <a:srgbClr val="F8F9F9"/>
-                </a:highlight>
-              </a:rPr>
-              <a:t>Version control is like an unlimited ‘undo’.</a:t>
-            </a:r>
-            <a:endParaRPr sz="1200">
-              <a:solidFill>
-                <a:srgbClr val="212529"/>
-              </a:solidFill>
-              <a:highlight>
-                <a:srgbClr val="F8F9F9"/>
-              </a:highlight>
-            </a:endParaRPr>
-          </a:p>
-          <a:p>
-            <a:pPr marL="457200" lvl="0" indent="-304800" algn="l" rtl="0">
-              <a:lnSpc>
-                <a:spcPct val="115000"/>
-              </a:lnSpc>
-              <a:spcBef>
-                <a:spcPts val="0"/>
-              </a:spcBef>
-              <a:spcAft>
-                <a:spcPts val="0"/>
-              </a:spcAft>
-              <a:buClr>
-                <a:srgbClr val="212529"/>
-              </a:buClr>
-              <a:buSzPts val="1200"/>
-              <a:buChar char="●"/>
-            </a:pPr>
-            <a:r>
-              <a:rPr lang="en" sz="1200">
-                <a:solidFill>
-                  <a:srgbClr val="212529"/>
-                </a:solidFill>
-                <a:highlight>
-                  <a:srgbClr val="F8F9F9"/>
-                </a:highlight>
-              </a:rPr>
-              <a:t>Version control also allows many people to work in parallel.</a:t>
-            </a:r>
-            <a:endParaRPr sz="1200">
-              <a:solidFill>
-                <a:srgbClr val="212529"/>
-              </a:solidFill>
-              <a:highlight>
-                <a:srgbClr val="F8F9F9"/>
-              </a:highlight>
-            </a:endParaRPr>
-          </a:p>
-          <a:p>
-            <a:pPr marL="0" lvl="0" indent="0" algn="l" rtl="0">
-              <a:lnSpc>
-                <a:spcPct val="150000"/>
-              </a:lnSpc>
-              <a:spcBef>
-                <a:spcPts val="2700"/>
-              </a:spcBef>
-              <a:spcAft>
-                <a:spcPts val="0"/>
-              </a:spcAft>
-              <a:buNone/>
-            </a:pPr>
-            <a:endParaRPr sz="1200">
-              <a:solidFill>
-                <a:srgbClr val="383838"/>
-              </a:solidFill>
-              <a:highlight>
-                <a:srgbClr val="FFFFFF"/>
-              </a:highlight>
-            </a:endParaRPr>
-          </a:p>
-          <a:p>
-            <a:pPr marL="0" lvl="0" indent="0" algn="l" rtl="0">
-              <a:spcBef>
-                <a:spcPts val="1200"/>
-              </a:spcBef>
-              <a:spcAft>
-                <a:spcPts val="0"/>
-              </a:spcAft>
-              <a:buNone/>
-            </a:pPr>
-            <a:endParaRPr/>
           </a:p>
         </p:txBody>
       </p:sp>
@@ -13997,7 +14021,7 @@
               <a:buChar char="●"/>
             </a:pPr>
             <a:r>
-              <a:rPr lang="en" sz="1800">
+              <a:rPr lang="en" sz="1800" dirty="0">
                 <a:solidFill>
                   <a:schemeClr val="dk1"/>
                 </a:solidFill>
@@ -14008,7 +14032,7 @@
               </a:rPr>
               <a:t>Version control is a system that records changes to a file or set of files over time so that you can recall specific versions later.</a:t>
             </a:r>
-            <a:endParaRPr sz="1800">
+            <a:endParaRPr sz="1800" dirty="0">
               <a:solidFill>
                 <a:schemeClr val="dk1"/>
               </a:solidFill>
@@ -14034,7 +14058,7 @@
               <a:buChar char="●"/>
             </a:pPr>
             <a:r>
-              <a:rPr lang="en" sz="1800">
+              <a:rPr lang="en" sz="1800" dirty="0">
                 <a:solidFill>
                   <a:schemeClr val="dk1"/>
                 </a:solidFill>
@@ -14045,7 +14069,7 @@
               </a:rPr>
               <a:t>Track modifications, and collaborate on projects without overwriting other’s work.</a:t>
             </a:r>
-            <a:endParaRPr sz="1800">
+            <a:endParaRPr sz="1800" dirty="0">
               <a:solidFill>
                 <a:schemeClr val="dk1"/>
               </a:solidFill>
@@ -14071,7 +14095,7 @@
               <a:buChar char="●"/>
             </a:pPr>
             <a:r>
-              <a:rPr lang="en" sz="1800">
+              <a:rPr lang="en" sz="1800" dirty="0">
                 <a:solidFill>
                   <a:schemeClr val="dk1"/>
                 </a:solidFill>
@@ -14082,7 +14106,7 @@
               </a:rPr>
               <a:t>Benefits: </a:t>
             </a:r>
-            <a:endParaRPr sz="1800">
+            <a:endParaRPr sz="1800" dirty="0">
               <a:solidFill>
                 <a:schemeClr val="dk1"/>
               </a:solidFill>
@@ -14108,10 +14132,10 @@
               <a:buChar char="○"/>
             </a:pPr>
             <a:r>
-              <a:rPr lang="en"/>
+              <a:rPr lang="en" dirty="0"/>
               <a:t>Backup and Restore</a:t>
             </a:r>
-            <a:endParaRPr/>
+            <a:endParaRPr dirty="0"/>
           </a:p>
           <a:p>
             <a:pPr marL="914400" lvl="1" indent="-342900" algn="l" rtl="0">
@@ -14129,10 +14153,10 @@
               <a:buChar char="○"/>
             </a:pPr>
             <a:r>
-              <a:rPr lang="en"/>
+              <a:rPr lang="en" dirty="0"/>
               <a:t>Synchronization</a:t>
             </a:r>
-            <a:endParaRPr/>
+            <a:endParaRPr dirty="0"/>
           </a:p>
           <a:p>
             <a:pPr marL="914400" lvl="1" indent="-342900" algn="l" rtl="0">
@@ -14150,10 +14174,10 @@
               <a:buChar char="○"/>
             </a:pPr>
             <a:r>
-              <a:rPr lang="en"/>
+              <a:rPr lang="en" dirty="0"/>
               <a:t>Short/Long Term Undo</a:t>
             </a:r>
-            <a:endParaRPr/>
+            <a:endParaRPr dirty="0"/>
           </a:p>
           <a:p>
             <a:pPr marL="914400" lvl="1" indent="-342900" algn="l" rtl="0">
@@ -14171,10 +14195,10 @@
               <a:buChar char="○"/>
             </a:pPr>
             <a:r>
-              <a:rPr lang="en"/>
+              <a:rPr lang="en" dirty="0"/>
               <a:t>Branching and Merging</a:t>
             </a:r>
-            <a:endParaRPr/>
+            <a:endParaRPr dirty="0"/>
           </a:p>
           <a:p>
             <a:pPr marL="0" lvl="0" indent="0" algn="l" rtl="0">
@@ -14186,7 +14210,7 @@
               </a:spcAft>
               <a:buNone/>
             </a:pPr>
-            <a:endParaRPr sz="1800">
+            <a:endParaRPr sz="1800" dirty="0">
               <a:solidFill>
                 <a:schemeClr val="dk1"/>
               </a:solidFill>

--- a/Git & Github_ An Introduction to Version Control.pptx
+++ b/Git & Github_ An Introduction to Version Control.pptx
@@ -2556,11 +2556,14 @@
               </a:spcAft>
               <a:buNone/>
             </a:pPr>
-            <a:endParaRPr sz="1400" dirty="0">
-              <a:solidFill>
-                <a:schemeClr val="dk1"/>
-              </a:solidFill>
-            </a:endParaRPr>
+            <a:r>
+              <a:rPr lang="en-US" sz="2400" b="1" dirty="0"/>
+              <a:t>GitHub</a:t>
+            </a:r>
+            <a:r>
+              <a:rPr lang="en-US" sz="2400" dirty="0"/>
+              <a:t> is a web-based platform that provides version control using Git. </a:t>
+            </a:r>
           </a:p>
           <a:p>
             <a:pPr marL="0" lvl="0" indent="0" algn="l" rtl="0">
@@ -2573,52 +2576,28 @@
               <a:buNone/>
             </a:pPr>
             <a:r>
+              <a:rPr lang="en-US" sz="2400" dirty="0" err="1">
+                <a:solidFill>
+                  <a:schemeClr val="dk1"/>
+                </a:solidFill>
+              </a:rPr>
+              <a:t>Github</a:t>
+            </a:r>
+            <a:r>
+              <a:rPr lang="en-US" sz="2400" dirty="0">
+                <a:solidFill>
+                  <a:schemeClr val="dk1"/>
+                </a:solidFill>
+              </a:rPr>
+              <a:t> Desktop</a:t>
+            </a:r>
+            <a:r>
               <a:rPr lang="en" sz="1400" dirty="0">
                 <a:solidFill>
                   <a:schemeClr val="dk1"/>
                 </a:solidFill>
               </a:rPr>
-              <a:t>While GitHub’s major use is software development it can be utilized for many use cases as we discussed earlier.</a:t>
-            </a:r>
-            <a:endParaRPr sz="1400" dirty="0">
-              <a:solidFill>
-                <a:schemeClr val="dk1"/>
-              </a:solidFill>
-            </a:endParaRPr>
-          </a:p>
-          <a:p>
-            <a:pPr marL="0" lvl="0" indent="0" algn="l" rtl="0">
-              <a:spcBef>
-                <a:spcPts val="0"/>
-              </a:spcBef>
-              <a:spcAft>
-                <a:spcPts val="0"/>
-              </a:spcAft>
-              <a:buNone/>
-            </a:pPr>
-            <a:endParaRPr sz="1400" dirty="0">
-              <a:solidFill>
-                <a:schemeClr val="dk1"/>
-              </a:solidFill>
-            </a:endParaRPr>
-          </a:p>
-          <a:p>
-            <a:pPr marL="0" lvl="0" indent="0" algn="l" rtl="0">
-              <a:spcBef>
-                <a:spcPts val="0"/>
-              </a:spcBef>
-              <a:spcAft>
-                <a:spcPts val="0"/>
-              </a:spcAft>
-              <a:buNone/>
-            </a:pPr>
-            <a:r>
-              <a:rPr lang="en" sz="1400" dirty="0">
-                <a:solidFill>
-                  <a:schemeClr val="dk1"/>
-                </a:solidFill>
-              </a:rPr>
-              <a:t> It provides a graphical interface on top of Git's command-line tooling, making it more accessible to a wider range of users.</a:t>
+              <a:t> provides a graphical interface on top of Git's command-line tooling, making it more accessible to a wider range of users.</a:t>
             </a:r>
             <a:endParaRPr sz="1400" dirty="0">
               <a:solidFill>
@@ -3073,6 +3052,68 @@
                 </a:solidFill>
               </a:rPr>
               <a:t>• **Documentation:** Provides a platform for hosting project documentation which can be directly linked to the source code.</a:t>
+            </a:r>
+          </a:p>
+          <a:p>
+            <a:pPr marL="0" lvl="0" indent="0" algn="l" rtl="0">
+              <a:spcBef>
+                <a:spcPts val="0"/>
+              </a:spcBef>
+              <a:spcAft>
+                <a:spcPts val="0"/>
+              </a:spcAft>
+              <a:buClr>
+                <a:schemeClr val="dk1"/>
+              </a:buClr>
+              <a:buSzPts val="1100"/>
+              <a:buFont typeface="Arial"/>
+              <a:buNone/>
+            </a:pPr>
+            <a:endParaRPr lang="en-US" dirty="0">
+              <a:solidFill>
+                <a:schemeClr val="dk1"/>
+              </a:solidFill>
+            </a:endParaRPr>
+          </a:p>
+          <a:p>
+            <a:pPr marL="0" lvl="0" indent="0" algn="l" rtl="0">
+              <a:spcBef>
+                <a:spcPts val="0"/>
+              </a:spcBef>
+              <a:spcAft>
+                <a:spcPts val="0"/>
+              </a:spcAft>
+              <a:buClr>
+                <a:schemeClr val="dk1"/>
+              </a:buClr>
+              <a:buSzPts val="1100"/>
+              <a:buFont typeface="Arial"/>
+              <a:buNone/>
+            </a:pPr>
+            <a:endParaRPr lang="en-US" dirty="0">
+              <a:solidFill>
+                <a:schemeClr val="dk1"/>
+              </a:solidFill>
+            </a:endParaRPr>
+          </a:p>
+          <a:p>
+            <a:pPr marL="0" lvl="0" indent="0" algn="l" rtl="0">
+              <a:spcBef>
+                <a:spcPts val="0"/>
+              </a:spcBef>
+              <a:spcAft>
+                <a:spcPts val="0"/>
+              </a:spcAft>
+              <a:buClr>
+                <a:schemeClr val="dk1"/>
+              </a:buClr>
+              <a:buSzPts val="1100"/>
+              <a:buFont typeface="Arial"/>
+              <a:buNone/>
+            </a:pPr>
+            <a:r>
+              <a:rPr lang="en-US" dirty="0"/>
+              <a:t>GitHub is more than just a repository for code; it's a comprehensive platform that supports the entire software development lifecycle.  Additionally, its versatile features make it an excellent tool for non-code related projects, enhancing collaboration, organization, and management across various fields.</a:t>
             </a:r>
             <a:endParaRPr dirty="0">
               <a:solidFill>
@@ -13288,7 +13329,7 @@
               <a:buChar char="●"/>
             </a:pPr>
             <a:r>
-              <a:rPr lang="en" sz="1800">
+              <a:rPr lang="en" sz="1800" dirty="0">
                 <a:solidFill>
                   <a:schemeClr val="dk1"/>
                 </a:solidFill>
@@ -13300,7 +13341,7 @@
               <a:t>Web/Desktop based platform that utilizes the </a:t>
             </a:r>
             <a:r>
-              <a:rPr lang="en" sz="1800" b="1">
+              <a:rPr lang="en" sz="1800" b="1" dirty="0">
                 <a:solidFill>
                   <a:schemeClr val="dk1"/>
                 </a:solidFill>
@@ -13312,7 +13353,7 @@
               <a:t>git</a:t>
             </a:r>
             <a:r>
-              <a:rPr lang="en" sz="1800">
+              <a:rPr lang="en" sz="1800" dirty="0">
                 <a:solidFill>
                   <a:schemeClr val="dk1"/>
                 </a:solidFill>
@@ -13323,7 +13364,7 @@
               </a:rPr>
               <a:t> VCS</a:t>
             </a:r>
-            <a:endParaRPr sz="1800">
+            <a:endParaRPr sz="1800" dirty="0">
               <a:solidFill>
                 <a:schemeClr val="dk1"/>
               </a:solidFill>
@@ -13349,10 +13390,10 @@
               <a:buChar char="○"/>
             </a:pPr>
             <a:r>
-              <a:rPr lang="en"/>
+              <a:rPr lang="en" dirty="0"/>
               <a:t>Provides Graphical User Interface </a:t>
             </a:r>
-            <a:endParaRPr sz="1800">
+            <a:endParaRPr sz="1800" dirty="0">
               <a:solidFill>
                 <a:schemeClr val="dk1"/>
               </a:solidFill>
@@ -13378,7 +13419,7 @@
               <a:buChar char="●"/>
             </a:pPr>
             <a:r>
-              <a:rPr lang="en" sz="1800">
+              <a:rPr lang="en" sz="1800" dirty="0">
                 <a:solidFill>
                   <a:schemeClr val="dk1"/>
                 </a:solidFill>
@@ -13390,7 +13431,7 @@
               <a:t>Storage of </a:t>
             </a:r>
             <a:r>
-              <a:rPr lang="en" sz="1800" b="1">
+              <a:rPr lang="en" sz="1800" b="1" dirty="0">
                 <a:solidFill>
                   <a:schemeClr val="dk1"/>
                 </a:solidFill>
@@ -13402,7 +13443,7 @@
               <a:t>git</a:t>
             </a:r>
             <a:r>
-              <a:rPr lang="en" sz="1800">
+              <a:rPr lang="en" sz="1800" dirty="0">
                 <a:solidFill>
                   <a:schemeClr val="dk1"/>
                 </a:solidFill>
@@ -13413,7 +13454,7 @@
               </a:rPr>
               <a:t> repositories enables collaborative use</a:t>
             </a:r>
-            <a:endParaRPr sz="1800">
+            <a:endParaRPr sz="1800" dirty="0">
               <a:solidFill>
                 <a:schemeClr val="dk1"/>
               </a:solidFill>
@@ -13439,7 +13480,7 @@
               <a:buChar char="●"/>
             </a:pPr>
             <a:r>
-              <a:rPr lang="en" sz="1800">
+              <a:rPr lang="en" sz="1800" dirty="0">
                 <a:solidFill>
                   <a:schemeClr val="dk1"/>
                 </a:solidFill>
@@ -13450,7 +13491,7 @@
               </a:rPr>
               <a:t>Hosts millions of open-source projects</a:t>
             </a:r>
-            <a:endParaRPr sz="1800">
+            <a:endParaRPr sz="1800" dirty="0">
               <a:solidFill>
                 <a:schemeClr val="dk1"/>
               </a:solidFill>
@@ -13476,7 +13517,7 @@
               <a:buChar char="●"/>
             </a:pPr>
             <a:r>
-              <a:rPr lang="en" sz="1800">
+              <a:rPr lang="en" sz="1800" dirty="0" err="1">
                 <a:solidFill>
                   <a:schemeClr val="dk1"/>
                 </a:solidFill>
@@ -13485,9 +13526,21 @@
                 <a:cs typeface="Avenir"/>
                 <a:sym typeface="Avenir"/>
               </a:rPr>
-              <a:t>Codespaces virtual environment for development</a:t>
-            </a:r>
-            <a:endParaRPr sz="1800">
+              <a:t>Codespaces</a:t>
+            </a:r>
+            <a:r>
+              <a:rPr lang="en" sz="1800" dirty="0">
+                <a:solidFill>
+                  <a:schemeClr val="dk1"/>
+                </a:solidFill>
+                <a:latin typeface="Avenir"/>
+                <a:ea typeface="Avenir"/>
+                <a:cs typeface="Avenir"/>
+                <a:sym typeface="Avenir"/>
+              </a:rPr>
+              <a:t> virtual environment for development</a:t>
+            </a:r>
+            <a:endParaRPr sz="1800" dirty="0">
               <a:solidFill>
                 <a:schemeClr val="dk1"/>
               </a:solidFill>
@@ -13513,7 +13566,7 @@
               <a:buChar char="●"/>
             </a:pPr>
             <a:r>
-              <a:rPr lang="en" sz="1800">
+              <a:rPr lang="en" sz="1800" dirty="0">
                 <a:solidFill>
                   <a:schemeClr val="dk1"/>
                 </a:solidFill>
@@ -13522,9 +13575,9 @@
                 <a:cs typeface="Avenir"/>
                 <a:sym typeface="Avenir"/>
               </a:rPr>
-              <a:t>GitHub pages</a:t>
-            </a:r>
-            <a:endParaRPr sz="1800">
+              <a:t>GitHub pages &amp; projects</a:t>
+            </a:r>
+            <a:endParaRPr sz="1800" dirty="0">
               <a:solidFill>
                 <a:schemeClr val="dk1"/>
               </a:solidFill>
@@ -13550,7 +13603,7 @@
               <a:buChar char="●"/>
             </a:pPr>
             <a:r>
-              <a:rPr lang="en" sz="1800">
+              <a:rPr lang="en" sz="1800" dirty="0">
                 <a:solidFill>
                   <a:schemeClr val="dk1"/>
                 </a:solidFill>
@@ -13561,7 +13614,7 @@
               </a:rPr>
               <a:t>Benefits:</a:t>
             </a:r>
-            <a:endParaRPr sz="1800">
+            <a:endParaRPr sz="1800" dirty="0">
               <a:solidFill>
                 <a:schemeClr val="dk1"/>
               </a:solidFill>
@@ -13587,7 +13640,7 @@
               <a:buChar char="○"/>
             </a:pPr>
             <a:r>
-              <a:rPr lang="en" sz="1800">
+              <a:rPr lang="en" sz="1800" dirty="0">
                 <a:latin typeface="Avenir"/>
                 <a:ea typeface="Avenir"/>
                 <a:cs typeface="Avenir"/>
@@ -13595,7 +13648,7 @@
               </a:rPr>
               <a:t>Collaboration</a:t>
             </a:r>
-            <a:endParaRPr sz="1800">
+            <a:endParaRPr sz="1800" dirty="0">
               <a:latin typeface="Avenir"/>
               <a:ea typeface="Avenir"/>
               <a:cs typeface="Avenir"/>
@@ -13618,7 +13671,7 @@
               <a:buChar char="○"/>
             </a:pPr>
             <a:r>
-              <a:rPr lang="en" sz="1800">
+              <a:rPr lang="en" sz="1800" dirty="0">
                 <a:latin typeface="Avenir"/>
                 <a:ea typeface="Avenir"/>
                 <a:cs typeface="Avenir"/>
@@ -13626,7 +13679,7 @@
               </a:rPr>
               <a:t>Project Management</a:t>
             </a:r>
-            <a:endParaRPr sz="1800">
+            <a:endParaRPr sz="1800" dirty="0">
               <a:latin typeface="Avenir"/>
               <a:ea typeface="Avenir"/>
               <a:cs typeface="Avenir"/>
@@ -13649,19 +13702,32 @@
               <a:buChar char="○"/>
             </a:pPr>
             <a:r>
-              <a:rPr lang="en" sz="1800">
+              <a:rPr lang="en" sz="1800" dirty="0">
                 <a:latin typeface="Avenir"/>
                 <a:ea typeface="Avenir"/>
                 <a:cs typeface="Avenir"/>
                 <a:sym typeface="Avenir"/>
               </a:rPr>
-              <a:t>Integration - V</a:t>
-            </a:r>
-            <a:r>
-              <a:rPr lang="en"/>
+              <a:t>Integration – </a:t>
+            </a:r>
+            <a:r>
+              <a:rPr lang="en" sz="1800" dirty="0" err="1">
+                <a:latin typeface="Avenir"/>
+                <a:ea typeface="Avenir"/>
+                <a:cs typeface="Avenir"/>
+                <a:sym typeface="Avenir"/>
+              </a:rPr>
+              <a:t>V</a:t>
+            </a:r>
+            <a:r>
+              <a:rPr lang="en" dirty="0" err="1"/>
               <a:t>SCode</a:t>
             </a:r>
-            <a:endParaRPr sz="1800">
+            <a:r>
+              <a:rPr lang="en" dirty="0"/>
+              <a:t> &amp; more</a:t>
+            </a:r>
+            <a:endParaRPr sz="1800" dirty="0">
               <a:latin typeface="Avenir"/>
               <a:ea typeface="Avenir"/>
               <a:cs typeface="Avenir"/>
@@ -13684,7 +13750,7 @@
               <a:buChar char="○"/>
             </a:pPr>
             <a:r>
-              <a:rPr lang="en" sz="1800">
+              <a:rPr lang="en" sz="1800" dirty="0">
                 <a:latin typeface="Avenir"/>
                 <a:ea typeface="Avenir"/>
                 <a:cs typeface="Avenir"/>
@@ -13692,7 +13758,7 @@
               </a:rPr>
               <a:t>Documentation </a:t>
             </a:r>
-            <a:endParaRPr sz="1800">
+            <a:endParaRPr sz="1800" dirty="0">
               <a:latin typeface="Avenir"/>
               <a:ea typeface="Avenir"/>
               <a:cs typeface="Avenir"/>
@@ -13709,7 +13775,7 @@
               </a:spcAft>
               <a:buNone/>
             </a:pPr>
-            <a:endParaRPr sz="1800">
+            <a:endParaRPr sz="1800" dirty="0">
               <a:solidFill>
                 <a:schemeClr val="dk1"/>
               </a:solidFill>

--- a/Git & Github_ An Introduction to Version Control.pptx
+++ b/Git & Github_ An Introduction to Version Control.pptx
@@ -31,6 +31,11 @@
       <p:font typeface="Avenir" panose="02000503020000020003" pitchFamily="2" charset="0"/>
       <p:regular r:id="rId18"/>
       <p:italic r:id="rId19"/>
+    </p:embeddedFont>
+    <p:embeddedFont>
+      <p:font typeface="Avenir Book" panose="02000503020000020003" pitchFamily="2" charset="0"/>
+      <p:regular r:id="rId20"/>
+      <p:italic r:id="rId21"/>
     </p:embeddedFont>
   </p:embeddedFontLst>
   <p:defaultTextStyle>
@@ -1675,7 +1680,7 @@
         </p:nvSpPr>
         <p:spPr>
           <a:xfrm>
-            <a:off x="381300" y="685800"/>
+            <a:off x="381000" y="685800"/>
             <a:ext cx="6096000" cy="3429000"/>
           </a:xfrm>
           <a:custGeom>
@@ -12251,8 +12256,8 @@
         </p:nvSpPr>
         <p:spPr>
           <a:xfrm>
-            <a:off x="2630425" y="299627"/>
-            <a:ext cx="5445900" cy="2146200"/>
+            <a:off x="2630425" y="277342"/>
+            <a:ext cx="5445900" cy="1329785"/>
           </a:xfrm>
           <a:prstGeom prst="rect">
             <a:avLst/>
@@ -12274,10 +12279,10 @@
               <a:buNone/>
             </a:pPr>
             <a:r>
-              <a:rPr lang="en" sz="3600"/>
+              <a:rPr lang="en" sz="3600" dirty="0"/>
               <a:t>Take the class Survey!</a:t>
             </a:r>
-            <a:endParaRPr sz="3600"/>
+            <a:endParaRPr sz="3600" dirty="0"/>
           </a:p>
         </p:txBody>
       </p:sp>
@@ -12293,8 +12298,8 @@
         </p:nvSpPr>
         <p:spPr>
           <a:xfrm>
-            <a:off x="2630325" y="2445925"/>
-            <a:ext cx="5445900" cy="1217100"/>
+            <a:off x="2630425" y="2039852"/>
+            <a:ext cx="5445900" cy="531898"/>
           </a:xfrm>
           <a:prstGeom prst="rect">
             <a:avLst/>
@@ -12315,7 +12320,11 @@
               </a:spcAft>
               <a:buNone/>
             </a:pPr>
-            <a:endParaRPr sz="1600"/>
+            <a:endParaRPr sz="1600" dirty="0">
+              <a:solidFill>
+                <a:schemeClr val="tx1"/>
+              </a:solidFill>
+            </a:endParaRPr>
           </a:p>
           <a:p>
             <a:pPr marL="0" lvl="0" indent="0" algn="r" rtl="0">
@@ -12327,7 +12336,11 @@
               </a:spcAft>
               <a:buNone/>
             </a:pPr>
-            <a:endParaRPr sz="2100" b="1"/>
+            <a:endParaRPr sz="2100" b="1" dirty="0">
+              <a:solidFill>
+                <a:schemeClr val="tx1"/>
+              </a:solidFill>
+            </a:endParaRPr>
           </a:p>
           <a:p>
             <a:pPr marL="0" lvl="0" indent="0" algn="r" rtl="0">
@@ -12340,10 +12353,18 @@
               <a:buNone/>
             </a:pPr>
             <a:r>
-              <a:rPr lang="en" sz="2100" b="1"/>
+              <a:rPr lang="en" sz="2100" b="1" dirty="0">
+                <a:solidFill>
+                  <a:schemeClr val="tx1"/>
+                </a:solidFill>
+              </a:rPr>
               <a:t>It’s only 4 questions!</a:t>
             </a:r>
-            <a:endParaRPr sz="2100" b="1"/>
+            <a:endParaRPr sz="2100" b="1" dirty="0">
+              <a:solidFill>
+                <a:schemeClr val="tx1"/>
+              </a:solidFill>
+            </a:endParaRPr>
           </a:p>
           <a:p>
             <a:pPr marL="0" lvl="0" indent="0" algn="r" rtl="0">
@@ -12356,10 +12377,42 @@
               <a:buNone/>
             </a:pPr>
             <a:r>
-              <a:rPr lang="en" sz="2600" b="1"/>
-              <a:t>https://tinyurl.com/gitintrosurvey</a:t>
-            </a:r>
-            <a:endParaRPr sz="2600" b="1"/>
+              <a:rPr lang="en" sz="2600" b="1" dirty="0">
+                <a:solidFill>
+                  <a:schemeClr val="tx1"/>
+                </a:solidFill>
+              </a:rPr>
+              <a:t>https://</a:t>
+            </a:r>
+            <a:r>
+              <a:rPr lang="en" sz="2600" b="1" dirty="0" err="1">
+                <a:solidFill>
+                  <a:schemeClr val="tx1"/>
+                </a:solidFill>
+              </a:rPr>
+              <a:t>tinyurl.com</a:t>
+            </a:r>
+            <a:r>
+              <a:rPr lang="en" sz="2600" b="1" dirty="0">
+                <a:solidFill>
+                  <a:schemeClr val="tx1"/>
+                </a:solidFill>
+              </a:rPr>
+              <a:t>/</a:t>
+            </a:r>
+            <a:r>
+              <a:rPr lang="en" sz="2600" b="1" dirty="0" err="1">
+                <a:solidFill>
+                  <a:schemeClr val="tx1"/>
+                </a:solidFill>
+              </a:rPr>
+              <a:t>gitintrosurvey</a:t>
+            </a:r>
+            <a:endParaRPr sz="2600" b="1" dirty="0">
+              <a:solidFill>
+                <a:schemeClr val="tx1"/>
+              </a:solidFill>
+            </a:endParaRPr>
           </a:p>
         </p:txBody>
       </p:sp>
@@ -12406,6 +12459,76 @@
               <a:cs typeface="Avenir"/>
               <a:sym typeface="Avenir"/>
             </a:endParaRPr>
+          </a:p>
+        </p:txBody>
+      </p:sp>
+      <p:pic>
+        <p:nvPicPr>
+          <p:cNvPr id="3" name="Picture 2" descr="A qr code on a white background&#10;&#10;Description automatically generated">
+            <a:extLst>
+              <a:ext uri="{FF2B5EF4-FFF2-40B4-BE49-F238E27FC236}">
+                <a16:creationId xmlns:a16="http://schemas.microsoft.com/office/drawing/2014/main" id="{9B1F3A60-FB57-085C-DF37-2210F061AC49}"/>
+              </a:ext>
+            </a:extLst>
+          </p:cNvPr>
+          <p:cNvPicPr>
+            <a:picLocks noChangeAspect="1"/>
+          </p:cNvPicPr>
+          <p:nvPr/>
+        </p:nvPicPr>
+        <p:blipFill>
+          <a:blip r:embed="rId3"/>
+          <a:stretch>
+            <a:fillRect/>
+          </a:stretch>
+        </p:blipFill>
+        <p:spPr>
+          <a:xfrm>
+            <a:off x="3755201" y="2756177"/>
+            <a:ext cx="1633597" cy="1586923"/>
+          </a:xfrm>
+          <a:prstGeom prst="rect">
+            <a:avLst/>
+          </a:prstGeom>
+        </p:spPr>
+      </p:pic>
+      <p:sp>
+        <p:nvSpPr>
+          <p:cNvPr id="4" name="TextBox 3">
+            <a:extLst>
+              <a:ext uri="{FF2B5EF4-FFF2-40B4-BE49-F238E27FC236}">
+                <a16:creationId xmlns:a16="http://schemas.microsoft.com/office/drawing/2014/main" id="{F46FE9F3-06FF-B41E-6689-22B255BD006C}"/>
+              </a:ext>
+            </a:extLst>
+          </p:cNvPr>
+          <p:cNvSpPr txBox="1"/>
+          <p:nvPr/>
+        </p:nvSpPr>
+        <p:spPr>
+          <a:xfrm>
+            <a:off x="5708073" y="3006436"/>
+            <a:ext cx="2590800" cy="954107"/>
+          </a:xfrm>
+          <a:prstGeom prst="rect">
+            <a:avLst/>
+          </a:prstGeom>
+          <a:noFill/>
+        </p:spPr>
+        <p:txBody>
+          <a:bodyPr wrap="square" rtlCol="0">
+            <a:spAutoFit/>
+          </a:bodyPr>
+          <a:lstStyle/>
+          <a:p>
+            <a:r>
+              <a:rPr lang="en-US" sz="2800" b="1" dirty="0">
+                <a:solidFill>
+                  <a:schemeClr val="tx1"/>
+                </a:solidFill>
+                <a:latin typeface="Avenir Book" panose="02000503020000020003" pitchFamily="2" charset="0"/>
+              </a:rPr>
+              <a:t>Scan for survey!</a:t>
+            </a:r>
           </a:p>
         </p:txBody>
       </p:sp>
